--- a/Neat Water Supply Presentation.pptx
+++ b/Neat Water Supply Presentation.pptx
@@ -8,10 +8,10 @@
     <p:sldId id="256" r:id="rId5"/>
     <p:sldId id="257" r:id="rId6"/>
     <p:sldId id="260" r:id="rId7"/>
-    <p:sldId id="258" r:id="rId8"/>
-    <p:sldId id="261" r:id="rId9"/>
-    <p:sldId id="262" r:id="rId10"/>
-    <p:sldId id="263" r:id="rId11"/>
+    <p:sldId id="261" r:id="rId8"/>
+    <p:sldId id="258" r:id="rId9"/>
+    <p:sldId id="263" r:id="rId10"/>
+    <p:sldId id="271" r:id="rId11"/>
     <p:sldId id="264" r:id="rId12"/>
     <p:sldId id="265" r:id="rId13"/>
     <p:sldId id="266" r:id="rId14"/>
@@ -19,12 +19,12 @@
     <p:sldId id="268" r:id="rId16"/>
     <p:sldId id="269" r:id="rId17"/>
     <p:sldId id="270" r:id="rId18"/>
-    <p:sldId id="271" r:id="rId19"/>
-    <p:sldId id="272" r:id="rId20"/>
-    <p:sldId id="273" r:id="rId21"/>
-    <p:sldId id="274" r:id="rId22"/>
-    <p:sldId id="275" r:id="rId23"/>
-    <p:sldId id="276" r:id="rId24"/>
+    <p:sldId id="272" r:id="rId19"/>
+    <p:sldId id="273" r:id="rId20"/>
+    <p:sldId id="274" r:id="rId21"/>
+    <p:sldId id="275" r:id="rId22"/>
+    <p:sldId id="276" r:id="rId23"/>
+    <p:sldId id="277" r:id="rId24"/>
   </p:sldIdLst>
   <p:sldSz cx="9753600" cy="7315200"/>
   <p:notesSz cx="6858000" cy="9144000"/>
@@ -165,14 +165,10 @@
             <p14:sldId id="256"/>
             <p14:sldId id="257"/>
             <p14:sldId id="260"/>
-          </p14:sldIdLst>
-        </p14:section>
-        <p14:section name="Untitled Section" id="{F21C5111-E6A3-4E79-BB55-C555010312D1}">
-          <p14:sldIdLst>
+            <p14:sldId id="261"/>
             <p14:sldId id="258"/>
-            <p14:sldId id="261"/>
-            <p14:sldId id="262"/>
             <p14:sldId id="263"/>
+            <p14:sldId id="271"/>
             <p14:sldId id="264"/>
             <p14:sldId id="265"/>
             <p14:sldId id="266"/>
@@ -180,12 +176,12 @@
             <p14:sldId id="268"/>
             <p14:sldId id="269"/>
             <p14:sldId id="270"/>
-            <p14:sldId id="271"/>
             <p14:sldId id="272"/>
             <p14:sldId id="273"/>
             <p14:sldId id="274"/>
             <p14:sldId id="275"/>
             <p14:sldId id="276"/>
+            <p14:sldId id="277"/>
           </p14:sldIdLst>
         </p14:section>
       </p14:sectionLst>
@@ -211,7 +207,7 @@
 <file path=ppt/revisionInfo.xml><?xml version="1.0" encoding="utf-8"?>
 <p1510:revInfo xmlns:a="http://schemas.openxmlformats.org/drawingml/2006/main" xmlns:r="http://schemas.openxmlformats.org/officeDocument/2006/relationships" xmlns:p1510="http://schemas.microsoft.com/office/powerpoint/2015/10/main">
   <p1510:revLst>
-    <p1510:client id="{D0AA94B6-CF4D-4622-8791-730F40721480}" v="9" dt="2024-04-04T23:11:58.824"/>
+    <p1510:client id="{C22950DE-4BC8-4C67-B1BA-34756E5EAC5A}" v="57" dt="2024-04-04T23:47:08.972"/>
   </p1510:revLst>
 </p1510:revInfo>
 </file>
@@ -4346,7 +4342,7 @@
     </p:spTree>
     <p:extLst>
       <p:ext uri="{BB962C8B-B14F-4D97-AF65-F5344CB8AC3E}">
-        <p14:creationId xmlns:p14="http://schemas.microsoft.com/office/powerpoint/2010/main" val="1552856171"/>
+        <p14:creationId xmlns:p14="http://schemas.microsoft.com/office/powerpoint/2010/main" val="1287238197"/>
       </p:ext>
     </p:extLst>
   </p:cSld>
@@ -4511,7 +4507,7 @@
     </p:spTree>
     <p:extLst>
       <p:ext uri="{BB962C8B-B14F-4D97-AF65-F5344CB8AC3E}">
-        <p14:creationId xmlns:p14="http://schemas.microsoft.com/office/powerpoint/2010/main" val="1287238197"/>
+        <p14:creationId xmlns:p14="http://schemas.microsoft.com/office/powerpoint/2010/main" val="703961781"/>
       </p:ext>
     </p:extLst>
   </p:cSld>
@@ -4676,7 +4672,7 @@
     </p:spTree>
     <p:extLst>
       <p:ext uri="{BB962C8B-B14F-4D97-AF65-F5344CB8AC3E}">
-        <p14:creationId xmlns:p14="http://schemas.microsoft.com/office/powerpoint/2010/main" val="703961781"/>
+        <p14:creationId xmlns:p14="http://schemas.microsoft.com/office/powerpoint/2010/main" val="1378946825"/>
       </p:ext>
     </p:extLst>
   </p:cSld>
@@ -4841,7 +4837,7 @@
     </p:spTree>
     <p:extLst>
       <p:ext uri="{BB962C8B-B14F-4D97-AF65-F5344CB8AC3E}">
-        <p14:creationId xmlns:p14="http://schemas.microsoft.com/office/powerpoint/2010/main" val="1378946825"/>
+        <p14:creationId xmlns:p14="http://schemas.microsoft.com/office/powerpoint/2010/main" val="140179960"/>
       </p:ext>
     </p:extLst>
   </p:cSld>
@@ -5006,7 +5002,7 @@
     </p:spTree>
     <p:extLst>
       <p:ext uri="{BB962C8B-B14F-4D97-AF65-F5344CB8AC3E}">
-        <p14:creationId xmlns:p14="http://schemas.microsoft.com/office/powerpoint/2010/main" val="140179960"/>
+        <p14:creationId xmlns:p14="http://schemas.microsoft.com/office/powerpoint/2010/main" val="2292589960"/>
       </p:ext>
     </p:extLst>
   </p:cSld>
@@ -5502,7 +5498,7 @@
     </p:spTree>
     <p:extLst>
       <p:ext uri="{BB962C8B-B14F-4D97-AF65-F5344CB8AC3E}">
-        <p14:creationId xmlns:p14="http://schemas.microsoft.com/office/powerpoint/2010/main" val="2292589960"/>
+        <p14:creationId xmlns:p14="http://schemas.microsoft.com/office/powerpoint/2010/main" val="1082065042"/>
       </p:ext>
     </p:extLst>
   </p:cSld>
@@ -6149,6 +6145,142 @@
         <p:spPr>
           <a:xfrm>
             <a:off x="0" y="0"/>
+            <a:ext cx="9753600" cy="7315200"/>
+          </a:xfrm>
+          <a:custGeom>
+            <a:avLst/>
+            <a:gdLst/>
+            <a:ahLst/>
+            <a:cxnLst/>
+            <a:rect l="l" t="t" r="r" b="b"/>
+            <a:pathLst>
+              <a:path w="9753600" h="7315200">
+                <a:moveTo>
+                  <a:pt x="0" y="0"/>
+                </a:moveTo>
+                <a:lnTo>
+                  <a:pt x="9753600" y="0"/>
+                </a:lnTo>
+                <a:lnTo>
+                  <a:pt x="9753600" y="7315200"/>
+                </a:lnTo>
+                <a:lnTo>
+                  <a:pt x="0" y="7315200"/>
+                </a:lnTo>
+                <a:lnTo>
+                  <a:pt x="0" y="0"/>
+                </a:lnTo>
+                <a:close/>
+              </a:path>
+            </a:pathLst>
+          </a:custGeom>
+          <a:blipFill>
+            <a:blip r:embed="rId2"/>
+            <a:stretch>
+              <a:fillRect l="-52430" t="-5377" r="-30529" b="-50443"/>
+            </a:stretch>
+          </a:blipFill>
+        </p:spPr>
+        <p:txBody>
+          <a:bodyPr/>
+          <a:lstStyle/>
+          <a:p>
+            <a:endParaRPr lang="pt-PT" dirty="0"/>
+          </a:p>
+        </p:txBody>
+      </p:sp>
+      <p:sp>
+        <p:nvSpPr>
+          <p:cNvPr id="3" name="TextBox 3"/>
+          <p:cNvSpPr txBox="1"/>
+          <p:nvPr/>
+        </p:nvSpPr>
+        <p:spPr>
+          <a:xfrm>
+            <a:off x="42794" y="169718"/>
+            <a:ext cx="9668013" cy="1248227"/>
+          </a:xfrm>
+          <a:prstGeom prst="rect">
+            <a:avLst/>
+          </a:prstGeom>
+        </p:spPr>
+        <p:txBody>
+          <a:bodyPr lIns="0" tIns="0" rIns="0" bIns="0" rtlCol="0" anchor="t">
+            <a:spAutoFit/>
+          </a:bodyPr>
+          <a:lstStyle/>
+          <a:p>
+            <a:pPr algn="ctr">
+              <a:lnSpc>
+                <a:spcPts val="10360"/>
+              </a:lnSpc>
+            </a:pPr>
+            <a:r>
+              <a:rPr lang="en-US" sz="7400" dirty="0">
+                <a:solidFill>
+                  <a:srgbClr val="FFFFFF"/>
+                </a:solidFill>
+                <a:latin typeface="Libre Baskerville Bold"/>
+              </a:rPr>
+              <a:t>O </a:t>
+            </a:r>
+            <a:r>
+              <a:rPr lang="en-US" sz="7400" dirty="0" err="1">
+                <a:solidFill>
+                  <a:srgbClr val="FFFFFF"/>
+                </a:solidFill>
+                <a:latin typeface="Libre Baskerville Bold"/>
+              </a:rPr>
+              <a:t>Grafo</a:t>
+            </a:r>
+            <a:endParaRPr lang="en-US" sz="7400" dirty="0">
+              <a:solidFill>
+                <a:srgbClr val="FFFFFF"/>
+              </a:solidFill>
+              <a:latin typeface="Libre Baskerville Bold"/>
+            </a:endParaRPr>
+          </a:p>
+        </p:txBody>
+      </p:sp>
+    </p:spTree>
+    <p:extLst>
+      <p:ext uri="{BB962C8B-B14F-4D97-AF65-F5344CB8AC3E}">
+        <p14:creationId xmlns:p14="http://schemas.microsoft.com/office/powerpoint/2010/main" val="4244296963"/>
+      </p:ext>
+    </p:extLst>
+  </p:cSld>
+  <p:clrMapOvr>
+    <a:masterClrMapping/>
+  </p:clrMapOvr>
+</p:sld>
+</file>
+
+<file path=ppt/slides/slide5.xml><?xml version="1.0" encoding="utf-8"?>
+<p:sld xmlns:a="http://schemas.openxmlformats.org/drawingml/2006/main" xmlns:r="http://schemas.openxmlformats.org/officeDocument/2006/relationships" xmlns:p="http://schemas.openxmlformats.org/presentationml/2006/main">
+  <p:cSld>
+    <p:spTree>
+      <p:nvGrpSpPr>
+        <p:cNvPr id="1" name=""/>
+        <p:cNvGrpSpPr/>
+        <p:nvPr/>
+      </p:nvGrpSpPr>
+      <p:grpSpPr>
+        <a:xfrm>
+          <a:off x="0" y="0"/>
+          <a:ext cx="0" cy="0"/>
+          <a:chOff x="0" y="0"/>
+          <a:chExt cx="0" cy="0"/>
+        </a:xfrm>
+      </p:grpSpPr>
+      <p:sp>
+        <p:nvSpPr>
+          <p:cNvPr id="2" name="Freeform 2"/>
+          <p:cNvSpPr/>
+          <p:nvPr/>
+        </p:nvSpPr>
+        <p:spPr>
+          <a:xfrm>
+            <a:off x="0" y="0"/>
             <a:ext cx="9753600" cy="7336277"/>
           </a:xfrm>
           <a:custGeom>
@@ -6605,7 +6737,7 @@
 </p:sld>
 </file>
 
-<file path=ppt/slides/slide5.xml><?xml version="1.0" encoding="utf-8"?>
+<file path=ppt/slides/slide6.xml><?xml version="1.0" encoding="utf-8"?>
 <p:sld xmlns:a="http://schemas.openxmlformats.org/drawingml/2006/main" xmlns:r="http://schemas.openxmlformats.org/officeDocument/2006/relationships" xmlns:p="http://schemas.openxmlformats.org/presentationml/2006/main">
   <p:cSld>
     <p:spTree>
@@ -6721,38 +6853,280 @@
         </p:nvSpPr>
         <p:spPr>
           <a:xfrm>
-            <a:off x="4420691" y="4500880"/>
-            <a:ext cx="912217" cy="372745"/>
+            <a:off x="228600" y="1439075"/>
+            <a:ext cx="9220199" cy="3877985"/>
           </a:xfrm>
           <a:prstGeom prst="rect">
             <a:avLst/>
           </a:prstGeom>
         </p:spPr>
         <p:txBody>
-          <a:bodyPr lIns="0" tIns="0" rIns="0" bIns="0" rtlCol="0" anchor="t">
+          <a:bodyPr wrap="square" lIns="0" tIns="0" rIns="0" bIns="0" rtlCol="0" anchor="t">
             <a:spAutoFit/>
           </a:bodyPr>
           <a:lstStyle/>
           <a:p>
-            <a:pPr algn="ctr">
-              <a:lnSpc>
-                <a:spcPts val="3079"/>
-              </a:lnSpc>
-            </a:pPr>
-            <a:r>
-              <a:rPr lang="en-US" sz="2199" dirty="0" err="1">
-                <a:solidFill>
-                  <a:srgbClr val="FFFFFF"/>
-                </a:solidFill>
-                <a:latin typeface="Libre Baskerville"/>
-              </a:rPr>
-              <a:t>Corpo</a:t>
-            </a:r>
-            <a:endParaRPr lang="en-US" sz="2199" dirty="0">
+            <a:r>
+              <a:rPr lang="pt-PT" sz="1400" b="0" i="0" dirty="0">
+                <a:solidFill>
+                  <a:srgbClr val="ECECEC"/>
+                </a:solidFill>
+                <a:effectLst/>
+                <a:latin typeface="+mj-lt"/>
+              </a:rPr>
+              <a:t>O algoritmo de </a:t>
+            </a:r>
+            <a:r>
+              <a:rPr lang="pt-PT" sz="1400" b="0" i="0" dirty="0" err="1">
+                <a:solidFill>
+                  <a:srgbClr val="ECECEC"/>
+                </a:solidFill>
+                <a:effectLst/>
+                <a:latin typeface="+mj-lt"/>
+              </a:rPr>
+              <a:t>Edmonds-Karp</a:t>
+            </a:r>
+            <a:r>
+              <a:rPr lang="pt-PT" sz="1400" b="0" i="0" dirty="0">
+                <a:solidFill>
+                  <a:srgbClr val="ECECEC"/>
+                </a:solidFill>
+                <a:effectLst/>
+                <a:latin typeface="+mj-lt"/>
+              </a:rPr>
+              <a:t> é uma técnica para encontrar o fluxo máximo em uma rede de fluxo, que é representada por um grafo </a:t>
+            </a:r>
+            <a:r>
+              <a:rPr lang="pt-PT" sz="1400" b="0" i="0" dirty="0" err="1">
+                <a:solidFill>
+                  <a:srgbClr val="ECECEC"/>
+                </a:solidFill>
+                <a:effectLst/>
+                <a:latin typeface="+mj-lt"/>
+              </a:rPr>
+              <a:t>direcionado</a:t>
+            </a:r>
+            <a:r>
+              <a:rPr lang="pt-PT" sz="1400" b="0" i="0" dirty="0">
+                <a:solidFill>
+                  <a:srgbClr val="ECECEC"/>
+                </a:solidFill>
+                <a:effectLst/>
+                <a:latin typeface="+mj-lt"/>
+              </a:rPr>
+              <a:t> ponderado, onde os vértices representam os nós da rede (por exemplo, locais de abastecimento de água) e as arestas representam os canais de fluxo (por exemplo, tubulações de água) entre esses nós. Aqui está uma breve explicação das funções implementadas:</a:t>
+            </a:r>
+          </a:p>
+          <a:p>
+            <a:r>
+              <a:rPr lang="pt-PT" sz="1400" b="0" i="0" dirty="0" err="1">
+                <a:solidFill>
+                  <a:srgbClr val="ECECEC"/>
+                </a:solidFill>
+                <a:effectLst/>
+                <a:latin typeface="+mj-lt"/>
+              </a:rPr>
+              <a:t>findMinResidualAlongPath</a:t>
+            </a:r>
+            <a:r>
+              <a:rPr lang="pt-PT" sz="1400" b="0" i="0" dirty="0">
+                <a:solidFill>
+                  <a:srgbClr val="ECECEC"/>
+                </a:solidFill>
+                <a:effectLst/>
+                <a:latin typeface="+mj-lt"/>
+              </a:rPr>
+              <a:t>: Esta função encontra a capacidade residual mínima ao longo de um caminho aumentador de um vértice de origem para um vértice de destino. Isso é útil para determinar quanto fluxo pode ser adicionado ao longo do caminho.</a:t>
+            </a:r>
+          </a:p>
+          <a:p>
+            <a:r>
+              <a:rPr lang="pt-PT" sz="1400" b="0" i="0" dirty="0" err="1">
+                <a:solidFill>
+                  <a:srgbClr val="ECECEC"/>
+                </a:solidFill>
+                <a:effectLst/>
+                <a:latin typeface="+mj-lt"/>
+              </a:rPr>
+              <a:t>findAugmentingPath</a:t>
+            </a:r>
+            <a:r>
+              <a:rPr lang="pt-PT" sz="1400" b="0" i="0" dirty="0">
+                <a:solidFill>
+                  <a:srgbClr val="ECECEC"/>
+                </a:solidFill>
+                <a:effectLst/>
+                <a:latin typeface="+mj-lt"/>
+              </a:rPr>
+              <a:t>: Esta função utiliza a busca em largura (BFS) para encontrar um caminho aumentador no grafo. Um caminho aumentador é um caminho do vértice de origem ao vértice de destino no qual o fluxo pode ser aumentado. Ele marca os vértices visitados durante a busca.</a:t>
+            </a:r>
+          </a:p>
+          <a:p>
+            <a:r>
+              <a:rPr lang="pt-PT" sz="1400" b="0" i="0" dirty="0" err="1">
+                <a:solidFill>
+                  <a:srgbClr val="ECECEC"/>
+                </a:solidFill>
+                <a:effectLst/>
+                <a:latin typeface="+mj-lt"/>
+              </a:rPr>
+              <a:t>augmentFlowAlongPath</a:t>
+            </a:r>
+            <a:r>
+              <a:rPr lang="pt-PT" sz="1400" b="0" i="0" dirty="0">
+                <a:solidFill>
+                  <a:srgbClr val="ECECEC"/>
+                </a:solidFill>
+                <a:effectLst/>
+                <a:latin typeface="+mj-lt"/>
+              </a:rPr>
+              <a:t>: Esta função aumenta o fluxo ao longo do caminho aumentador encontrado </a:t>
+            </a:r>
+            <a:r>
+              <a:rPr lang="pt-PT" sz="1400" b="0" i="0" dirty="0" err="1">
+                <a:solidFill>
+                  <a:srgbClr val="ECECEC"/>
+                </a:solidFill>
+                <a:effectLst/>
+                <a:latin typeface="+mj-lt"/>
+              </a:rPr>
+              <a:t>pelo</a:t>
+            </a:r>
+            <a:r>
+              <a:rPr lang="pt-PT" sz="1400" b="0" i="0" dirty="0">
+                <a:solidFill>
+                  <a:srgbClr val="ECECEC"/>
+                </a:solidFill>
+                <a:effectLst/>
+                <a:latin typeface="+mj-lt"/>
+              </a:rPr>
+              <a:t> BFS. Ela </a:t>
+            </a:r>
+            <a:r>
+              <a:rPr lang="pt-PT" sz="1400" b="0" i="0" dirty="0" err="1">
+                <a:solidFill>
+                  <a:srgbClr val="ECECEC"/>
+                </a:solidFill>
+                <a:effectLst/>
+                <a:latin typeface="+mj-lt"/>
+              </a:rPr>
+              <a:t>atualiza</a:t>
+            </a:r>
+            <a:r>
+              <a:rPr lang="pt-PT" sz="1400" b="0" i="0" dirty="0">
+                <a:solidFill>
+                  <a:srgbClr val="ECECEC"/>
+                </a:solidFill>
+                <a:effectLst/>
+                <a:latin typeface="+mj-lt"/>
+              </a:rPr>
+              <a:t> os valores de fluxo das arestas ao longo do caminho com base na capacidade residual mínima encontrada.</a:t>
+            </a:r>
+          </a:p>
+          <a:p>
+            <a:r>
+              <a:rPr lang="pt-PT" sz="1400" b="0" i="0" dirty="0" err="1">
+                <a:solidFill>
+                  <a:srgbClr val="ECECEC"/>
+                </a:solidFill>
+                <a:effectLst/>
+                <a:latin typeface="+mj-lt"/>
+              </a:rPr>
+              <a:t>edmondsKarp</a:t>
+            </a:r>
+            <a:r>
+              <a:rPr lang="pt-PT" sz="1400" b="0" i="0" dirty="0">
+                <a:solidFill>
+                  <a:srgbClr val="ECECEC"/>
+                </a:solidFill>
+                <a:effectLst/>
+                <a:latin typeface="+mj-lt"/>
+              </a:rPr>
+              <a:t>: Esta é a implementação principal do algoritmo de </a:t>
+            </a:r>
+            <a:r>
+              <a:rPr lang="pt-PT" sz="1400" b="0" i="0" dirty="0" err="1">
+                <a:solidFill>
+                  <a:srgbClr val="ECECEC"/>
+                </a:solidFill>
+                <a:effectLst/>
+                <a:latin typeface="+mj-lt"/>
+              </a:rPr>
+              <a:t>Edmonds-Karp</a:t>
+            </a:r>
+            <a:r>
+              <a:rPr lang="pt-PT" sz="1400" b="0" i="0" dirty="0">
+                <a:solidFill>
+                  <a:srgbClr val="ECECEC"/>
+                </a:solidFill>
+                <a:effectLst/>
+                <a:latin typeface="+mj-lt"/>
+              </a:rPr>
+              <a:t>. Ela utiliza as funções anteriores para encontrar o fluxo máximo na rede de fluxo representada </a:t>
+            </a:r>
+            <a:r>
+              <a:rPr lang="pt-PT" sz="1400" b="0" i="0" dirty="0" err="1">
+                <a:solidFill>
+                  <a:srgbClr val="ECECEC"/>
+                </a:solidFill>
+                <a:effectLst/>
+                <a:latin typeface="+mj-lt"/>
+              </a:rPr>
+              <a:t>pelo</a:t>
+            </a:r>
+            <a:r>
+              <a:rPr lang="pt-PT" sz="1400" b="0" i="0" dirty="0">
+                <a:solidFill>
+                  <a:srgbClr val="ECECEC"/>
+                </a:solidFill>
+                <a:effectLst/>
+                <a:latin typeface="+mj-lt"/>
+              </a:rPr>
+              <a:t> grafo. Ele itera sobre os caminhos aumentadores até que não seja possível encontrar mais nenhum, aumentando gradualmente o fluxo ao longo desses caminhos.</a:t>
+            </a:r>
+          </a:p>
+          <a:p>
+            <a:r>
+              <a:rPr lang="pt-PT" sz="1400" dirty="0" err="1">
+                <a:solidFill>
+                  <a:srgbClr val="FFFFFF"/>
+                </a:solidFill>
+                <a:latin typeface="+mj-lt"/>
+              </a:rPr>
+              <a:t>edmondsKarpPipe</a:t>
+            </a:r>
+            <a:r>
+              <a:rPr lang="pt-PT" sz="1400" dirty="0">
+                <a:solidFill>
+                  <a:srgbClr val="FFFFFF"/>
+                </a:solidFill>
+                <a:latin typeface="+mj-lt"/>
+              </a:rPr>
+              <a:t>: Esta função é uma variação do algoritmo de </a:t>
+            </a:r>
+            <a:r>
+              <a:rPr lang="pt-PT" sz="1400" dirty="0" err="1">
+                <a:solidFill>
+                  <a:srgbClr val="FFFFFF"/>
+                </a:solidFill>
+                <a:latin typeface="+mj-lt"/>
+              </a:rPr>
+              <a:t>Edmonds-Karp</a:t>
+            </a:r>
+            <a:r>
+              <a:rPr lang="pt-PT" sz="1400" dirty="0">
+                <a:solidFill>
+                  <a:srgbClr val="FFFFFF"/>
+                </a:solidFill>
+                <a:latin typeface="+mj-lt"/>
+              </a:rPr>
+              <a:t>, na qual você pode especificar determinadas arestas (tubulações) que devem ser consideradas para o fluxo máximo. Isso pode ser útil em cenários onde certas tubulações estão inutilizáveis devido a falhas ou manutenção.</a:t>
+            </a:r>
+            <a:endParaRPr lang="en-US" sz="1400" dirty="0">
               <a:solidFill>
                 <a:srgbClr val="FFFFFF"/>
               </a:solidFill>
-              <a:latin typeface="Libre Baskerville"/>
+              <a:latin typeface="+mj-lt"/>
             </a:endParaRPr>
           </a:p>
         </p:txBody>
@@ -6760,7 +7134,7 @@
     </p:spTree>
     <p:extLst>
       <p:ext uri="{BB962C8B-B14F-4D97-AF65-F5344CB8AC3E}">
-        <p14:creationId xmlns:p14="http://schemas.microsoft.com/office/powerpoint/2010/main" val="4244296963"/>
+        <p14:creationId xmlns:p14="http://schemas.microsoft.com/office/powerpoint/2010/main" val="2316758820"/>
       </p:ext>
     </p:extLst>
   </p:cSld>
@@ -6770,7 +7144,7 @@
 </p:sld>
 </file>
 
-<file path=ppt/slides/slide6.xml><?xml version="1.0" encoding="utf-8"?>
+<file path=ppt/slides/slide7.xml><?xml version="1.0" encoding="utf-8"?>
 <p:sld xmlns:a="http://schemas.openxmlformats.org/drawingml/2006/main" xmlns:r="http://schemas.openxmlformats.org/officeDocument/2006/relationships" xmlns:p="http://schemas.openxmlformats.org/presentationml/2006/main">
   <p:cSld>
     <p:spTree>
@@ -6867,57 +7241,355 @@
               </a:lnSpc>
             </a:pPr>
             <a:r>
-              <a:rPr lang="en-US" sz="7400">
+              <a:rPr lang="en-US" sz="7400" dirty="0">
                 <a:solidFill>
                   <a:srgbClr val="FFFFFF"/>
                 </a:solidFill>
                 <a:latin typeface="Libre Baskerville Bold"/>
               </a:rPr>
-              <a:t>EDMONDS KARP</a:t>
-            </a:r>
-          </a:p>
-        </p:txBody>
-      </p:sp>
-      <p:sp>
-        <p:nvSpPr>
-          <p:cNvPr id="4" name="TextBox 4"/>
+              <a:t>Dijkstra</a:t>
+            </a:r>
+          </a:p>
+        </p:txBody>
+      </p:sp>
+      <p:sp>
+        <p:nvSpPr>
+          <p:cNvPr id="6" name="TextBox 5">
+            <a:extLst>
+              <a:ext uri="{FF2B5EF4-FFF2-40B4-BE49-F238E27FC236}">
+                <a16:creationId xmlns:a16="http://schemas.microsoft.com/office/drawing/2014/main" id="{840F2504-274B-B9B5-5CFD-44E97FC73FD0}"/>
+              </a:ext>
+            </a:extLst>
+          </p:cNvPr>
           <p:cNvSpPr txBox="1"/>
           <p:nvPr/>
         </p:nvSpPr>
         <p:spPr>
           <a:xfrm>
-            <a:off x="4420691" y="4500880"/>
-            <a:ext cx="912217" cy="372745"/>
+            <a:off x="42793" y="1608793"/>
+            <a:ext cx="9668013" cy="5262979"/>
           </a:xfrm>
           <a:prstGeom prst="rect">
             <a:avLst/>
           </a:prstGeom>
+          <a:noFill/>
         </p:spPr>
         <p:txBody>
-          <a:bodyPr lIns="0" tIns="0" rIns="0" bIns="0" rtlCol="0" anchor="t">
+          <a:bodyPr wrap="square" rtlCol="0">
             <a:spAutoFit/>
           </a:bodyPr>
           <a:lstStyle/>
           <a:p>
-            <a:pPr algn="ctr">
-              <a:lnSpc>
-                <a:spcPts val="3079"/>
-              </a:lnSpc>
-            </a:pPr>
-            <a:r>
-              <a:rPr lang="en-US" sz="2199" dirty="0" err="1">
-                <a:solidFill>
-                  <a:srgbClr val="FFFFFF"/>
-                </a:solidFill>
-                <a:latin typeface="Libre Baskerville"/>
-              </a:rPr>
-              <a:t>Corpo</a:t>
-            </a:r>
-            <a:endParaRPr lang="en-US" sz="2199" dirty="0">
+            <a:r>
+              <a:rPr lang="pt-PT" sz="1600" dirty="0">
+                <a:solidFill>
+                  <a:schemeClr val="bg1"/>
+                </a:solidFill>
+              </a:rPr>
+              <a:t>O algoritmo apresentado é uma implementação do algoritmo de </a:t>
+            </a:r>
+            <a:r>
+              <a:rPr lang="pt-PT" sz="1600" dirty="0" err="1">
+                <a:solidFill>
+                  <a:schemeClr val="bg1"/>
+                </a:solidFill>
+              </a:rPr>
+              <a:t>Dijkstra</a:t>
+            </a:r>
+            <a:r>
+              <a:rPr lang="pt-PT" sz="1600" dirty="0">
+                <a:solidFill>
+                  <a:schemeClr val="bg1"/>
+                </a:solidFill>
+              </a:rPr>
+              <a:t>, que é utilizado para encontrar o caminho mais curto em um grafo ponderado, </a:t>
+            </a:r>
+            <a:r>
+              <a:rPr lang="pt-PT" sz="1600" dirty="0" err="1">
+                <a:solidFill>
+                  <a:schemeClr val="bg1"/>
+                </a:solidFill>
+              </a:rPr>
+              <a:t>direcionado</a:t>
+            </a:r>
+            <a:r>
+              <a:rPr lang="pt-PT" sz="1600" dirty="0">
+                <a:solidFill>
+                  <a:schemeClr val="bg1"/>
+                </a:solidFill>
+              </a:rPr>
+              <a:t> ou não </a:t>
+            </a:r>
+            <a:r>
+              <a:rPr lang="pt-PT" sz="1600" dirty="0" err="1">
+                <a:solidFill>
+                  <a:schemeClr val="bg1"/>
+                </a:solidFill>
+              </a:rPr>
+              <a:t>direcionado</a:t>
+            </a:r>
+            <a:r>
+              <a:rPr lang="pt-PT" sz="1600" dirty="0">
+                <a:solidFill>
+                  <a:schemeClr val="bg1"/>
+                </a:solidFill>
+              </a:rPr>
+              <a:t>, com arestas não negativas. Aqui está uma breve descrição do algoritmo:</a:t>
+            </a:r>
+          </a:p>
+          <a:p>
+            <a:r>
+              <a:rPr lang="pt-PT" sz="1600" dirty="0">
+                <a:solidFill>
+                  <a:schemeClr val="bg1"/>
+                </a:solidFill>
+              </a:rPr>
+              <a:t>Inicialização: O algoritmo começa inicializando a distância de todos os vértices do grafo como infinito (</a:t>
+            </a:r>
+            <a:r>
+              <a:rPr lang="pt-PT" sz="1600" dirty="0" err="1">
+                <a:solidFill>
+                  <a:schemeClr val="bg1"/>
+                </a:solidFill>
+              </a:rPr>
+              <a:t>exceto</a:t>
+            </a:r>
+            <a:r>
+              <a:rPr lang="pt-PT" sz="1600" dirty="0">
+                <a:solidFill>
+                  <a:schemeClr val="bg1"/>
+                </a:solidFill>
+              </a:rPr>
+              <a:t> o vértice de origem), e define o caminho para cada vértice como nulo. A distância do vértice de origem é definida como 0.</a:t>
+            </a:r>
+          </a:p>
+          <a:p>
+            <a:r>
+              <a:rPr lang="pt-PT" sz="1600" dirty="0">
+                <a:solidFill>
+                  <a:schemeClr val="bg1"/>
+                </a:solidFill>
+              </a:rPr>
+              <a:t>Loop Principal: O algoritmo então entra em um </a:t>
+            </a:r>
+            <a:r>
+              <a:rPr lang="pt-PT" sz="1600" dirty="0" err="1">
+                <a:solidFill>
+                  <a:schemeClr val="bg1"/>
+                </a:solidFill>
+              </a:rPr>
+              <a:t>loop</a:t>
+            </a:r>
+            <a:r>
+              <a:rPr lang="pt-PT" sz="1600" dirty="0">
+                <a:solidFill>
+                  <a:schemeClr val="bg1"/>
+                </a:solidFill>
+              </a:rPr>
+              <a:t> principal que continua enquanto houver vértices na fila de prioridade </a:t>
+            </a:r>
+            <a:r>
+              <a:rPr lang="pt-PT" sz="1600" dirty="0" err="1">
+                <a:solidFill>
+                  <a:schemeClr val="bg1"/>
+                </a:solidFill>
+              </a:rPr>
+              <a:t>vertexQueue</a:t>
+            </a:r>
+            <a:r>
+              <a:rPr lang="pt-PT" sz="1600" dirty="0">
+                <a:solidFill>
+                  <a:schemeClr val="bg1"/>
+                </a:solidFill>
+              </a:rPr>
+              <a:t>. Em cada iteração deste </a:t>
+            </a:r>
+            <a:r>
+              <a:rPr lang="pt-PT" sz="1600" dirty="0" err="1">
+                <a:solidFill>
+                  <a:schemeClr val="bg1"/>
+                </a:solidFill>
+              </a:rPr>
+              <a:t>loop</a:t>
+            </a:r>
+            <a:r>
+              <a:rPr lang="pt-PT" sz="1600" dirty="0">
+                <a:solidFill>
+                  <a:schemeClr val="bg1"/>
+                </a:solidFill>
+              </a:rPr>
+              <a:t>, ele extrai o vértice com a menor distância da fila, o que é feito utilizando uma fila de prioridade mínima (ou um </a:t>
+            </a:r>
+            <a:r>
+              <a:rPr lang="pt-PT" sz="1600" dirty="0" err="1">
+                <a:solidFill>
+                  <a:schemeClr val="bg1"/>
+                </a:solidFill>
+              </a:rPr>
+              <a:t>heap</a:t>
+            </a:r>
+            <a:r>
+              <a:rPr lang="pt-PT" sz="1600" dirty="0">
+                <a:solidFill>
+                  <a:schemeClr val="bg1"/>
+                </a:solidFill>
+              </a:rPr>
+              <a:t> binário, como é o caso da </a:t>
+            </a:r>
+            <a:r>
+              <a:rPr lang="pt-PT" sz="1600" dirty="0" err="1">
+                <a:solidFill>
+                  <a:schemeClr val="bg1"/>
+                </a:solidFill>
+              </a:rPr>
+              <a:t>MutablePriorityQueue</a:t>
+            </a:r>
+            <a:r>
+              <a:rPr lang="pt-PT" sz="1600" dirty="0">
+                <a:solidFill>
+                  <a:schemeClr val="bg1"/>
+                </a:solidFill>
+              </a:rPr>
+              <a:t> neste código).</a:t>
+            </a:r>
+          </a:p>
+          <a:p>
+            <a:r>
+              <a:rPr lang="pt-PT" sz="1600" dirty="0">
+                <a:solidFill>
+                  <a:schemeClr val="bg1"/>
+                </a:solidFill>
+              </a:rPr>
+              <a:t>Relaxamento das Arestas: Para cada aresta saindo do vértice </a:t>
+            </a:r>
+            <a:r>
+              <a:rPr lang="pt-PT" sz="1600" dirty="0" err="1">
+                <a:solidFill>
+                  <a:schemeClr val="bg1"/>
+                </a:solidFill>
+              </a:rPr>
+              <a:t>atual</a:t>
+            </a:r>
+            <a:r>
+              <a:rPr lang="pt-PT" sz="1600" dirty="0">
+                <a:solidFill>
+                  <a:schemeClr val="bg1"/>
+                </a:solidFill>
+              </a:rPr>
+              <a:t> (u), o algoritmo verifica se a distância até o vértice de destino (v) pode ser reduzida ao considerar a aresta. Se a distância </a:t>
+            </a:r>
+            <a:r>
+              <a:rPr lang="pt-PT" sz="1600" dirty="0" err="1">
+                <a:solidFill>
+                  <a:schemeClr val="bg1"/>
+                </a:solidFill>
+              </a:rPr>
+              <a:t>atual</a:t>
+            </a:r>
+            <a:r>
+              <a:rPr lang="pt-PT" sz="1600" dirty="0">
+                <a:solidFill>
+                  <a:schemeClr val="bg1"/>
+                </a:solidFill>
+              </a:rPr>
+              <a:t> até v for maior que a soma da distância até u mais o peso da aresta (neste caso, o fluxo da aresta), a distância de v é </a:t>
+            </a:r>
+            <a:r>
+              <a:rPr lang="pt-PT" sz="1600" dirty="0" err="1">
+                <a:solidFill>
+                  <a:schemeClr val="bg1"/>
+                </a:solidFill>
+              </a:rPr>
+              <a:t>atualizada</a:t>
+            </a:r>
+            <a:r>
+              <a:rPr lang="pt-PT" sz="1600" dirty="0">
+                <a:solidFill>
+                  <a:schemeClr val="bg1"/>
+                </a:solidFill>
+              </a:rPr>
+              <a:t> para esta nova distância e o caminho até v é </a:t>
+            </a:r>
+            <a:r>
+              <a:rPr lang="pt-PT" sz="1600" dirty="0" err="1">
+                <a:solidFill>
+                  <a:schemeClr val="bg1"/>
+                </a:solidFill>
+              </a:rPr>
+              <a:t>atualizado</a:t>
+            </a:r>
+            <a:r>
+              <a:rPr lang="pt-PT" sz="1600" dirty="0">
+                <a:solidFill>
+                  <a:schemeClr val="bg1"/>
+                </a:solidFill>
+              </a:rPr>
+              <a:t> para incluir a aresta relaxada.</a:t>
+            </a:r>
+          </a:p>
+          <a:p>
+            <a:r>
+              <a:rPr lang="pt-PT" sz="1600" dirty="0">
+                <a:solidFill>
+                  <a:schemeClr val="bg1"/>
+                </a:solidFill>
+              </a:rPr>
+              <a:t>Conclusão: Após o </a:t>
+            </a:r>
+            <a:r>
+              <a:rPr lang="pt-PT" sz="1600" dirty="0" err="1">
+                <a:solidFill>
+                  <a:schemeClr val="bg1"/>
+                </a:solidFill>
+              </a:rPr>
+              <a:t>loop</a:t>
+            </a:r>
+            <a:r>
+              <a:rPr lang="pt-PT" sz="1600" dirty="0">
+                <a:solidFill>
+                  <a:schemeClr val="bg1"/>
+                </a:solidFill>
+              </a:rPr>
+              <a:t> principal, o algoritmo terá determinado o caminho mais curto do vértice de origem para todos os outros vértices alcançáveis no grafo. No entanto, no código fornecido, parece haver uma parte do algoritmo faltando. Geralmente, o algoritmo de </a:t>
+            </a:r>
+            <a:r>
+              <a:rPr lang="pt-PT" sz="1600" dirty="0" err="1">
+                <a:solidFill>
+                  <a:schemeClr val="bg1"/>
+                </a:solidFill>
+              </a:rPr>
+              <a:t>Dijkstra</a:t>
+            </a:r>
+            <a:r>
+              <a:rPr lang="pt-PT" sz="1600" dirty="0">
+                <a:solidFill>
+                  <a:schemeClr val="bg1"/>
+                </a:solidFill>
+              </a:rPr>
+              <a:t> inclui uma verificação adicional para determinar o caminho mais curto até um vértice de destino específico. No código fornecido, esta parte parece estar ausente, pois o código apenas define a distância do vértice de destino como infinito após o término do </a:t>
+            </a:r>
+            <a:r>
+              <a:rPr lang="pt-PT" sz="1600" dirty="0" err="1">
+                <a:solidFill>
+                  <a:schemeClr val="bg1"/>
+                </a:solidFill>
+              </a:rPr>
+              <a:t>loop</a:t>
+            </a:r>
+            <a:r>
+              <a:rPr lang="pt-PT" sz="1600" dirty="0">
+                <a:solidFill>
+                  <a:schemeClr val="bg1"/>
+                </a:solidFill>
+              </a:rPr>
+              <a:t> principal, sem realmente calcular o caminho mais curto até este vértice.</a:t>
+            </a:r>
+          </a:p>
+          <a:p>
+            <a:endParaRPr lang="pt-PT" sz="1600" dirty="0">
               <a:solidFill>
-                <a:srgbClr val="FFFFFF"/>
+                <a:schemeClr val="bg1"/>
               </a:solidFill>
-              <a:latin typeface="Libre Baskerville"/>
             </a:endParaRPr>
           </a:p>
         </p:txBody>
@@ -6925,7 +7597,7 @@
     </p:spTree>
     <p:extLst>
       <p:ext uri="{BB962C8B-B14F-4D97-AF65-F5344CB8AC3E}">
-        <p14:creationId xmlns:p14="http://schemas.microsoft.com/office/powerpoint/2010/main" val="369521093"/>
+        <p14:creationId xmlns:p14="http://schemas.microsoft.com/office/powerpoint/2010/main" val="1552856171"/>
       </p:ext>
     </p:extLst>
   </p:cSld>
@@ -6935,7 +7607,7 @@
 </p:sld>
 </file>
 
-<file path=ppt/slides/slide7.xml><?xml version="1.0" encoding="utf-8"?>
+<file path=ppt/slides/slide8.xml><?xml version="1.0" encoding="utf-8"?>
 <p:sld xmlns:a="http://schemas.openxmlformats.org/drawingml/2006/main" xmlns:r="http://schemas.openxmlformats.org/officeDocument/2006/relationships" xmlns:p="http://schemas.openxmlformats.org/presentationml/2006/main">
   <p:cSld>
     <p:spTree>
@@ -7014,7 +7686,7 @@
         <p:spPr>
           <a:xfrm>
             <a:off x="42794" y="169718"/>
-            <a:ext cx="9668013" cy="1269357"/>
+            <a:ext cx="9668013" cy="1248227"/>
           </a:xfrm>
           <a:prstGeom prst="rect">
             <a:avLst/>
@@ -7032,13 +7704,13 @@
               </a:lnSpc>
             </a:pPr>
             <a:r>
-              <a:rPr lang="en-US" sz="7400">
+              <a:rPr lang="en-US" sz="7400" dirty="0">
                 <a:solidFill>
                   <a:srgbClr val="FFFFFF"/>
                 </a:solidFill>
                 <a:latin typeface="Libre Baskerville Bold"/>
               </a:rPr>
-              <a:t>EDMONDS KARP</a:t>
+              <a:t>Ui</a:t>
             </a:r>
           </a:p>
         </p:txBody>
@@ -7051,199 +7723,284 @@
         </p:nvSpPr>
         <p:spPr>
           <a:xfrm>
-            <a:off x="4420691" y="4500880"/>
-            <a:ext cx="912217" cy="372745"/>
+            <a:off x="152401" y="1752600"/>
+            <a:ext cx="9448800" cy="4524315"/>
           </a:xfrm>
           <a:prstGeom prst="rect">
             <a:avLst/>
           </a:prstGeom>
         </p:spPr>
         <p:txBody>
-          <a:bodyPr lIns="0" tIns="0" rIns="0" bIns="0" rtlCol="0" anchor="t">
+          <a:bodyPr wrap="square" lIns="0" tIns="0" rIns="0" bIns="0" rtlCol="0" anchor="t">
             <a:spAutoFit/>
           </a:bodyPr>
           <a:lstStyle/>
           <a:p>
-            <a:pPr algn="ctr">
-              <a:lnSpc>
-                <a:spcPts val="3079"/>
-              </a:lnSpc>
-            </a:pPr>
-            <a:r>
-              <a:rPr lang="en-US" sz="2199" dirty="0" err="1">
+            <a:r>
+              <a:rPr lang="pt-PT" sz="1400" dirty="0">
                 <a:solidFill>
                   <a:srgbClr val="FFFFFF"/>
                 </a:solidFill>
                 <a:latin typeface="Libre Baskerville"/>
               </a:rPr>
-              <a:t>Corpo</a:t>
-            </a:r>
-            <a:endParaRPr lang="en-US" sz="2199" dirty="0">
-              <a:solidFill>
-                <a:srgbClr val="FFFFFF"/>
-              </a:solidFill>
-              <a:latin typeface="Libre Baskerville"/>
-            </a:endParaRPr>
-          </a:p>
-        </p:txBody>
-      </p:sp>
-    </p:spTree>
-    <p:extLst>
-      <p:ext uri="{BB962C8B-B14F-4D97-AF65-F5344CB8AC3E}">
-        <p14:creationId xmlns:p14="http://schemas.microsoft.com/office/powerpoint/2010/main" val="2316758820"/>
-      </p:ext>
-    </p:extLst>
-  </p:cSld>
-  <p:clrMapOvr>
-    <a:masterClrMapping/>
-  </p:clrMapOvr>
-</p:sld>
-</file>
-
-<file path=ppt/slides/slide8.xml><?xml version="1.0" encoding="utf-8"?>
-<p:sld xmlns:a="http://schemas.openxmlformats.org/drawingml/2006/main" xmlns:r="http://schemas.openxmlformats.org/officeDocument/2006/relationships" xmlns:p="http://schemas.openxmlformats.org/presentationml/2006/main">
-  <p:cSld>
-    <p:spTree>
-      <p:nvGrpSpPr>
-        <p:cNvPr id="1" name=""/>
-        <p:cNvGrpSpPr/>
-        <p:nvPr/>
-      </p:nvGrpSpPr>
-      <p:grpSpPr>
-        <a:xfrm>
-          <a:off x="0" y="0"/>
-          <a:ext cx="0" cy="0"/>
-          <a:chOff x="0" y="0"/>
-          <a:chExt cx="0" cy="0"/>
-        </a:xfrm>
-      </p:grpSpPr>
-      <p:sp>
-        <p:nvSpPr>
-          <p:cNvPr id="2" name="Freeform 2"/>
-          <p:cNvSpPr/>
-          <p:nvPr/>
-        </p:nvSpPr>
-        <p:spPr>
-          <a:xfrm>
-            <a:off x="0" y="0"/>
-            <a:ext cx="9753600" cy="7315200"/>
-          </a:xfrm>
-          <a:custGeom>
-            <a:avLst/>
-            <a:gdLst/>
-            <a:ahLst/>
-            <a:cxnLst/>
-            <a:rect l="l" t="t" r="r" b="b"/>
-            <a:pathLst>
-              <a:path w="9753600" h="7315200">
-                <a:moveTo>
-                  <a:pt x="0" y="0"/>
-                </a:moveTo>
-                <a:lnTo>
-                  <a:pt x="9753600" y="0"/>
-                </a:lnTo>
-                <a:lnTo>
-                  <a:pt x="9753600" y="7315200"/>
-                </a:lnTo>
-                <a:lnTo>
-                  <a:pt x="0" y="7315200"/>
-                </a:lnTo>
-                <a:lnTo>
-                  <a:pt x="0" y="0"/>
-                </a:lnTo>
-                <a:close/>
-              </a:path>
-            </a:pathLst>
-          </a:custGeom>
-          <a:blipFill>
-            <a:blip r:embed="rId2"/>
-            <a:stretch>
-              <a:fillRect l="-52430" t="-5377" r="-30529" b="-50443"/>
-            </a:stretch>
-          </a:blipFill>
-        </p:spPr>
-        <p:txBody>
-          <a:bodyPr/>
-          <a:lstStyle/>
-          <a:p>
-            <a:endParaRPr lang="pt-PT" dirty="0"/>
-          </a:p>
-        </p:txBody>
-      </p:sp>
-      <p:sp>
-        <p:nvSpPr>
-          <p:cNvPr id="3" name="TextBox 3"/>
-          <p:cNvSpPr txBox="1"/>
-          <p:nvPr/>
-        </p:nvSpPr>
-        <p:spPr>
-          <a:xfrm>
-            <a:off x="42794" y="169718"/>
-            <a:ext cx="9668013" cy="1269357"/>
-          </a:xfrm>
-          <a:prstGeom prst="rect">
-            <a:avLst/>
-          </a:prstGeom>
-        </p:spPr>
-        <p:txBody>
-          <a:bodyPr lIns="0" tIns="0" rIns="0" bIns="0" rtlCol="0" anchor="t">
-            <a:spAutoFit/>
-          </a:bodyPr>
-          <a:lstStyle/>
-          <a:p>
-            <a:pPr algn="ctr">
-              <a:lnSpc>
-                <a:spcPts val="10360"/>
-              </a:lnSpc>
-            </a:pPr>
-            <a:r>
-              <a:rPr lang="en-US" sz="7400">
-                <a:solidFill>
-                  <a:srgbClr val="FFFFFF"/>
-                </a:solidFill>
-                <a:latin typeface="Libre Baskerville Bold"/>
-              </a:rPr>
-              <a:t>EDMONDS KARP</a:t>
-            </a:r>
-          </a:p>
-        </p:txBody>
-      </p:sp>
-      <p:sp>
-        <p:nvSpPr>
-          <p:cNvPr id="4" name="TextBox 4"/>
-          <p:cNvSpPr txBox="1"/>
-          <p:nvPr/>
-        </p:nvSpPr>
-        <p:spPr>
-          <a:xfrm>
-            <a:off x="4420691" y="4500880"/>
-            <a:ext cx="912217" cy="372745"/>
-          </a:xfrm>
-          <a:prstGeom prst="rect">
-            <a:avLst/>
-          </a:prstGeom>
-        </p:spPr>
-        <p:txBody>
-          <a:bodyPr lIns="0" tIns="0" rIns="0" bIns="0" rtlCol="0" anchor="t">
-            <a:spAutoFit/>
-          </a:bodyPr>
-          <a:lstStyle/>
-          <a:p>
-            <a:pPr algn="ctr">
-              <a:lnSpc>
-                <a:spcPts val="3079"/>
-              </a:lnSpc>
-            </a:pPr>
-            <a:r>
-              <a:rPr lang="en-US" sz="2199" dirty="0" err="1">
+              <a:t>Menu </a:t>
+            </a:r>
+            <a:r>
+              <a:rPr lang="pt-PT" sz="1400" dirty="0" err="1">
                 <a:solidFill>
                   <a:srgbClr val="FFFFFF"/>
                 </a:solidFill>
                 <a:latin typeface="Libre Baskerville"/>
               </a:rPr>
-              <a:t>Corpo</a:t>
-            </a:r>
-            <a:endParaRPr lang="en-US" sz="2199" dirty="0">
+              <a:t>Interativo</a:t>
+            </a:r>
+            <a:r>
+              <a:rPr lang="pt-PT" sz="1400" dirty="0">
+                <a:solidFill>
+                  <a:srgbClr val="FFFFFF"/>
+                </a:solidFill>
+                <a:latin typeface="Libre Baskerville"/>
+              </a:rPr>
+              <a:t>:</a:t>
+            </a:r>
+          </a:p>
+          <a:p>
+            <a:r>
+              <a:rPr lang="pt-PT" sz="1400" dirty="0">
+                <a:solidFill>
+                  <a:srgbClr val="FFFFFF"/>
+                </a:solidFill>
+                <a:latin typeface="Libre Baskerville"/>
+              </a:rPr>
+              <a:t>O sistema conta com um menu </a:t>
+            </a:r>
+            <a:r>
+              <a:rPr lang="pt-PT" sz="1400" dirty="0" err="1">
+                <a:solidFill>
+                  <a:srgbClr val="FFFFFF"/>
+                </a:solidFill>
+                <a:latin typeface="Libre Baskerville"/>
+              </a:rPr>
+              <a:t>interativo</a:t>
+            </a:r>
+            <a:r>
+              <a:rPr lang="pt-PT" sz="1400" dirty="0">
+                <a:solidFill>
+                  <a:srgbClr val="FFFFFF"/>
+                </a:solidFill>
+                <a:latin typeface="Libre Baskerville"/>
+              </a:rPr>
+              <a:t> implementado no arquivo FlightManagementSystemMenu.cpp. Este menu oferece</a:t>
+            </a:r>
+          </a:p>
+          <a:p>
+            <a:r>
+              <a:rPr lang="pt-PT" sz="1400" dirty="0">
+                <a:solidFill>
+                  <a:srgbClr val="FFFFFF"/>
+                </a:solidFill>
+                <a:latin typeface="Libre Baskerville"/>
+              </a:rPr>
+              <a:t>uma interface de usuário amigável e fácil de usar.</a:t>
+            </a:r>
+          </a:p>
+          <a:p>
+            <a:r>
+              <a:rPr lang="pt-PT" sz="1400" dirty="0">
+                <a:solidFill>
+                  <a:srgbClr val="FFFFFF"/>
+                </a:solidFill>
+                <a:latin typeface="Libre Baskerville"/>
+              </a:rPr>
+              <a:t>Opções Disponíveis: Os usuários têm à disposição diversas opções, incluindo:</a:t>
+            </a:r>
+          </a:p>
+          <a:p>
+            <a:r>
+              <a:rPr lang="pt-PT" sz="1400" dirty="0">
+                <a:solidFill>
+                  <a:srgbClr val="FFFFFF"/>
+                </a:solidFill>
+                <a:latin typeface="Libre Baskerville"/>
+              </a:rPr>
+              <a:t>Visualização de estatísticas detalhadas sobre a rede de voos.</a:t>
+            </a:r>
+          </a:p>
+          <a:p>
+            <a:r>
+              <a:rPr lang="pt-PT" sz="1400" dirty="0">
+                <a:solidFill>
+                  <a:srgbClr val="FFFFFF"/>
+                </a:solidFill>
+                <a:latin typeface="Libre Baskerville"/>
+              </a:rPr>
+              <a:t>Consulta de melhores opções de voo com base em critérios como distância e escalas.</a:t>
+            </a:r>
+          </a:p>
+          <a:p>
+            <a:r>
+              <a:rPr lang="pt-PT" sz="1400" dirty="0" err="1">
+                <a:solidFill>
+                  <a:srgbClr val="FFFFFF"/>
+                </a:solidFill>
+                <a:latin typeface="Libre Baskerville"/>
+              </a:rPr>
+              <a:t>Seleção</a:t>
+            </a:r>
+            <a:r>
+              <a:rPr lang="pt-PT" sz="1400" dirty="0">
+                <a:solidFill>
+                  <a:srgbClr val="FFFFFF"/>
+                </a:solidFill>
+                <a:latin typeface="Libre Baskerville"/>
+              </a:rPr>
+              <a:t> personalizada de voos com filtros.</a:t>
+            </a:r>
+          </a:p>
+          <a:p>
+            <a:r>
+              <a:rPr lang="pt-PT" sz="1400" dirty="0">
+                <a:solidFill>
+                  <a:srgbClr val="FFFFFF"/>
+                </a:solidFill>
+                <a:latin typeface="Libre Baskerville"/>
+              </a:rPr>
+              <a:t>Estatísticas de Rede</a:t>
+            </a:r>
+          </a:p>
+          <a:p>
+            <a:r>
+              <a:rPr lang="pt-PT" sz="1400" dirty="0">
+                <a:solidFill>
+                  <a:srgbClr val="FFFFFF"/>
+                </a:solidFill>
+                <a:latin typeface="Libre Baskerville"/>
+              </a:rPr>
+              <a:t>Estatísticas Detalhadas: Utilizamos a classe </a:t>
+            </a:r>
+            <a:r>
+              <a:rPr lang="pt-PT" sz="1400" dirty="0" err="1">
+                <a:solidFill>
+                  <a:srgbClr val="FFFFFF"/>
+                </a:solidFill>
+                <a:latin typeface="Libre Baskerville"/>
+              </a:rPr>
+              <a:t>NetworkStatistic</a:t>
+            </a:r>
+            <a:r>
+              <a:rPr lang="pt-PT" sz="1400" dirty="0">
+                <a:solidFill>
+                  <a:srgbClr val="FFFFFF"/>
+                </a:solidFill>
+                <a:latin typeface="Libre Baskerville"/>
+              </a:rPr>
+              <a:t> para calcular e apresentar estatísticas abrangentes sobre a rede</a:t>
+            </a:r>
+          </a:p>
+          <a:p>
+            <a:r>
+              <a:rPr lang="pt-PT" sz="1400" dirty="0">
+                <a:solidFill>
+                  <a:srgbClr val="FFFFFF"/>
+                </a:solidFill>
+                <a:latin typeface="Libre Baskerville"/>
+              </a:rPr>
+              <a:t>de voos.</a:t>
+            </a:r>
+          </a:p>
+          <a:p>
+            <a:r>
+              <a:rPr lang="pt-PT" sz="1400" dirty="0">
+                <a:solidFill>
+                  <a:srgbClr val="FFFFFF"/>
+                </a:solidFill>
+                <a:latin typeface="Libre Baskerville"/>
+              </a:rPr>
+              <a:t>Informações Disponíveis: As estatísticas incluem o número total de aeroportos, voos disponíveis e outras métricas essenciais.</a:t>
+            </a:r>
+          </a:p>
+          <a:p>
+            <a:r>
+              <a:rPr lang="pt-PT" sz="1400" dirty="0">
+                <a:solidFill>
+                  <a:srgbClr val="FFFFFF"/>
+                </a:solidFill>
+                <a:latin typeface="Libre Baskerville"/>
+              </a:rPr>
+              <a:t>Complexidade: A complexidade das operações no menu é O(N), simplificando a </a:t>
+            </a:r>
+            <a:r>
+              <a:rPr lang="pt-PT" sz="1400" dirty="0" err="1">
+                <a:solidFill>
+                  <a:srgbClr val="FFFFFF"/>
+                </a:solidFill>
+                <a:latin typeface="Libre Baskerville"/>
+              </a:rPr>
+              <a:t>interação</a:t>
+            </a:r>
+            <a:r>
+              <a:rPr lang="pt-PT" sz="1400" dirty="0">
+                <a:solidFill>
+                  <a:srgbClr val="FFFFFF"/>
+                </a:solidFill>
+                <a:latin typeface="Libre Baskerville"/>
+              </a:rPr>
+              <a:t> do usuário. As estatísticas de rede</a:t>
+            </a:r>
+          </a:p>
+          <a:p>
+            <a:r>
+              <a:rPr lang="pt-PT" sz="1400" dirty="0">
+                <a:solidFill>
+                  <a:srgbClr val="FFFFFF"/>
+                </a:solidFill>
+                <a:latin typeface="Libre Baskerville"/>
+              </a:rPr>
+              <a:t>são calculadas com uma complexidade de O(N), garantindo eficiência.</a:t>
+            </a:r>
+          </a:p>
+          <a:p>
+            <a:r>
+              <a:rPr lang="pt-PT" sz="1400" dirty="0">
+                <a:solidFill>
+                  <a:srgbClr val="FFFFFF"/>
+                </a:solidFill>
+                <a:latin typeface="Libre Baskerville"/>
+              </a:rPr>
+              <a:t>Este menu </a:t>
+            </a:r>
+            <a:r>
+              <a:rPr lang="pt-PT" sz="1400" dirty="0" err="1">
+                <a:solidFill>
+                  <a:srgbClr val="FFFFFF"/>
+                </a:solidFill>
+                <a:latin typeface="Libre Baskerville"/>
+              </a:rPr>
+              <a:t>interativo</a:t>
+            </a:r>
+            <a:r>
+              <a:rPr lang="pt-PT" sz="1400" dirty="0">
+                <a:solidFill>
+                  <a:srgbClr val="FFFFFF"/>
+                </a:solidFill>
+                <a:latin typeface="Libre Baskerville"/>
+              </a:rPr>
+              <a:t> e as estatísticas detalhadas tornam o sistema de gerenciamento de voos acessível e informativo para os</a:t>
+            </a:r>
+          </a:p>
+          <a:p>
+            <a:r>
+              <a:rPr lang="pt-PT" sz="1400" dirty="0">
+                <a:solidFill>
+                  <a:srgbClr val="FFFFFF"/>
+                </a:solidFill>
+                <a:latin typeface="Libre Baskerville"/>
+              </a:rPr>
+              <a:t>usuários, contribuindo para uma experiência de usuário agradável e informada.</a:t>
+            </a:r>
+          </a:p>
+          <a:p>
+            <a:endParaRPr lang="en-US" sz="1400" dirty="0">
               <a:solidFill>
                 <a:srgbClr val="FFFFFF"/>
               </a:solidFill>
@@ -7723,8 +8480,16 @@
 </file>
 
 <file path=customXml/item2.xml><?xml version="1.0" encoding="utf-8"?>
-<ct:contentTypeSchema xmlns:ct="http://schemas.microsoft.com/office/2006/metadata/contentType" xmlns:ma="http://schemas.microsoft.com/office/2006/metadata/properties/metaAttributes" ct:_="" ma:_="" ma:contentTypeName="Documento" ma:contentTypeID="0x010100AB44703B96FC5D44BE60685FA44B2F43" ma:contentTypeVersion="4" ma:contentTypeDescription="Criar um novo documento." ma:contentTypeScope="" ma:versionID="c8634fa4901194a56c8afe70e35771c4">
-  <xsd:schema xmlns:xsd="http://www.w3.org/2001/XMLSchema" xmlns:xs="http://www.w3.org/2001/XMLSchema" xmlns:p="http://schemas.microsoft.com/office/2006/metadata/properties" xmlns:ns3="4b71ed24-2eb2-4a02-9296-9ab9d1ab5d0a" xmlns:ns4="e3181807-abd2-474a-b813-5d09948435a1" targetNamespace="http://schemas.microsoft.com/office/2006/metadata/properties" ma:root="true" ma:fieldsID="15adb8b63d740ba57b9eab30f7400f3e" ns3:_="" ns4:_="">
+<p:properties xmlns:p="http://schemas.microsoft.com/office/2006/metadata/properties" xmlns:xsi="http://www.w3.org/2001/XMLSchema-instance" xmlns:pc="http://schemas.microsoft.com/office/infopath/2007/PartnerControls">
+  <documentManagement>
+    <_activity xmlns="e3181807-abd2-474a-b813-5d09948435a1" xsi:nil="true"/>
+  </documentManagement>
+</p:properties>
+</file>
+
+<file path=customXml/item3.xml><?xml version="1.0" encoding="utf-8"?>
+<ct:contentTypeSchema xmlns:ct="http://schemas.microsoft.com/office/2006/metadata/contentType" xmlns:ma="http://schemas.microsoft.com/office/2006/metadata/properties/metaAttributes" ct:_="" ma:_="" ma:contentTypeName="Documento" ma:contentTypeID="0x010100AB44703B96FC5D44BE60685FA44B2F43" ma:contentTypeVersion="8" ma:contentTypeDescription="Criar um novo documento." ma:contentTypeScope="" ma:versionID="27d19a0f1a4db7564c932d22c7ed0b74">
+  <xsd:schema xmlns:xsd="http://www.w3.org/2001/XMLSchema" xmlns:xs="http://www.w3.org/2001/XMLSchema" xmlns:p="http://schemas.microsoft.com/office/2006/metadata/properties" xmlns:ns3="4b71ed24-2eb2-4a02-9296-9ab9d1ab5d0a" xmlns:ns4="e3181807-abd2-474a-b813-5d09948435a1" targetNamespace="http://schemas.microsoft.com/office/2006/metadata/properties" ma:root="true" ma:fieldsID="281a00674e4b32b8707f47a1dedd2320" ns3:_="" ns4:_="">
     <xsd:import namespace="4b71ed24-2eb2-4a02-9296-9ab9d1ab5d0a"/>
     <xsd:import namespace="e3181807-abd2-474a-b813-5d09948435a1"/>
     <xsd:element name="properties">
@@ -7737,6 +8502,10 @@
                 <xsd:element ref="ns3:SharedWithDetails" minOccurs="0"/>
                 <xsd:element ref="ns3:SharingHintHash" minOccurs="0"/>
                 <xsd:element ref="ns4:_activity" minOccurs="0"/>
+                <xsd:element ref="ns4:MediaServiceMetadata" minOccurs="0"/>
+                <xsd:element ref="ns4:MediaServiceFastMetadata" minOccurs="0"/>
+                <xsd:element ref="ns4:MediaServiceSearchProperties" minOccurs="0"/>
+                <xsd:element ref="ns4:MediaServiceObjectDetectorVersions" minOccurs="0"/>
               </xsd:all>
             </xsd:complexType>
           </xsd:element>
@@ -7785,6 +8554,26 @@
     <xsd:element name="_activity" ma:index="11" nillable="true" ma:displayName="_activity" ma:hidden="true" ma:internalName="_activity">
       <xsd:simpleType>
         <xsd:restriction base="dms:Note"/>
+      </xsd:simpleType>
+    </xsd:element>
+    <xsd:element name="MediaServiceMetadata" ma:index="12" nillable="true" ma:displayName="MediaServiceMetadata" ma:hidden="true" ma:internalName="MediaServiceMetadata" ma:readOnly="true">
+      <xsd:simpleType>
+        <xsd:restriction base="dms:Note"/>
+      </xsd:simpleType>
+    </xsd:element>
+    <xsd:element name="MediaServiceFastMetadata" ma:index="13" nillable="true" ma:displayName="MediaServiceFastMetadata" ma:hidden="true" ma:internalName="MediaServiceFastMetadata" ma:readOnly="true">
+      <xsd:simpleType>
+        <xsd:restriction base="dms:Note"/>
+      </xsd:simpleType>
+    </xsd:element>
+    <xsd:element name="MediaServiceSearchProperties" ma:index="14" nillable="true" ma:displayName="MediaServiceSearchProperties" ma:hidden="true" ma:internalName="MediaServiceSearchProperties" ma:readOnly="true">
+      <xsd:simpleType>
+        <xsd:restriction base="dms:Note"/>
+      </xsd:simpleType>
+    </xsd:element>
+    <xsd:element name="MediaServiceObjectDetectorVersions" ma:index="15" nillable="true" ma:displayName="MediaServiceObjectDetectorVersions" ma:hidden="true" ma:indexed="true" ma:internalName="MediaServiceObjectDetectorVersions" ma:readOnly="true">
+      <xsd:simpleType>
+        <xsd:restriction base="dms:Text"/>
       </xsd:simpleType>
     </xsd:element>
   </xsd:schema>
@@ -7887,14 +8676,6 @@
 </ct:contentTypeSchema>
 </file>
 
-<file path=customXml/item3.xml><?xml version="1.0" encoding="utf-8"?>
-<p:properties xmlns:p="http://schemas.microsoft.com/office/2006/metadata/properties" xmlns:xsi="http://www.w3.org/2001/XMLSchema-instance" xmlns:pc="http://schemas.microsoft.com/office/infopath/2007/PartnerControls">
-  <documentManagement>
-    <_activity xmlns="e3181807-abd2-474a-b813-5d09948435a1" xsi:nil="true"/>
-  </documentManagement>
-</p:properties>
-</file>
-
 <file path=customXml/itemProps1.xml><?xml version="1.0" encoding="utf-8"?>
 <ds:datastoreItem xmlns:ds="http://schemas.openxmlformats.org/officeDocument/2006/customXml" ds:itemID="{382A9A84-E593-4AFE-ACE7-C638BCF4E8D1}">
   <ds:schemaRefs>
@@ -7904,7 +8685,24 @@
 </file>
 
 <file path=customXml/itemProps2.xml><?xml version="1.0" encoding="utf-8"?>
-<ds:datastoreItem xmlns:ds="http://schemas.openxmlformats.org/officeDocument/2006/customXml" ds:itemID="{3A711493-19E0-47F4-92E2-D00ADD5E60BE}">
+<ds:datastoreItem xmlns:ds="http://schemas.openxmlformats.org/officeDocument/2006/customXml" ds:itemID="{854A2080-F76F-422C-A8A4-7F2ECAACEEC1}">
+  <ds:schemaRefs>
+    <ds:schemaRef ds:uri="e3181807-abd2-474a-b813-5d09948435a1"/>
+    <ds:schemaRef ds:uri="4b71ed24-2eb2-4a02-9296-9ab9d1ab5d0a"/>
+    <ds:schemaRef ds:uri="http://schemas.microsoft.com/office/2006/documentManagement/types"/>
+    <ds:schemaRef ds:uri="http://schemas.openxmlformats.org/package/2006/metadata/core-properties"/>
+    <ds:schemaRef ds:uri="http://www.w3.org/XML/1998/namespace"/>
+    <ds:schemaRef ds:uri="http://purl.org/dc/elements/1.1/"/>
+    <ds:schemaRef ds:uri="http://schemas.microsoft.com/office/infopath/2007/PartnerControls"/>
+    <ds:schemaRef ds:uri="http://schemas.microsoft.com/office/2006/metadata/properties"/>
+    <ds:schemaRef ds:uri="http://purl.org/dc/dcmitype/"/>
+    <ds:schemaRef ds:uri="http://purl.org/dc/terms/"/>
+  </ds:schemaRefs>
+</ds:datastoreItem>
+</file>
+
+<file path=customXml/itemProps3.xml><?xml version="1.0" encoding="utf-8"?>
+<ds:datastoreItem xmlns:ds="http://schemas.openxmlformats.org/officeDocument/2006/customXml" ds:itemID="{A3BC1864-B852-4993-AAB4-4BE6D023478B}">
   <ds:schemaRefs>
     <ds:schemaRef ds:uri="http://schemas.microsoft.com/office/2006/metadata/contentType"/>
     <ds:schemaRef ds:uri="http://schemas.microsoft.com/office/2006/metadata/properties/metaAttributes"/>
@@ -7920,21 +8718,4 @@
     <ds:schemaRef ds:uri="http://schemas.microsoft.com/internal/obd"/>
   </ds:schemaRefs>
 </ds:datastoreItem>
-</file>
-
-<file path=customXml/itemProps3.xml><?xml version="1.0" encoding="utf-8"?>
-<ds:datastoreItem xmlns:ds="http://schemas.openxmlformats.org/officeDocument/2006/customXml" ds:itemID="{854A2080-F76F-422C-A8A4-7F2ECAACEEC1}">
-  <ds:schemaRefs>
-    <ds:schemaRef ds:uri="4b71ed24-2eb2-4a02-9296-9ab9d1ab5d0a"/>
-    <ds:schemaRef ds:uri="e3181807-abd2-474a-b813-5d09948435a1"/>
-    <ds:schemaRef ds:uri="http://schemas.microsoft.com/office/infopath/2007/PartnerControls"/>
-    <ds:schemaRef ds:uri="http://www.w3.org/XML/1998/namespace"/>
-    <ds:schemaRef ds:uri="http://schemas.microsoft.com/office/2006/documentManagement/types"/>
-    <ds:schemaRef ds:uri="http://purl.org/dc/elements/1.1/"/>
-    <ds:schemaRef ds:uri="http://purl.org/dc/dcmitype/"/>
-    <ds:schemaRef ds:uri="http://schemas.openxmlformats.org/package/2006/metadata/core-properties"/>
-    <ds:schemaRef ds:uri="http://schemas.microsoft.com/office/2006/metadata/properties"/>
-    <ds:schemaRef ds:uri="http://purl.org/dc/terms/"/>
-  </ds:schemaRefs>
-</ds:datastoreItem>
 </file>
--- a/Neat Water Supply Presentation.pptx
+++ b/Neat Water Supply Presentation.pptx
@@ -13,11 +13,11 @@
     <p:sldId id="263" r:id="rId10"/>
     <p:sldId id="271" r:id="rId11"/>
     <p:sldId id="264" r:id="rId12"/>
-    <p:sldId id="265" r:id="rId13"/>
-    <p:sldId id="266" r:id="rId14"/>
-    <p:sldId id="267" r:id="rId15"/>
-    <p:sldId id="268" r:id="rId16"/>
-    <p:sldId id="269" r:id="rId17"/>
+    <p:sldId id="278" r:id="rId13"/>
+    <p:sldId id="265" r:id="rId14"/>
+    <p:sldId id="266" r:id="rId15"/>
+    <p:sldId id="267" r:id="rId16"/>
+    <p:sldId id="268" r:id="rId17"/>
     <p:sldId id="270" r:id="rId18"/>
     <p:sldId id="272" r:id="rId19"/>
     <p:sldId id="273" r:id="rId20"/>
@@ -170,11 +170,11 @@
             <p14:sldId id="263"/>
             <p14:sldId id="271"/>
             <p14:sldId id="264"/>
+            <p14:sldId id="278"/>
             <p14:sldId id="265"/>
             <p14:sldId id="266"/>
             <p14:sldId id="267"/>
             <p14:sldId id="268"/>
-            <p14:sldId id="269"/>
             <p14:sldId id="270"/>
             <p14:sldId id="272"/>
             <p14:sldId id="273"/>
@@ -207,7 +207,7 @@
 <file path=ppt/revisionInfo.xml><?xml version="1.0" encoding="utf-8"?>
 <p1510:revInfo xmlns:a="http://schemas.openxmlformats.org/drawingml/2006/main" xmlns:r="http://schemas.openxmlformats.org/officeDocument/2006/relationships" xmlns:p1510="http://schemas.microsoft.com/office/powerpoint/2015/10/main">
   <p1510:revLst>
-    <p1510:client id="{C22950DE-4BC8-4C67-B1BA-34756E5EAC5A}" v="57" dt="2024-04-04T23:47:08.972"/>
+    <p1510:client id="{C22950DE-4BC8-4C67-B1BA-34756E5EAC5A}" v="69" dt="2024-04-06T12:13:51.859"/>
   </p1510:revLst>
 </p1510:revInfo>
 </file>
@@ -392,7 +392,7 @@
             <a:fld id="{1D8BD707-D9CF-40AE-B4C6-C98DA3205C09}" type="datetimeFigureOut">
               <a:rPr lang="en-US" smtClean="0"/>
               <a:pPr/>
-              <a:t>4/4/2024</a:t>
+              <a:t>4/6/2024</a:t>
             </a:fld>
             <a:endParaRPr lang="en-US"/>
           </a:p>
@@ -557,7 +557,7 @@
             <a:fld id="{1D8BD707-D9CF-40AE-B4C6-C98DA3205C09}" type="datetimeFigureOut">
               <a:rPr lang="en-US" smtClean="0"/>
               <a:pPr/>
-              <a:t>4/4/2024</a:t>
+              <a:t>4/6/2024</a:t>
             </a:fld>
             <a:endParaRPr lang="en-US"/>
           </a:p>
@@ -732,7 +732,7 @@
             <a:fld id="{1D8BD707-D9CF-40AE-B4C6-C98DA3205C09}" type="datetimeFigureOut">
               <a:rPr lang="en-US" smtClean="0"/>
               <a:pPr/>
-              <a:t>4/4/2024</a:t>
+              <a:t>4/6/2024</a:t>
             </a:fld>
             <a:endParaRPr lang="en-US"/>
           </a:p>
@@ -897,7 +897,7 @@
             <a:fld id="{1D8BD707-D9CF-40AE-B4C6-C98DA3205C09}" type="datetimeFigureOut">
               <a:rPr lang="en-US" smtClean="0"/>
               <a:pPr/>
-              <a:t>4/4/2024</a:t>
+              <a:t>4/6/2024</a:t>
             </a:fld>
             <a:endParaRPr lang="en-US"/>
           </a:p>
@@ -1139,7 +1139,7 @@
             <a:fld id="{1D8BD707-D9CF-40AE-B4C6-C98DA3205C09}" type="datetimeFigureOut">
               <a:rPr lang="en-US" smtClean="0"/>
               <a:pPr/>
-              <a:t>4/4/2024</a:t>
+              <a:t>4/6/2024</a:t>
             </a:fld>
             <a:endParaRPr lang="en-US"/>
           </a:p>
@@ -1421,7 +1421,7 @@
             <a:fld id="{1D8BD707-D9CF-40AE-B4C6-C98DA3205C09}" type="datetimeFigureOut">
               <a:rPr lang="en-US" smtClean="0"/>
               <a:pPr/>
-              <a:t>4/4/2024</a:t>
+              <a:t>4/6/2024</a:t>
             </a:fld>
             <a:endParaRPr lang="en-US"/>
           </a:p>
@@ -1837,7 +1837,7 @@
             <a:fld id="{1D8BD707-D9CF-40AE-B4C6-C98DA3205C09}" type="datetimeFigureOut">
               <a:rPr lang="en-US" smtClean="0"/>
               <a:pPr/>
-              <a:t>4/4/2024</a:t>
+              <a:t>4/6/2024</a:t>
             </a:fld>
             <a:endParaRPr lang="en-US"/>
           </a:p>
@@ -1951,7 +1951,7 @@
             <a:fld id="{1D8BD707-D9CF-40AE-B4C6-C98DA3205C09}" type="datetimeFigureOut">
               <a:rPr lang="en-US" smtClean="0"/>
               <a:pPr/>
-              <a:t>4/4/2024</a:t>
+              <a:t>4/6/2024</a:t>
             </a:fld>
             <a:endParaRPr lang="en-US"/>
           </a:p>
@@ -2043,7 +2043,7 @@
             <a:fld id="{1D8BD707-D9CF-40AE-B4C6-C98DA3205C09}" type="datetimeFigureOut">
               <a:rPr lang="en-US" smtClean="0"/>
               <a:pPr/>
-              <a:t>4/4/2024</a:t>
+              <a:t>4/6/2024</a:t>
             </a:fld>
             <a:endParaRPr lang="en-US"/>
           </a:p>
@@ -2315,7 +2315,7 @@
             <a:fld id="{1D8BD707-D9CF-40AE-B4C6-C98DA3205C09}" type="datetimeFigureOut">
               <a:rPr lang="en-US" smtClean="0"/>
               <a:pPr/>
-              <a:t>4/4/2024</a:t>
+              <a:t>4/6/2024</a:t>
             </a:fld>
             <a:endParaRPr lang="en-US"/>
           </a:p>
@@ -2564,7 +2564,7 @@
             <a:fld id="{1D8BD707-D9CF-40AE-B4C6-C98DA3205C09}" type="datetimeFigureOut">
               <a:rPr lang="en-US" smtClean="0"/>
               <a:pPr/>
-              <a:t>4/4/2024</a:t>
+              <a:t>4/6/2024</a:t>
             </a:fld>
             <a:endParaRPr lang="en-US"/>
           </a:p>
@@ -2772,7 +2772,7 @@
             <a:fld id="{1D8BD707-D9CF-40AE-B4C6-C98DA3205C09}" type="datetimeFigureOut">
               <a:rPr lang="en-US" smtClean="0"/>
               <a:pPr/>
-              <a:t>4/4/2024</a:t>
+              <a:t>4/6/2024</a:t>
             </a:fld>
             <a:endParaRPr lang="en-US"/>
           </a:p>
@@ -3441,7 +3441,7 @@
         <p:spPr>
           <a:xfrm>
             <a:off x="42794" y="169718"/>
-            <a:ext cx="9668013" cy="1269357"/>
+            <a:ext cx="9668013" cy="1120884"/>
           </a:xfrm>
           <a:prstGeom prst="rect">
             <a:avLst/>
@@ -3459,14 +3459,56 @@
               </a:lnSpc>
             </a:pPr>
             <a:r>
-              <a:rPr lang="en-US" sz="7400">
+              <a:rPr lang="en-US" sz="3600" dirty="0" err="1">
                 <a:solidFill>
                   <a:srgbClr val="FFFFFF"/>
                 </a:solidFill>
                 <a:latin typeface="Libre Baskerville Bold"/>
               </a:rPr>
-              <a:t>EDMONDS KARP</a:t>
-            </a:r>
+              <a:t>Dificuldades</a:t>
+            </a:r>
+            <a:r>
+              <a:rPr lang="en-US" sz="3600" dirty="0">
+                <a:solidFill>
+                  <a:srgbClr val="FFFFFF"/>
+                </a:solidFill>
+                <a:latin typeface="Libre Baskerville Bold"/>
+              </a:rPr>
+              <a:t> do </a:t>
+            </a:r>
+            <a:r>
+              <a:rPr lang="en-US" sz="3600" dirty="0" err="1">
+                <a:solidFill>
+                  <a:srgbClr val="FFFFFF"/>
+                </a:solidFill>
+                <a:latin typeface="Libre Baskerville Bold"/>
+              </a:rPr>
+              <a:t>Trabalho</a:t>
+            </a:r>
+            <a:r>
+              <a:rPr lang="en-US" sz="3600" dirty="0">
+                <a:solidFill>
+                  <a:srgbClr val="FFFFFF"/>
+                </a:solidFill>
+                <a:latin typeface="Libre Baskerville Bold"/>
+              </a:rPr>
+              <a:t> e </a:t>
+            </a:r>
+            <a:r>
+              <a:rPr lang="en-US" sz="3600" dirty="0" err="1">
+                <a:solidFill>
+                  <a:srgbClr val="FFFFFF"/>
+                </a:solidFill>
+                <a:latin typeface="Libre Baskerville Bold"/>
+              </a:rPr>
+              <a:t>Participação</a:t>
+            </a:r>
+            <a:endParaRPr lang="en-US" sz="3600" dirty="0">
+              <a:solidFill>
+                <a:srgbClr val="FFFFFF"/>
+              </a:solidFill>
+              <a:latin typeface="Libre Baskerville Bold"/>
+            </a:endParaRPr>
           </a:p>
         </p:txBody>
       </p:sp>
@@ -3478,34 +3520,539 @@
         </p:nvSpPr>
         <p:spPr>
           <a:xfrm>
-            <a:off x="4420691" y="4500880"/>
-            <a:ext cx="912217" cy="372745"/>
+            <a:off x="42795" y="1608793"/>
+            <a:ext cx="9668012" cy="3154646"/>
           </a:xfrm>
           <a:prstGeom prst="rect">
             <a:avLst/>
           </a:prstGeom>
         </p:spPr>
         <p:txBody>
-          <a:bodyPr lIns="0" tIns="0" rIns="0" bIns="0" rtlCol="0" anchor="t">
+          <a:bodyPr wrap="square" lIns="0" tIns="0" rIns="0" bIns="0" rtlCol="0" anchor="t">
             <a:spAutoFit/>
           </a:bodyPr>
           <a:lstStyle/>
           <a:p>
-            <a:pPr algn="ctr">
+            <a:pPr>
               <a:lnSpc>
                 <a:spcPts val="3079"/>
               </a:lnSpc>
             </a:pPr>
             <a:r>
+              <a:rPr lang="en-US" sz="2199" dirty="0">
+                <a:solidFill>
+                  <a:srgbClr val="FFFFFF"/>
+                </a:solidFill>
+                <a:latin typeface="Libre Baskerville"/>
+              </a:rPr>
+              <a:t>As </a:t>
+            </a:r>
+            <a:r>
               <a:rPr lang="en-US" sz="2199" dirty="0" err="1">
                 <a:solidFill>
                   <a:srgbClr val="FFFFFF"/>
                 </a:solidFill>
                 <a:latin typeface="Libre Baskerville"/>
               </a:rPr>
-              <a:t>Corpo</a:t>
-            </a:r>
-            <a:endParaRPr lang="en-US" sz="2199" dirty="0">
+              <a:t>dificuldades</a:t>
+            </a:r>
+            <a:r>
+              <a:rPr lang="en-US" sz="2199" dirty="0">
+                <a:solidFill>
+                  <a:srgbClr val="FFFFFF"/>
+                </a:solidFill>
+                <a:latin typeface="Libre Baskerville"/>
+              </a:rPr>
+              <a:t> </a:t>
+            </a:r>
+            <a:r>
+              <a:rPr lang="en-US" sz="2199" dirty="0" err="1">
+                <a:solidFill>
+                  <a:srgbClr val="FFFFFF"/>
+                </a:solidFill>
+                <a:latin typeface="Libre Baskerville"/>
+              </a:rPr>
+              <a:t>deste</a:t>
+            </a:r>
+            <a:r>
+              <a:rPr lang="en-US" sz="2199" dirty="0">
+                <a:solidFill>
+                  <a:srgbClr val="FFFFFF"/>
+                </a:solidFill>
+                <a:latin typeface="Libre Baskerville"/>
+              </a:rPr>
+              <a:t> </a:t>
+            </a:r>
+            <a:r>
+              <a:rPr lang="en-US" sz="2199" dirty="0" err="1">
+                <a:solidFill>
+                  <a:srgbClr val="FFFFFF"/>
+                </a:solidFill>
+                <a:latin typeface="Libre Baskerville"/>
+              </a:rPr>
+              <a:t>trabalho</a:t>
+            </a:r>
+            <a:r>
+              <a:rPr lang="en-US" sz="2199" dirty="0">
+                <a:solidFill>
+                  <a:srgbClr val="FFFFFF"/>
+                </a:solidFill>
+                <a:latin typeface="Libre Baskerville"/>
+              </a:rPr>
+              <a:t> </a:t>
+            </a:r>
+            <a:r>
+              <a:rPr lang="en-US" sz="2199" dirty="0" err="1">
+                <a:solidFill>
+                  <a:srgbClr val="FFFFFF"/>
+                </a:solidFill>
+                <a:latin typeface="Libre Baskerville"/>
+              </a:rPr>
+              <a:t>foram</a:t>
+            </a:r>
+            <a:r>
+              <a:rPr lang="en-US" sz="2199" dirty="0">
+                <a:solidFill>
+                  <a:srgbClr val="FFFFFF"/>
+                </a:solidFill>
+                <a:latin typeface="Libre Baskerville"/>
+              </a:rPr>
+              <a:t>:</a:t>
+            </a:r>
+          </a:p>
+          <a:p>
+            <a:pPr>
+              <a:lnSpc>
+                <a:spcPts val="3079"/>
+              </a:lnSpc>
+            </a:pPr>
+            <a:r>
+              <a:rPr lang="en-US" sz="2199" b="1" dirty="0">
+                <a:solidFill>
+                  <a:srgbClr val="FFFFFF"/>
+                </a:solidFill>
+                <a:latin typeface="Libre Baskerville"/>
+              </a:rPr>
+              <a:t>O </a:t>
+            </a:r>
+            <a:r>
+              <a:rPr lang="en-US" sz="2199" b="1" dirty="0" err="1">
+                <a:solidFill>
+                  <a:srgbClr val="FFFFFF"/>
+                </a:solidFill>
+                <a:latin typeface="Libre Baskerville"/>
+              </a:rPr>
+              <a:t>algoritmo</a:t>
+            </a:r>
+            <a:r>
+              <a:rPr lang="en-US" sz="2199" b="1" dirty="0">
+                <a:solidFill>
+                  <a:srgbClr val="FFFFFF"/>
+                </a:solidFill>
+                <a:latin typeface="Libre Baskerville"/>
+              </a:rPr>
+              <a:t> de Edmonds </a:t>
+            </a:r>
+            <a:r>
+              <a:rPr lang="en-US" sz="2199" b="1" dirty="0" err="1">
+                <a:solidFill>
+                  <a:srgbClr val="FFFFFF"/>
+                </a:solidFill>
+                <a:latin typeface="Libre Baskerville"/>
+              </a:rPr>
+              <a:t>karp</a:t>
+            </a:r>
+            <a:r>
+              <a:rPr lang="en-US" sz="2199" b="1" dirty="0">
+                <a:solidFill>
+                  <a:srgbClr val="FFFFFF"/>
+                </a:solidFill>
+                <a:latin typeface="Libre Baskerville"/>
+              </a:rPr>
+              <a:t>: </a:t>
+            </a:r>
+            <a:r>
+              <a:rPr lang="en-US" sz="2199" dirty="0">
+                <a:solidFill>
+                  <a:srgbClr val="FFFFFF"/>
+                </a:solidFill>
+                <a:latin typeface="Libre Baskerville"/>
+              </a:rPr>
+              <a:t>pois </a:t>
+            </a:r>
+            <a:r>
+              <a:rPr lang="en-US" sz="2199" dirty="0" err="1">
+                <a:solidFill>
+                  <a:srgbClr val="FFFFFF"/>
+                </a:solidFill>
+                <a:latin typeface="Libre Baskerville"/>
+              </a:rPr>
+              <a:t>houve</a:t>
+            </a:r>
+            <a:r>
+              <a:rPr lang="en-US" sz="2199" dirty="0">
+                <a:solidFill>
+                  <a:srgbClr val="FFFFFF"/>
+                </a:solidFill>
+                <a:latin typeface="Libre Baskerville"/>
+              </a:rPr>
+              <a:t> </a:t>
+            </a:r>
+            <a:r>
+              <a:rPr lang="en-US" sz="2199" dirty="0" err="1">
+                <a:solidFill>
+                  <a:srgbClr val="FFFFFF"/>
+                </a:solidFill>
+                <a:latin typeface="Libre Baskerville"/>
+              </a:rPr>
+              <a:t>muita</a:t>
+            </a:r>
+            <a:r>
+              <a:rPr lang="en-US" sz="2199" dirty="0">
+                <a:solidFill>
+                  <a:srgbClr val="FFFFFF"/>
+                </a:solidFill>
+                <a:latin typeface="Libre Baskerville"/>
+              </a:rPr>
+              <a:t> </a:t>
+            </a:r>
+            <a:r>
+              <a:rPr lang="en-US" sz="2199" dirty="0" err="1">
+                <a:solidFill>
+                  <a:srgbClr val="FFFFFF"/>
+                </a:solidFill>
+                <a:latin typeface="Libre Baskerville"/>
+              </a:rPr>
+              <a:t>discussao</a:t>
+            </a:r>
+            <a:r>
+              <a:rPr lang="en-US" sz="2199" dirty="0">
+                <a:solidFill>
+                  <a:srgbClr val="FFFFFF"/>
+                </a:solidFill>
+                <a:latin typeface="Libre Baskerville"/>
+              </a:rPr>
+              <a:t> </a:t>
+            </a:r>
+            <a:r>
+              <a:rPr lang="en-US" sz="2199" dirty="0" err="1">
+                <a:solidFill>
+                  <a:srgbClr val="FFFFFF"/>
+                </a:solidFill>
+                <a:latin typeface="Libre Baskerville"/>
+              </a:rPr>
+              <a:t>sobre</a:t>
+            </a:r>
+            <a:r>
+              <a:rPr lang="en-US" sz="2199" dirty="0">
+                <a:solidFill>
+                  <a:srgbClr val="FFFFFF"/>
+                </a:solidFill>
+                <a:latin typeface="Libre Baskerville"/>
+              </a:rPr>
+              <a:t> o </a:t>
+            </a:r>
+            <a:r>
+              <a:rPr lang="en-US" sz="2199" dirty="0" err="1">
+                <a:solidFill>
+                  <a:srgbClr val="FFFFFF"/>
+                </a:solidFill>
+                <a:latin typeface="Libre Baskerville"/>
+              </a:rPr>
+              <a:t>resultado</a:t>
+            </a:r>
+            <a:r>
+              <a:rPr lang="en-US" sz="2199" dirty="0">
+                <a:solidFill>
+                  <a:srgbClr val="FFFFFF"/>
+                </a:solidFill>
+                <a:latin typeface="Libre Baskerville"/>
+              </a:rPr>
+              <a:t> do maxflow, e com isso </a:t>
+            </a:r>
+            <a:r>
+              <a:rPr lang="en-US" sz="2199" dirty="0" err="1">
+                <a:solidFill>
+                  <a:srgbClr val="FFFFFF"/>
+                </a:solidFill>
+                <a:latin typeface="Libre Baskerville"/>
+              </a:rPr>
+              <a:t>tentou</a:t>
+            </a:r>
+            <a:r>
+              <a:rPr lang="en-US" sz="2199" dirty="0">
+                <a:solidFill>
+                  <a:srgbClr val="FFFFFF"/>
+                </a:solidFill>
+                <a:latin typeface="Libre Baskerville"/>
+              </a:rPr>
+              <a:t>-se </a:t>
+            </a:r>
+            <a:r>
+              <a:rPr lang="en-US" sz="2199" dirty="0" err="1">
+                <a:solidFill>
+                  <a:srgbClr val="FFFFFF"/>
+                </a:solidFill>
+                <a:latin typeface="Libre Baskerville"/>
+              </a:rPr>
+              <a:t>chegar</a:t>
+            </a:r>
+            <a:r>
+              <a:rPr lang="en-US" sz="2199" dirty="0">
+                <a:solidFill>
+                  <a:srgbClr val="FFFFFF"/>
+                </a:solidFill>
+                <a:latin typeface="Libre Baskerville"/>
+              </a:rPr>
+              <a:t> a </a:t>
+            </a:r>
+            <a:r>
+              <a:rPr lang="en-US" sz="2199" dirty="0" err="1">
+                <a:solidFill>
+                  <a:srgbClr val="FFFFFF"/>
+                </a:solidFill>
+                <a:latin typeface="Libre Baskerville"/>
+              </a:rPr>
+              <a:t>moda</a:t>
+            </a:r>
+            <a:r>
+              <a:rPr lang="en-US" sz="2199" dirty="0">
+                <a:solidFill>
+                  <a:srgbClr val="FFFFFF"/>
+                </a:solidFill>
+                <a:latin typeface="Libre Baskerville"/>
+              </a:rPr>
+              <a:t> do </a:t>
+            </a:r>
+            <a:r>
+              <a:rPr lang="en-US" sz="2199" dirty="0" err="1">
+                <a:solidFill>
+                  <a:srgbClr val="FFFFFF"/>
+                </a:solidFill>
+                <a:latin typeface="Libre Baskerville"/>
+              </a:rPr>
+              <a:t>resultado</a:t>
+            </a:r>
+            <a:r>
+              <a:rPr lang="en-US" sz="2199" dirty="0">
+                <a:solidFill>
+                  <a:srgbClr val="FFFFFF"/>
+                </a:solidFill>
+                <a:latin typeface="Libre Baskerville"/>
+              </a:rPr>
+              <a:t>.</a:t>
+            </a:r>
+          </a:p>
+          <a:p>
+            <a:pPr>
+              <a:lnSpc>
+                <a:spcPts val="3079"/>
+              </a:lnSpc>
+            </a:pPr>
+            <a:r>
+              <a:rPr lang="en-US" sz="2199" b="1" dirty="0">
+                <a:solidFill>
+                  <a:srgbClr val="FFFFFF"/>
+                </a:solidFill>
+                <a:latin typeface="Libre Baskerville"/>
+              </a:rPr>
+              <a:t>A </a:t>
+            </a:r>
+            <a:r>
+              <a:rPr lang="en-US" sz="2199" b="1" dirty="0" err="1">
+                <a:solidFill>
+                  <a:srgbClr val="FFFFFF"/>
+                </a:solidFill>
+                <a:latin typeface="Libre Baskerville"/>
+              </a:rPr>
+              <a:t>Heuristica</a:t>
+            </a:r>
+            <a:r>
+              <a:rPr lang="en-US" sz="2199" b="1" dirty="0">
+                <a:solidFill>
+                  <a:srgbClr val="FFFFFF"/>
+                </a:solidFill>
+                <a:latin typeface="Libre Baskerville"/>
+              </a:rPr>
+              <a:t>: </a:t>
+            </a:r>
+            <a:r>
+              <a:rPr lang="en-US" sz="2199" dirty="0">
+                <a:solidFill>
+                  <a:srgbClr val="FFFFFF"/>
+                </a:solidFill>
+                <a:latin typeface="Libre Baskerville"/>
+              </a:rPr>
+              <a:t>pois </a:t>
+            </a:r>
+            <a:r>
+              <a:rPr lang="en-US" sz="2199" dirty="0" err="1">
+                <a:solidFill>
+                  <a:srgbClr val="FFFFFF"/>
+                </a:solidFill>
+                <a:latin typeface="Libre Baskerville"/>
+              </a:rPr>
+              <a:t>queriamos</a:t>
+            </a:r>
+            <a:r>
+              <a:rPr lang="en-US" sz="2199" dirty="0">
+                <a:solidFill>
+                  <a:srgbClr val="FFFFFF"/>
+                </a:solidFill>
+                <a:latin typeface="Libre Baskerville"/>
+              </a:rPr>
+              <a:t> </a:t>
+            </a:r>
+            <a:r>
+              <a:rPr lang="en-US" sz="2199" dirty="0" err="1">
+                <a:solidFill>
+                  <a:srgbClr val="FFFFFF"/>
+                </a:solidFill>
+                <a:latin typeface="Libre Baskerville"/>
+              </a:rPr>
+              <a:t>econtrar</a:t>
+            </a:r>
+            <a:r>
+              <a:rPr lang="en-US" sz="2199" dirty="0">
+                <a:solidFill>
+                  <a:srgbClr val="FFFFFF"/>
+                </a:solidFill>
+                <a:latin typeface="Libre Baskerville"/>
+              </a:rPr>
+              <a:t> </a:t>
+            </a:r>
+            <a:r>
+              <a:rPr lang="en-US" sz="2199" dirty="0" err="1">
+                <a:solidFill>
+                  <a:srgbClr val="FFFFFF"/>
+                </a:solidFill>
+                <a:latin typeface="Libre Baskerville"/>
+              </a:rPr>
+              <a:t>uma</a:t>
+            </a:r>
+            <a:r>
+              <a:rPr lang="en-US" sz="2199" dirty="0">
+                <a:solidFill>
+                  <a:srgbClr val="FFFFFF"/>
+                </a:solidFill>
+                <a:latin typeface="Libre Baskerville"/>
+              </a:rPr>
+              <a:t> </a:t>
+            </a:r>
+            <a:r>
+              <a:rPr lang="en-US" sz="2199" dirty="0" err="1">
+                <a:solidFill>
+                  <a:srgbClr val="FFFFFF"/>
+                </a:solidFill>
+                <a:latin typeface="Libre Baskerville"/>
+              </a:rPr>
+              <a:t>melhor</a:t>
+            </a:r>
+            <a:r>
+              <a:rPr lang="en-US" sz="2199" dirty="0">
+                <a:solidFill>
+                  <a:srgbClr val="FFFFFF"/>
+                </a:solidFill>
+                <a:latin typeface="Libre Baskerville"/>
+              </a:rPr>
+              <a:t> forma de </a:t>
+            </a:r>
+            <a:r>
+              <a:rPr lang="en-US" sz="2199" dirty="0" err="1">
+                <a:solidFill>
+                  <a:srgbClr val="FFFFFF"/>
+                </a:solidFill>
+                <a:latin typeface="Libre Baskerville"/>
+              </a:rPr>
+              <a:t>balancear</a:t>
+            </a:r>
+            <a:r>
+              <a:rPr lang="en-US" sz="2199" dirty="0">
+                <a:solidFill>
+                  <a:srgbClr val="FFFFFF"/>
+                </a:solidFill>
+                <a:latin typeface="Libre Baskerville"/>
+              </a:rPr>
+              <a:t> e </a:t>
+            </a:r>
+            <a:r>
+              <a:rPr lang="en-US" sz="2199" dirty="0" err="1">
+                <a:solidFill>
+                  <a:srgbClr val="FFFFFF"/>
+                </a:solidFill>
+                <a:latin typeface="Libre Baskerville"/>
+              </a:rPr>
+              <a:t>melhorar</a:t>
+            </a:r>
+            <a:r>
+              <a:rPr lang="en-US" sz="2199" dirty="0">
+                <a:solidFill>
+                  <a:srgbClr val="FFFFFF"/>
+                </a:solidFill>
+                <a:latin typeface="Libre Baskerville"/>
+              </a:rPr>
+              <a:t> </a:t>
+            </a:r>
+            <a:r>
+              <a:rPr lang="en-US" sz="2199" dirty="0" err="1">
+                <a:solidFill>
+                  <a:srgbClr val="FFFFFF"/>
+                </a:solidFill>
+                <a:latin typeface="Libre Baskerville"/>
+              </a:rPr>
+              <a:t>os</a:t>
+            </a:r>
+            <a:r>
+              <a:rPr lang="en-US" sz="2199" dirty="0">
+                <a:solidFill>
+                  <a:srgbClr val="FFFFFF"/>
+                </a:solidFill>
+                <a:latin typeface="Libre Baskerville"/>
+              </a:rPr>
+              <a:t> status.</a:t>
+            </a:r>
+          </a:p>
+          <a:p>
+            <a:pPr>
+              <a:lnSpc>
+                <a:spcPts val="3079"/>
+              </a:lnSpc>
+            </a:pPr>
+            <a:r>
+              <a:rPr lang="en-US" sz="2199" b="1" dirty="0">
+                <a:solidFill>
+                  <a:srgbClr val="FFFFFF"/>
+                </a:solidFill>
+                <a:latin typeface="Libre Baskerville"/>
+              </a:rPr>
+              <a:t>A </a:t>
+            </a:r>
+            <a:r>
+              <a:rPr lang="en-US" sz="2199" b="1" dirty="0" err="1">
+                <a:solidFill>
+                  <a:srgbClr val="FFFFFF"/>
+                </a:solidFill>
+                <a:latin typeface="Libre Baskerville"/>
+              </a:rPr>
+              <a:t>Resiliencia</a:t>
+            </a:r>
+            <a:r>
+              <a:rPr lang="en-US" sz="2199" b="1" dirty="0">
+                <a:solidFill>
+                  <a:srgbClr val="FFFFFF"/>
+                </a:solidFill>
+                <a:latin typeface="Libre Baskerville"/>
+              </a:rPr>
+              <a:t> da rede:</a:t>
+            </a:r>
+          </a:p>
+          <a:p>
+            <a:pPr>
+              <a:lnSpc>
+                <a:spcPts val="3079"/>
+              </a:lnSpc>
+            </a:pPr>
+            <a:endParaRPr lang="en-US" sz="2199" b="1" dirty="0">
               <a:solidFill>
                 <a:srgbClr val="FFFFFF"/>
               </a:solidFill>
@@ -3514,10 +4061,90 @@
           </a:p>
         </p:txBody>
       </p:sp>
+      <p:sp>
+        <p:nvSpPr>
+          <p:cNvPr id="5" name="TextBox 4">
+            <a:extLst>
+              <a:ext uri="{FF2B5EF4-FFF2-40B4-BE49-F238E27FC236}">
+                <a16:creationId xmlns:a16="http://schemas.microsoft.com/office/drawing/2014/main" id="{44535FD8-328F-2726-FBFB-6E246D5CD1BB}"/>
+              </a:ext>
+            </a:extLst>
+          </p:cNvPr>
+          <p:cNvSpPr txBox="1"/>
+          <p:nvPr/>
+        </p:nvSpPr>
+        <p:spPr>
+          <a:xfrm>
+            <a:off x="228600" y="6055254"/>
+            <a:ext cx="8458200" cy="923330"/>
+          </a:xfrm>
+          <a:prstGeom prst="rect">
+            <a:avLst/>
+          </a:prstGeom>
+          <a:noFill/>
+        </p:spPr>
+        <p:txBody>
+          <a:bodyPr wrap="square" rtlCol="0">
+            <a:spAutoFit/>
+          </a:bodyPr>
+          <a:lstStyle/>
+          <a:p>
+            <a:r>
+              <a:rPr lang="en-US" dirty="0">
+                <a:solidFill>
+                  <a:schemeClr val="bg2"/>
+                </a:solidFill>
+              </a:rPr>
+              <a:t>Up202209730 – Bruno Fortes – 33,3% </a:t>
+            </a:r>
+          </a:p>
+          <a:p>
+            <a:r>
+              <a:rPr lang="en-US" dirty="0">
+                <a:solidFill>
+                  <a:schemeClr val="bg2"/>
+                </a:solidFill>
+              </a:rPr>
+              <a:t>Up202209730 – </a:t>
+            </a:r>
+            <a:r>
+              <a:rPr lang="en-US" dirty="0" err="1">
+                <a:solidFill>
+                  <a:schemeClr val="bg2"/>
+                </a:solidFill>
+              </a:rPr>
+              <a:t>Ângelo</a:t>
+            </a:r>
+            <a:r>
+              <a:rPr lang="en-US" dirty="0">
+                <a:solidFill>
+                  <a:schemeClr val="bg2"/>
+                </a:solidFill>
+              </a:rPr>
+              <a:t> Oliveira– 33,3%</a:t>
+            </a:r>
+          </a:p>
+          <a:p>
+            <a:r>
+              <a:rPr lang="en-US" dirty="0">
+                <a:solidFill>
+                  <a:schemeClr val="bg2"/>
+                </a:solidFill>
+              </a:rPr>
+              <a:t>Up202209730 – José Costa – 33,3%</a:t>
+            </a:r>
+            <a:endParaRPr lang="pt-PT" dirty="0">
+              <a:solidFill>
+                <a:schemeClr val="bg2"/>
+              </a:solidFill>
+            </a:endParaRPr>
+          </a:p>
+        </p:txBody>
+      </p:sp>
     </p:spTree>
     <p:extLst>
       <p:ext uri="{BB962C8B-B14F-4D97-AF65-F5344CB8AC3E}">
-        <p14:creationId xmlns:p14="http://schemas.microsoft.com/office/powerpoint/2010/main" val="894697655"/>
+        <p14:creationId xmlns:p14="http://schemas.microsoft.com/office/powerpoint/2010/main" val="4034233798"/>
       </p:ext>
     </p:extLst>
   </p:cSld>
@@ -3606,7 +4233,7 @@
         <p:spPr>
           <a:xfrm>
             <a:off x="42794" y="169718"/>
-            <a:ext cx="9668013" cy="1269357"/>
+            <a:ext cx="9668013" cy="1147686"/>
           </a:xfrm>
           <a:prstGeom prst="rect">
             <a:avLst/>
@@ -3624,13 +4251,13 @@
               </a:lnSpc>
             </a:pPr>
             <a:r>
-              <a:rPr lang="en-US" sz="7400">
+              <a:rPr lang="en-US" sz="4400" dirty="0">
                 <a:solidFill>
                   <a:srgbClr val="FFFFFF"/>
                 </a:solidFill>
                 <a:latin typeface="Libre Baskerville Bold"/>
               </a:rPr>
-              <a:t>EDMONDS KARP</a:t>
+              <a:t>Highlight functions</a:t>
             </a:r>
           </a:p>
         </p:txBody>
@@ -3643,33 +4270,40 @@
         </p:nvSpPr>
         <p:spPr>
           <a:xfrm>
-            <a:off x="4420691" y="4500880"/>
-            <a:ext cx="912217" cy="372745"/>
+            <a:off x="128381" y="1487122"/>
+            <a:ext cx="9472820" cy="769378"/>
           </a:xfrm>
           <a:prstGeom prst="rect">
             <a:avLst/>
           </a:prstGeom>
         </p:spPr>
         <p:txBody>
-          <a:bodyPr lIns="0" tIns="0" rIns="0" bIns="0" rtlCol="0" anchor="t">
+          <a:bodyPr wrap="square" lIns="0" tIns="0" rIns="0" bIns="0" rtlCol="0" anchor="t">
             <a:spAutoFit/>
           </a:bodyPr>
           <a:lstStyle/>
           <a:p>
-            <a:pPr algn="ctr">
+            <a:pPr>
               <a:lnSpc>
                 <a:spcPts val="3079"/>
               </a:lnSpc>
             </a:pPr>
             <a:r>
-              <a:rPr lang="en-US" sz="2199" dirty="0" err="1">
+              <a:rPr lang="en-US" sz="2199" dirty="0">
                 <a:solidFill>
                   <a:srgbClr val="FFFFFF"/>
                 </a:solidFill>
                 <a:latin typeface="Libre Baskerville"/>
               </a:rPr>
-              <a:t>Corpo</a:t>
-            </a:r>
+              <a:t>The highlights functions where:</a:t>
+            </a:r>
+          </a:p>
+          <a:p>
+            <a:pPr>
+              <a:lnSpc>
+                <a:spcPts val="3079"/>
+              </a:lnSpc>
+            </a:pPr>
             <a:endParaRPr lang="en-US" sz="2199" dirty="0">
               <a:solidFill>
                 <a:srgbClr val="FFFFFF"/>
@@ -3682,7 +4316,7 @@
     </p:spTree>
     <p:extLst>
       <p:ext uri="{BB962C8B-B14F-4D97-AF65-F5344CB8AC3E}">
-        <p14:creationId xmlns:p14="http://schemas.microsoft.com/office/powerpoint/2010/main" val="172045955"/>
+        <p14:creationId xmlns:p14="http://schemas.microsoft.com/office/powerpoint/2010/main" val="894697655"/>
       </p:ext>
     </p:extLst>
   </p:cSld>
@@ -3789,65 +4423,21 @@
               </a:lnSpc>
             </a:pPr>
             <a:r>
-              <a:rPr lang="en-US" sz="7400">
+              <a:rPr lang="en-US" sz="7400" dirty="0">
                 <a:solidFill>
                   <a:srgbClr val="FFFFFF"/>
                 </a:solidFill>
                 <a:latin typeface="Libre Baskerville Bold"/>
               </a:rPr>
-              <a:t>EDMONDS KARP</a:t>
-            </a:r>
-          </a:p>
-        </p:txBody>
-      </p:sp>
-      <p:sp>
-        <p:nvSpPr>
-          <p:cNvPr id="4" name="TextBox 4"/>
-          <p:cNvSpPr txBox="1"/>
-          <p:nvPr/>
-        </p:nvSpPr>
-        <p:spPr>
-          <a:xfrm>
-            <a:off x="4420691" y="4500880"/>
-            <a:ext cx="912217" cy="372745"/>
-          </a:xfrm>
-          <a:prstGeom prst="rect">
-            <a:avLst/>
-          </a:prstGeom>
-        </p:spPr>
-        <p:txBody>
-          <a:bodyPr lIns="0" tIns="0" rIns="0" bIns="0" rtlCol="0" anchor="t">
-            <a:spAutoFit/>
-          </a:bodyPr>
-          <a:lstStyle/>
-          <a:p>
-            <a:pPr algn="ctr">
-              <a:lnSpc>
-                <a:spcPts val="3079"/>
-              </a:lnSpc>
-            </a:pPr>
-            <a:r>
-              <a:rPr lang="en-US" sz="2199" dirty="0" err="1">
-                <a:solidFill>
-                  <a:srgbClr val="FFFFFF"/>
-                </a:solidFill>
-                <a:latin typeface="Libre Baskerville"/>
-              </a:rPr>
-              <a:t>Corpo</a:t>
-            </a:r>
-            <a:endParaRPr lang="en-US" sz="2199" dirty="0">
-              <a:solidFill>
-                <a:srgbClr val="FFFFFF"/>
-              </a:solidFill>
-              <a:latin typeface="Libre Baskerville"/>
-            </a:endParaRPr>
+              <a:t>Test Cases</a:t>
+            </a:r>
           </a:p>
         </p:txBody>
       </p:sp>
     </p:spTree>
     <p:extLst>
       <p:ext uri="{BB962C8B-B14F-4D97-AF65-F5344CB8AC3E}">
-        <p14:creationId xmlns:p14="http://schemas.microsoft.com/office/powerpoint/2010/main" val="3084527644"/>
+        <p14:creationId xmlns:p14="http://schemas.microsoft.com/office/powerpoint/2010/main" val="172045955"/>
       </p:ext>
     </p:extLst>
   </p:cSld>
@@ -3936,7 +4526,7 @@
         <p:spPr>
           <a:xfrm>
             <a:off x="42794" y="169718"/>
-            <a:ext cx="9668013" cy="1269357"/>
+            <a:ext cx="9668013" cy="1248227"/>
           </a:xfrm>
           <a:prstGeom prst="rect">
             <a:avLst/>
@@ -3954,65 +4544,21 @@
               </a:lnSpc>
             </a:pPr>
             <a:r>
-              <a:rPr lang="en-US" sz="7400">
+              <a:rPr lang="en-US" sz="7400" dirty="0">
                 <a:solidFill>
                   <a:srgbClr val="FFFFFF"/>
                 </a:solidFill>
                 <a:latin typeface="Libre Baskerville Bold"/>
               </a:rPr>
-              <a:t>EDMONDS KARP</a:t>
-            </a:r>
-          </a:p>
-        </p:txBody>
-      </p:sp>
-      <p:sp>
-        <p:nvSpPr>
-          <p:cNvPr id="4" name="TextBox 4"/>
-          <p:cNvSpPr txBox="1"/>
-          <p:nvPr/>
-        </p:nvSpPr>
-        <p:spPr>
-          <a:xfrm>
-            <a:off x="4420691" y="4500880"/>
-            <a:ext cx="912217" cy="372745"/>
-          </a:xfrm>
-          <a:prstGeom prst="rect">
-            <a:avLst/>
-          </a:prstGeom>
-        </p:spPr>
-        <p:txBody>
-          <a:bodyPr lIns="0" tIns="0" rIns="0" bIns="0" rtlCol="0" anchor="t">
-            <a:spAutoFit/>
-          </a:bodyPr>
-          <a:lstStyle/>
-          <a:p>
-            <a:pPr algn="ctr">
-              <a:lnSpc>
-                <a:spcPts val="3079"/>
-              </a:lnSpc>
-            </a:pPr>
-            <a:r>
-              <a:rPr lang="en-US" sz="2199" dirty="0" err="1">
-                <a:solidFill>
-                  <a:srgbClr val="FFFFFF"/>
-                </a:solidFill>
-                <a:latin typeface="Libre Baskerville"/>
-              </a:rPr>
-              <a:t>Corpo</a:t>
-            </a:r>
-            <a:endParaRPr lang="en-US" sz="2199" dirty="0">
-              <a:solidFill>
-                <a:srgbClr val="FFFFFF"/>
-              </a:solidFill>
-              <a:latin typeface="Libre Baskerville"/>
-            </a:endParaRPr>
+              <a:t>Class Diagram</a:t>
+            </a:r>
           </a:p>
         </p:txBody>
       </p:sp>
     </p:spTree>
     <p:extLst>
       <p:ext uri="{BB962C8B-B14F-4D97-AF65-F5344CB8AC3E}">
-        <p14:creationId xmlns:p14="http://schemas.microsoft.com/office/powerpoint/2010/main" val="3241906564"/>
+        <p14:creationId xmlns:p14="http://schemas.microsoft.com/office/powerpoint/2010/main" val="3084527644"/>
       </p:ext>
     </p:extLst>
   </p:cSld>
@@ -4092,88 +4638,6 @@
           </a:p>
         </p:txBody>
       </p:sp>
-      <p:sp>
-        <p:nvSpPr>
-          <p:cNvPr id="3" name="TextBox 3"/>
-          <p:cNvSpPr txBox="1"/>
-          <p:nvPr/>
-        </p:nvSpPr>
-        <p:spPr>
-          <a:xfrm>
-            <a:off x="42794" y="169718"/>
-            <a:ext cx="9668013" cy="1269357"/>
-          </a:xfrm>
-          <a:prstGeom prst="rect">
-            <a:avLst/>
-          </a:prstGeom>
-        </p:spPr>
-        <p:txBody>
-          <a:bodyPr lIns="0" tIns="0" rIns="0" bIns="0" rtlCol="0" anchor="t">
-            <a:spAutoFit/>
-          </a:bodyPr>
-          <a:lstStyle/>
-          <a:p>
-            <a:pPr algn="ctr">
-              <a:lnSpc>
-                <a:spcPts val="10360"/>
-              </a:lnSpc>
-            </a:pPr>
-            <a:r>
-              <a:rPr lang="en-US" sz="7400">
-                <a:solidFill>
-                  <a:srgbClr val="FFFFFF"/>
-                </a:solidFill>
-                <a:latin typeface="Libre Baskerville Bold"/>
-              </a:rPr>
-              <a:t>EDMONDS KARP</a:t>
-            </a:r>
-          </a:p>
-        </p:txBody>
-      </p:sp>
-      <p:sp>
-        <p:nvSpPr>
-          <p:cNvPr id="4" name="TextBox 4"/>
-          <p:cNvSpPr txBox="1"/>
-          <p:nvPr/>
-        </p:nvSpPr>
-        <p:spPr>
-          <a:xfrm>
-            <a:off x="4420691" y="4500880"/>
-            <a:ext cx="912217" cy="372745"/>
-          </a:xfrm>
-          <a:prstGeom prst="rect">
-            <a:avLst/>
-          </a:prstGeom>
-        </p:spPr>
-        <p:txBody>
-          <a:bodyPr lIns="0" tIns="0" rIns="0" bIns="0" rtlCol="0" anchor="t">
-            <a:spAutoFit/>
-          </a:bodyPr>
-          <a:lstStyle/>
-          <a:p>
-            <a:pPr algn="ctr">
-              <a:lnSpc>
-                <a:spcPts val="3079"/>
-              </a:lnSpc>
-            </a:pPr>
-            <a:r>
-              <a:rPr lang="en-US" sz="2199" dirty="0" err="1">
-                <a:solidFill>
-                  <a:srgbClr val="FFFFFF"/>
-                </a:solidFill>
-                <a:latin typeface="Libre Baskerville"/>
-              </a:rPr>
-              <a:t>Corpo</a:t>
-            </a:r>
-            <a:endParaRPr lang="en-US" sz="2199" dirty="0">
-              <a:solidFill>
-                <a:srgbClr val="FFFFFF"/>
-              </a:solidFill>
-              <a:latin typeface="Libre Baskerville"/>
-            </a:endParaRPr>
-          </a:p>
-        </p:txBody>
-      </p:sp>
     </p:spTree>
     <p:extLst>
       <p:ext uri="{BB962C8B-B14F-4D97-AF65-F5344CB8AC3E}">
@@ -4257,88 +4721,6 @@
           </a:p>
         </p:txBody>
       </p:sp>
-      <p:sp>
-        <p:nvSpPr>
-          <p:cNvPr id="3" name="TextBox 3"/>
-          <p:cNvSpPr txBox="1"/>
-          <p:nvPr/>
-        </p:nvSpPr>
-        <p:spPr>
-          <a:xfrm>
-            <a:off x="42794" y="169718"/>
-            <a:ext cx="9668013" cy="1269357"/>
-          </a:xfrm>
-          <a:prstGeom prst="rect">
-            <a:avLst/>
-          </a:prstGeom>
-        </p:spPr>
-        <p:txBody>
-          <a:bodyPr lIns="0" tIns="0" rIns="0" bIns="0" rtlCol="0" anchor="t">
-            <a:spAutoFit/>
-          </a:bodyPr>
-          <a:lstStyle/>
-          <a:p>
-            <a:pPr algn="ctr">
-              <a:lnSpc>
-                <a:spcPts val="10360"/>
-              </a:lnSpc>
-            </a:pPr>
-            <a:r>
-              <a:rPr lang="en-US" sz="7400">
-                <a:solidFill>
-                  <a:srgbClr val="FFFFFF"/>
-                </a:solidFill>
-                <a:latin typeface="Libre Baskerville Bold"/>
-              </a:rPr>
-              <a:t>EDMONDS KARP</a:t>
-            </a:r>
-          </a:p>
-        </p:txBody>
-      </p:sp>
-      <p:sp>
-        <p:nvSpPr>
-          <p:cNvPr id="4" name="TextBox 4"/>
-          <p:cNvSpPr txBox="1"/>
-          <p:nvPr/>
-        </p:nvSpPr>
-        <p:spPr>
-          <a:xfrm>
-            <a:off x="4420691" y="4500880"/>
-            <a:ext cx="912217" cy="372745"/>
-          </a:xfrm>
-          <a:prstGeom prst="rect">
-            <a:avLst/>
-          </a:prstGeom>
-        </p:spPr>
-        <p:txBody>
-          <a:bodyPr lIns="0" tIns="0" rIns="0" bIns="0" rtlCol="0" anchor="t">
-            <a:spAutoFit/>
-          </a:bodyPr>
-          <a:lstStyle/>
-          <a:p>
-            <a:pPr algn="ctr">
-              <a:lnSpc>
-                <a:spcPts val="3079"/>
-              </a:lnSpc>
-            </a:pPr>
-            <a:r>
-              <a:rPr lang="en-US" sz="2199" dirty="0" err="1">
-                <a:solidFill>
-                  <a:srgbClr val="FFFFFF"/>
-                </a:solidFill>
-                <a:latin typeface="Libre Baskerville"/>
-              </a:rPr>
-              <a:t>Corpo</a:t>
-            </a:r>
-            <a:endParaRPr lang="en-US" sz="2199" dirty="0">
-              <a:solidFill>
-                <a:srgbClr val="FFFFFF"/>
-              </a:solidFill>
-              <a:latin typeface="Libre Baskerville"/>
-            </a:endParaRPr>
-          </a:p>
-        </p:txBody>
-      </p:sp>
     </p:spTree>
     <p:extLst>
       <p:ext uri="{BB962C8B-B14F-4D97-AF65-F5344CB8AC3E}">
@@ -4422,88 +4804,6 @@
           </a:p>
         </p:txBody>
       </p:sp>
-      <p:sp>
-        <p:nvSpPr>
-          <p:cNvPr id="3" name="TextBox 3"/>
-          <p:cNvSpPr txBox="1"/>
-          <p:nvPr/>
-        </p:nvSpPr>
-        <p:spPr>
-          <a:xfrm>
-            <a:off x="42794" y="169718"/>
-            <a:ext cx="9668013" cy="1269357"/>
-          </a:xfrm>
-          <a:prstGeom prst="rect">
-            <a:avLst/>
-          </a:prstGeom>
-        </p:spPr>
-        <p:txBody>
-          <a:bodyPr lIns="0" tIns="0" rIns="0" bIns="0" rtlCol="0" anchor="t">
-            <a:spAutoFit/>
-          </a:bodyPr>
-          <a:lstStyle/>
-          <a:p>
-            <a:pPr algn="ctr">
-              <a:lnSpc>
-                <a:spcPts val="10360"/>
-              </a:lnSpc>
-            </a:pPr>
-            <a:r>
-              <a:rPr lang="en-US" sz="7400">
-                <a:solidFill>
-                  <a:srgbClr val="FFFFFF"/>
-                </a:solidFill>
-                <a:latin typeface="Libre Baskerville Bold"/>
-              </a:rPr>
-              <a:t>EDMONDS KARP</a:t>
-            </a:r>
-          </a:p>
-        </p:txBody>
-      </p:sp>
-      <p:sp>
-        <p:nvSpPr>
-          <p:cNvPr id="4" name="TextBox 4"/>
-          <p:cNvSpPr txBox="1"/>
-          <p:nvPr/>
-        </p:nvSpPr>
-        <p:spPr>
-          <a:xfrm>
-            <a:off x="4420691" y="4500880"/>
-            <a:ext cx="912217" cy="372745"/>
-          </a:xfrm>
-          <a:prstGeom prst="rect">
-            <a:avLst/>
-          </a:prstGeom>
-        </p:spPr>
-        <p:txBody>
-          <a:bodyPr lIns="0" tIns="0" rIns="0" bIns="0" rtlCol="0" anchor="t">
-            <a:spAutoFit/>
-          </a:bodyPr>
-          <a:lstStyle/>
-          <a:p>
-            <a:pPr algn="ctr">
-              <a:lnSpc>
-                <a:spcPts val="3079"/>
-              </a:lnSpc>
-            </a:pPr>
-            <a:r>
-              <a:rPr lang="en-US" sz="2199" dirty="0" err="1">
-                <a:solidFill>
-                  <a:srgbClr val="FFFFFF"/>
-                </a:solidFill>
-                <a:latin typeface="Libre Baskerville"/>
-              </a:rPr>
-              <a:t>Corpo</a:t>
-            </a:r>
-            <a:endParaRPr lang="en-US" sz="2199" dirty="0">
-              <a:solidFill>
-                <a:srgbClr val="FFFFFF"/>
-              </a:solidFill>
-              <a:latin typeface="Libre Baskerville"/>
-            </a:endParaRPr>
-          </a:p>
-        </p:txBody>
-      </p:sp>
     </p:spTree>
     <p:extLst>
       <p:ext uri="{BB962C8B-B14F-4D97-AF65-F5344CB8AC3E}">
@@ -4587,88 +4887,6 @@
           </a:p>
         </p:txBody>
       </p:sp>
-      <p:sp>
-        <p:nvSpPr>
-          <p:cNvPr id="3" name="TextBox 3"/>
-          <p:cNvSpPr txBox="1"/>
-          <p:nvPr/>
-        </p:nvSpPr>
-        <p:spPr>
-          <a:xfrm>
-            <a:off x="42794" y="169718"/>
-            <a:ext cx="9668013" cy="1269357"/>
-          </a:xfrm>
-          <a:prstGeom prst="rect">
-            <a:avLst/>
-          </a:prstGeom>
-        </p:spPr>
-        <p:txBody>
-          <a:bodyPr lIns="0" tIns="0" rIns="0" bIns="0" rtlCol="0" anchor="t">
-            <a:spAutoFit/>
-          </a:bodyPr>
-          <a:lstStyle/>
-          <a:p>
-            <a:pPr algn="ctr">
-              <a:lnSpc>
-                <a:spcPts val="10360"/>
-              </a:lnSpc>
-            </a:pPr>
-            <a:r>
-              <a:rPr lang="en-US" sz="7400">
-                <a:solidFill>
-                  <a:srgbClr val="FFFFFF"/>
-                </a:solidFill>
-                <a:latin typeface="Libre Baskerville Bold"/>
-              </a:rPr>
-              <a:t>EDMONDS KARP</a:t>
-            </a:r>
-          </a:p>
-        </p:txBody>
-      </p:sp>
-      <p:sp>
-        <p:nvSpPr>
-          <p:cNvPr id="4" name="TextBox 4"/>
-          <p:cNvSpPr txBox="1"/>
-          <p:nvPr/>
-        </p:nvSpPr>
-        <p:spPr>
-          <a:xfrm>
-            <a:off x="4420691" y="4500880"/>
-            <a:ext cx="912217" cy="372745"/>
-          </a:xfrm>
-          <a:prstGeom prst="rect">
-            <a:avLst/>
-          </a:prstGeom>
-        </p:spPr>
-        <p:txBody>
-          <a:bodyPr lIns="0" tIns="0" rIns="0" bIns="0" rtlCol="0" anchor="t">
-            <a:spAutoFit/>
-          </a:bodyPr>
-          <a:lstStyle/>
-          <a:p>
-            <a:pPr algn="ctr">
-              <a:lnSpc>
-                <a:spcPts val="3079"/>
-              </a:lnSpc>
-            </a:pPr>
-            <a:r>
-              <a:rPr lang="en-US" sz="2199" dirty="0" err="1">
-                <a:solidFill>
-                  <a:srgbClr val="FFFFFF"/>
-                </a:solidFill>
-                <a:latin typeface="Libre Baskerville"/>
-              </a:rPr>
-              <a:t>Corpo</a:t>
-            </a:r>
-            <a:endParaRPr lang="en-US" sz="2199" dirty="0">
-              <a:solidFill>
-                <a:srgbClr val="FFFFFF"/>
-              </a:solidFill>
-              <a:latin typeface="Libre Baskerville"/>
-            </a:endParaRPr>
-          </a:p>
-        </p:txBody>
-      </p:sp>
     </p:spTree>
     <p:extLst>
       <p:ext uri="{BB962C8B-B14F-4D97-AF65-F5344CB8AC3E}">
@@ -4752,88 +4970,6 @@
           </a:p>
         </p:txBody>
       </p:sp>
-      <p:sp>
-        <p:nvSpPr>
-          <p:cNvPr id="3" name="TextBox 3"/>
-          <p:cNvSpPr txBox="1"/>
-          <p:nvPr/>
-        </p:nvSpPr>
-        <p:spPr>
-          <a:xfrm>
-            <a:off x="42794" y="169718"/>
-            <a:ext cx="9668013" cy="1269357"/>
-          </a:xfrm>
-          <a:prstGeom prst="rect">
-            <a:avLst/>
-          </a:prstGeom>
-        </p:spPr>
-        <p:txBody>
-          <a:bodyPr lIns="0" tIns="0" rIns="0" bIns="0" rtlCol="0" anchor="t">
-            <a:spAutoFit/>
-          </a:bodyPr>
-          <a:lstStyle/>
-          <a:p>
-            <a:pPr algn="ctr">
-              <a:lnSpc>
-                <a:spcPts val="10360"/>
-              </a:lnSpc>
-            </a:pPr>
-            <a:r>
-              <a:rPr lang="en-US" sz="7400">
-                <a:solidFill>
-                  <a:srgbClr val="FFFFFF"/>
-                </a:solidFill>
-                <a:latin typeface="Libre Baskerville Bold"/>
-              </a:rPr>
-              <a:t>EDMONDS KARP</a:t>
-            </a:r>
-          </a:p>
-        </p:txBody>
-      </p:sp>
-      <p:sp>
-        <p:nvSpPr>
-          <p:cNvPr id="4" name="TextBox 4"/>
-          <p:cNvSpPr txBox="1"/>
-          <p:nvPr/>
-        </p:nvSpPr>
-        <p:spPr>
-          <a:xfrm>
-            <a:off x="4420691" y="4500880"/>
-            <a:ext cx="912217" cy="372745"/>
-          </a:xfrm>
-          <a:prstGeom prst="rect">
-            <a:avLst/>
-          </a:prstGeom>
-        </p:spPr>
-        <p:txBody>
-          <a:bodyPr lIns="0" tIns="0" rIns="0" bIns="0" rtlCol="0" anchor="t">
-            <a:spAutoFit/>
-          </a:bodyPr>
-          <a:lstStyle/>
-          <a:p>
-            <a:pPr algn="ctr">
-              <a:lnSpc>
-                <a:spcPts val="3079"/>
-              </a:lnSpc>
-            </a:pPr>
-            <a:r>
-              <a:rPr lang="en-US" sz="2199" dirty="0" err="1">
-                <a:solidFill>
-                  <a:srgbClr val="FFFFFF"/>
-                </a:solidFill>
-                <a:latin typeface="Libre Baskerville"/>
-              </a:rPr>
-              <a:t>Corpo</a:t>
-            </a:r>
-            <a:endParaRPr lang="en-US" sz="2199" dirty="0">
-              <a:solidFill>
-                <a:srgbClr val="FFFFFF"/>
-              </a:solidFill>
-              <a:latin typeface="Libre Baskerville"/>
-            </a:endParaRPr>
-          </a:p>
-        </p:txBody>
-      </p:sp>
     </p:spTree>
     <p:extLst>
       <p:ext uri="{BB962C8B-B14F-4D97-AF65-F5344CB8AC3E}">
@@ -4917,88 +5053,6 @@
           </a:p>
         </p:txBody>
       </p:sp>
-      <p:sp>
-        <p:nvSpPr>
-          <p:cNvPr id="3" name="TextBox 3"/>
-          <p:cNvSpPr txBox="1"/>
-          <p:nvPr/>
-        </p:nvSpPr>
-        <p:spPr>
-          <a:xfrm>
-            <a:off x="42794" y="169718"/>
-            <a:ext cx="9668013" cy="1269357"/>
-          </a:xfrm>
-          <a:prstGeom prst="rect">
-            <a:avLst/>
-          </a:prstGeom>
-        </p:spPr>
-        <p:txBody>
-          <a:bodyPr lIns="0" tIns="0" rIns="0" bIns="0" rtlCol="0" anchor="t">
-            <a:spAutoFit/>
-          </a:bodyPr>
-          <a:lstStyle/>
-          <a:p>
-            <a:pPr algn="ctr">
-              <a:lnSpc>
-                <a:spcPts val="10360"/>
-              </a:lnSpc>
-            </a:pPr>
-            <a:r>
-              <a:rPr lang="en-US" sz="7400">
-                <a:solidFill>
-                  <a:srgbClr val="FFFFFF"/>
-                </a:solidFill>
-                <a:latin typeface="Libre Baskerville Bold"/>
-              </a:rPr>
-              <a:t>EDMONDS KARP</a:t>
-            </a:r>
-          </a:p>
-        </p:txBody>
-      </p:sp>
-      <p:sp>
-        <p:nvSpPr>
-          <p:cNvPr id="4" name="TextBox 4"/>
-          <p:cNvSpPr txBox="1"/>
-          <p:nvPr/>
-        </p:nvSpPr>
-        <p:spPr>
-          <a:xfrm>
-            <a:off x="4420691" y="4500880"/>
-            <a:ext cx="912217" cy="372745"/>
-          </a:xfrm>
-          <a:prstGeom prst="rect">
-            <a:avLst/>
-          </a:prstGeom>
-        </p:spPr>
-        <p:txBody>
-          <a:bodyPr lIns="0" tIns="0" rIns="0" bIns="0" rtlCol="0" anchor="t">
-            <a:spAutoFit/>
-          </a:bodyPr>
-          <a:lstStyle/>
-          <a:p>
-            <a:pPr algn="ctr">
-              <a:lnSpc>
-                <a:spcPts val="3079"/>
-              </a:lnSpc>
-            </a:pPr>
-            <a:r>
-              <a:rPr lang="en-US" sz="2199" dirty="0" err="1">
-                <a:solidFill>
-                  <a:srgbClr val="FFFFFF"/>
-                </a:solidFill>
-                <a:latin typeface="Libre Baskerville"/>
-              </a:rPr>
-              <a:t>Corpo</a:t>
-            </a:r>
-            <a:endParaRPr lang="en-US" sz="2199" dirty="0">
-              <a:solidFill>
-                <a:srgbClr val="FFFFFF"/>
-              </a:solidFill>
-              <a:latin typeface="Libre Baskerville"/>
-            </a:endParaRPr>
-          </a:p>
-        </p:txBody>
-      </p:sp>
     </p:spTree>
     <p:extLst>
       <p:ext uri="{BB962C8B-B14F-4D97-AF65-F5344CB8AC3E}">
@@ -5413,88 +5467,6 @@
           </a:p>
         </p:txBody>
       </p:sp>
-      <p:sp>
-        <p:nvSpPr>
-          <p:cNvPr id="3" name="TextBox 3"/>
-          <p:cNvSpPr txBox="1"/>
-          <p:nvPr/>
-        </p:nvSpPr>
-        <p:spPr>
-          <a:xfrm>
-            <a:off x="42794" y="169718"/>
-            <a:ext cx="9668013" cy="1269357"/>
-          </a:xfrm>
-          <a:prstGeom prst="rect">
-            <a:avLst/>
-          </a:prstGeom>
-        </p:spPr>
-        <p:txBody>
-          <a:bodyPr lIns="0" tIns="0" rIns="0" bIns="0" rtlCol="0" anchor="t">
-            <a:spAutoFit/>
-          </a:bodyPr>
-          <a:lstStyle/>
-          <a:p>
-            <a:pPr algn="ctr">
-              <a:lnSpc>
-                <a:spcPts val="10360"/>
-              </a:lnSpc>
-            </a:pPr>
-            <a:r>
-              <a:rPr lang="en-US" sz="7400">
-                <a:solidFill>
-                  <a:srgbClr val="FFFFFF"/>
-                </a:solidFill>
-                <a:latin typeface="Libre Baskerville Bold"/>
-              </a:rPr>
-              <a:t>EDMONDS KARP</a:t>
-            </a:r>
-          </a:p>
-        </p:txBody>
-      </p:sp>
-      <p:sp>
-        <p:nvSpPr>
-          <p:cNvPr id="4" name="TextBox 4"/>
-          <p:cNvSpPr txBox="1"/>
-          <p:nvPr/>
-        </p:nvSpPr>
-        <p:spPr>
-          <a:xfrm>
-            <a:off x="4420691" y="4500880"/>
-            <a:ext cx="912217" cy="372745"/>
-          </a:xfrm>
-          <a:prstGeom prst="rect">
-            <a:avLst/>
-          </a:prstGeom>
-        </p:spPr>
-        <p:txBody>
-          <a:bodyPr lIns="0" tIns="0" rIns="0" bIns="0" rtlCol="0" anchor="t">
-            <a:spAutoFit/>
-          </a:bodyPr>
-          <a:lstStyle/>
-          <a:p>
-            <a:pPr algn="ctr">
-              <a:lnSpc>
-                <a:spcPts val="3079"/>
-              </a:lnSpc>
-            </a:pPr>
-            <a:r>
-              <a:rPr lang="en-US" sz="2199" dirty="0" err="1">
-                <a:solidFill>
-                  <a:srgbClr val="FFFFFF"/>
-                </a:solidFill>
-                <a:latin typeface="Libre Baskerville"/>
-              </a:rPr>
-              <a:t>Corpo</a:t>
-            </a:r>
-            <a:endParaRPr lang="en-US" sz="2199" dirty="0">
-              <a:solidFill>
-                <a:srgbClr val="FFFFFF"/>
-              </a:solidFill>
-              <a:latin typeface="Libre Baskerville"/>
-            </a:endParaRPr>
-          </a:p>
-        </p:txBody>
-      </p:sp>
     </p:spTree>
     <p:extLst>
       <p:ext uri="{BB962C8B-B14F-4D97-AF65-F5344CB8AC3E}">
@@ -5631,7 +5603,7 @@
         <p:spPr>
           <a:xfrm>
             <a:off x="304800" y="1828800"/>
-            <a:ext cx="8991599" cy="4007636"/>
+            <a:ext cx="8991599" cy="4431983"/>
           </a:xfrm>
           <a:prstGeom prst="rect">
             <a:avLst/>
@@ -5644,464 +5616,291 @@
           <a:lstStyle/>
           <a:p>
             <a:r>
-              <a:rPr lang="pt-PT" sz="1400" b="0" i="0" dirty="0">
+              <a:rPr lang="pt-PT" sz="1600" i="0" dirty="0">
                 <a:solidFill>
                   <a:srgbClr val="FFFFFF"/>
                 </a:solidFill>
                 <a:effectLst/>
-                <a:latin typeface="YAFdJt8dAY0 0"/>
-              </a:rPr>
-              <a:t>O grafo do nosso sistema de gerenciamento de </a:t>
-            </a:r>
-            <a:r>
-              <a:rPr lang="pt-PT" sz="1400" b="0" i="0" dirty="0" err="1">
+                <a:latin typeface="+mj-lt"/>
+              </a:rPr>
+              <a:t>O arquivo </a:t>
+            </a:r>
+            <a:r>
+              <a:rPr lang="pt-PT" sz="1600" i="0" dirty="0" err="1">
                 <a:solidFill>
                   <a:srgbClr val="FFFFFF"/>
                 </a:solidFill>
                 <a:effectLst/>
-                <a:latin typeface="YAFdJt8dAY0 0"/>
-              </a:rPr>
-              <a:t>distribuiçã</a:t>
-            </a:r>
-            <a:r>
-              <a:rPr lang="pt-PT" sz="1400" b="0" i="0" dirty="0">
+                <a:latin typeface="+mj-lt"/>
+              </a:rPr>
+              <a:t>graph.h</a:t>
+            </a:r>
+            <a:r>
+              <a:rPr lang="pt-PT" sz="1600" i="0" dirty="0">
                 <a:solidFill>
                   <a:srgbClr val="FFFFFF"/>
                 </a:solidFill>
                 <a:effectLst/>
-                <a:latin typeface="YAFdJt8dAY0 0"/>
-              </a:rPr>
-              <a:t> de agua é uma estrutura de dados chave, que desempenha um papel vital na representação e análise do sistema de </a:t>
-            </a:r>
-            <a:r>
-              <a:rPr lang="pt-PT" sz="1400" b="0" i="0" dirty="0" err="1">
+                <a:latin typeface="+mj-lt"/>
+              </a:rPr>
+              <a:t> define uma estrutura de dados fundamental para o sistema de gerenciamento de distribuição de água. Ele representa o sistema como um grafo, onde cada cidade é um nó e as estações de bombeamento são as arestas conectando os nós. Esta estrutura oferece uma representação </a:t>
+            </a:r>
+            <a:r>
+              <a:rPr lang="pt-PT" sz="1600" i="0" dirty="0" err="1">
                 <a:solidFill>
                   <a:srgbClr val="FFFFFF"/>
                 </a:solidFill>
                 <a:effectLst/>
-                <a:latin typeface="YAFdJt8dAY0 0"/>
-              </a:rPr>
-              <a:t>distibuição</a:t>
-            </a:r>
-            <a:r>
-              <a:rPr lang="pt-PT" sz="1400" b="0" i="0" dirty="0">
+                <a:latin typeface="+mj-lt"/>
+              </a:rPr>
+              <a:t>abstrata</a:t>
+            </a:r>
+            <a:r>
+              <a:rPr lang="pt-PT" sz="1600" i="0" dirty="0">
                 <a:solidFill>
                   <a:srgbClr val="FFFFFF"/>
                 </a:solidFill>
                 <a:effectLst/>
-                <a:latin typeface="YAFdJt8dAY0 0"/>
-              </a:rPr>
-              <a:t> de agua. As características principais incluem: </a:t>
-            </a:r>
-            <a:endParaRPr lang="pt-PT" sz="1400" dirty="0">
+                <a:latin typeface="+mj-lt"/>
+              </a:rPr>
+              <a:t> e eficiente das relações entre as cidades e as capacidades de bombeamento entre elas.</a:t>
+            </a:r>
+          </a:p>
+          <a:p>
+            <a:r>
+              <a:rPr lang="pt-PT" sz="1600" i="0" dirty="0">
+                <a:solidFill>
+                  <a:srgbClr val="FFFFFF"/>
+                </a:solidFill>
+                <a:effectLst/>
+                <a:latin typeface="+mj-lt"/>
+              </a:rPr>
+              <a:t>Principais características:</a:t>
+            </a:r>
+          </a:p>
+          <a:p>
+            <a:r>
+              <a:rPr lang="pt-PT" sz="1600" b="1" i="0" dirty="0">
+                <a:solidFill>
+                  <a:srgbClr val="FFFFFF"/>
+                </a:solidFill>
+                <a:effectLst/>
+                <a:latin typeface="+mj-lt"/>
+              </a:rPr>
+              <a:t>Estrutura do Grafo: </a:t>
+            </a:r>
+            <a:r>
+              <a:rPr lang="pt-PT" sz="1600" i="0" dirty="0">
+                <a:solidFill>
+                  <a:srgbClr val="FFFFFF"/>
+                </a:solidFill>
+                <a:effectLst/>
+                <a:latin typeface="+mj-lt"/>
+              </a:rPr>
+              <a:t>As cidades são representadas como nós e as estações de bombeamento como arestas. Cada aresta conecta duas cidades, </a:t>
+            </a:r>
+            <a:r>
+              <a:rPr lang="pt-PT" sz="1600" i="0" dirty="0" err="1">
+                <a:solidFill>
+                  <a:srgbClr val="FFFFFF"/>
+                </a:solidFill>
+                <a:effectLst/>
+                <a:latin typeface="+mj-lt"/>
+              </a:rPr>
+              <a:t>refletindo</a:t>
+            </a:r>
+            <a:r>
+              <a:rPr lang="pt-PT" sz="1600" i="0" dirty="0">
+                <a:solidFill>
+                  <a:srgbClr val="FFFFFF"/>
+                </a:solidFill>
+                <a:effectLst/>
+                <a:latin typeface="+mj-lt"/>
+              </a:rPr>
+              <a:t> a </a:t>
+            </a:r>
+            <a:r>
+              <a:rPr lang="pt-PT" sz="1600" i="0" dirty="0" err="1">
+                <a:solidFill>
+                  <a:srgbClr val="FFFFFF"/>
+                </a:solidFill>
+                <a:effectLst/>
+                <a:latin typeface="+mj-lt"/>
+              </a:rPr>
+              <a:t>infraestrutura</a:t>
+            </a:r>
+            <a:r>
+              <a:rPr lang="pt-PT" sz="1600" i="0" dirty="0">
+                <a:solidFill>
+                  <a:srgbClr val="FFFFFF"/>
+                </a:solidFill>
+                <a:effectLst/>
+                <a:latin typeface="+mj-lt"/>
+              </a:rPr>
+              <a:t> física do sistema de distribuição de água.</a:t>
+            </a:r>
+          </a:p>
+          <a:p>
+            <a:r>
+              <a:rPr lang="pt-PT" sz="1600" b="1" i="0" dirty="0">
+                <a:solidFill>
+                  <a:srgbClr val="FFFFFF"/>
+                </a:solidFill>
+                <a:effectLst/>
+                <a:latin typeface="+mj-lt"/>
+              </a:rPr>
+              <a:t>Dados do Grafo: </a:t>
+            </a:r>
+            <a:r>
+              <a:rPr lang="pt-PT" sz="1600" i="0" dirty="0">
+                <a:solidFill>
+                  <a:srgbClr val="FFFFFF"/>
+                </a:solidFill>
+                <a:effectLst/>
+                <a:latin typeface="+mj-lt"/>
+              </a:rPr>
+              <a:t>As informações das cidades e estações de bombeamento são incorporadas ao grafo, incluindo localizações das cidades e capacidades de bombeamento. Esses dados são fundamentais para a análise e operação eficiente do sistema.</a:t>
+            </a:r>
+          </a:p>
+          <a:p>
+            <a:r>
+              <a:rPr lang="pt-PT" sz="1600" b="1" i="0" dirty="0">
+                <a:solidFill>
+                  <a:srgbClr val="FFFFFF"/>
+                </a:solidFill>
+                <a:effectLst/>
+                <a:latin typeface="+mj-lt"/>
+              </a:rPr>
+              <a:t>Funcionalidades do Grafo</a:t>
+            </a:r>
+            <a:r>
+              <a:rPr lang="pt-PT" sz="1600" b="1" dirty="0">
+                <a:solidFill>
+                  <a:srgbClr val="FFFFFF"/>
+                </a:solidFill>
+                <a:latin typeface="+mj-lt"/>
+              </a:rPr>
+              <a:t>:</a:t>
+            </a:r>
+            <a:r>
+              <a:rPr lang="pt-PT" sz="1600" i="0" dirty="0">
+                <a:solidFill>
+                  <a:srgbClr val="FFFFFF"/>
+                </a:solidFill>
+                <a:effectLst/>
+                <a:latin typeface="+mj-lt"/>
+              </a:rPr>
+              <a:t> O grafo é utilizado para calcular rotas </a:t>
+            </a:r>
+            <a:r>
+              <a:rPr lang="pt-PT" sz="1600" i="0" dirty="0" err="1">
+                <a:solidFill>
+                  <a:srgbClr val="FFFFFF"/>
+                </a:solidFill>
+                <a:effectLst/>
+                <a:latin typeface="+mj-lt"/>
+              </a:rPr>
+              <a:t>ótimas</a:t>
+            </a:r>
+            <a:r>
+              <a:rPr lang="pt-PT" sz="1600" i="0" dirty="0">
+                <a:solidFill>
+                  <a:srgbClr val="FFFFFF"/>
+                </a:solidFill>
+                <a:effectLst/>
+                <a:latin typeface="+mj-lt"/>
+              </a:rPr>
+              <a:t>, identificar conexões entre cidades e analisar a rede de distribuição de água. Algoritmos de busca e </a:t>
+            </a:r>
+            <a:r>
+              <a:rPr lang="pt-PT" sz="1600" i="0" dirty="0" err="1">
+                <a:solidFill>
+                  <a:srgbClr val="FFFFFF"/>
+                </a:solidFill>
+                <a:effectLst/>
+                <a:latin typeface="+mj-lt"/>
+              </a:rPr>
+              <a:t>otimização</a:t>
+            </a:r>
+            <a:r>
+              <a:rPr lang="pt-PT" sz="1600" i="0" dirty="0">
+                <a:solidFill>
+                  <a:srgbClr val="FFFFFF"/>
+                </a:solidFill>
+                <a:effectLst/>
+                <a:latin typeface="+mj-lt"/>
+              </a:rPr>
+              <a:t> são aplicados para encontrar as melhores rotas, considerando </a:t>
+            </a:r>
+            <a:r>
+              <a:rPr lang="pt-PT" sz="1600" i="0" dirty="0" err="1">
+                <a:solidFill>
+                  <a:srgbClr val="FFFFFF"/>
+                </a:solidFill>
+                <a:effectLst/>
+                <a:latin typeface="+mj-lt"/>
+              </a:rPr>
+              <a:t>fatores</a:t>
+            </a:r>
+            <a:r>
+              <a:rPr lang="pt-PT" sz="1600" i="0" dirty="0">
+                <a:solidFill>
+                  <a:srgbClr val="FFFFFF"/>
+                </a:solidFill>
+                <a:effectLst/>
+                <a:latin typeface="+mj-lt"/>
+              </a:rPr>
+              <a:t> como distância e capacidade de bombeamento.</a:t>
+            </a:r>
+          </a:p>
+          <a:p>
+            <a:r>
+              <a:rPr lang="pt-PT" sz="1600" b="1" i="0" dirty="0">
+                <a:solidFill>
+                  <a:srgbClr val="FFFFFF"/>
+                </a:solidFill>
+                <a:effectLst/>
+                <a:latin typeface="+mj-lt"/>
+              </a:rPr>
+              <a:t>Componentes do Grafo: </a:t>
+            </a:r>
+            <a:r>
+              <a:rPr lang="pt-PT" sz="1600" i="0" dirty="0">
+                <a:solidFill>
+                  <a:srgbClr val="FFFFFF"/>
+                </a:solidFill>
+                <a:effectLst/>
+                <a:latin typeface="+mj-lt"/>
+              </a:rPr>
+              <a:t>Os vértices representam as cidades, armazenando informações como nome e localização. As arestas representam as conexões entre as cidades, com dados como capacidade de bombeamento.</a:t>
+            </a:r>
+          </a:p>
+          <a:p>
+            <a:r>
+              <a:rPr lang="pt-PT" sz="1600" b="1" i="0" dirty="0">
+                <a:solidFill>
+                  <a:srgbClr val="FFFFFF"/>
+                </a:solidFill>
+                <a:effectLst/>
+                <a:latin typeface="+mj-lt"/>
+              </a:rPr>
+              <a:t>Características do Grafo: </a:t>
+            </a:r>
+            <a:r>
+              <a:rPr lang="pt-PT" sz="1600" i="0" dirty="0">
+                <a:solidFill>
+                  <a:srgbClr val="FFFFFF"/>
+                </a:solidFill>
+                <a:effectLst/>
+                <a:latin typeface="+mj-lt"/>
+              </a:rPr>
+              <a:t>A estrutura do grafo permite uma modelagem flexível e eficiente do sistema de distribuição de água, facilitando a análise de suas propriedades e o planejamento de operações.</a:t>
+            </a:r>
+            <a:endParaRPr lang="en-US" sz="1600" dirty="0">
               <a:solidFill>
                 <a:srgbClr val="FFFFFF"/>
               </a:solidFill>
-              <a:effectLst/>
-              <a:latin typeface="YAFdJt8dAY0 0"/>
-            </a:endParaRPr>
-          </a:p>
-          <a:p>
-            <a:r>
-              <a:rPr lang="pt-PT" sz="1400" b="1" i="0" dirty="0">
-                <a:solidFill>
-                  <a:srgbClr val="FFFFFF"/>
-                </a:solidFill>
-                <a:effectLst/>
-                <a:latin typeface="YAFdJt8dAY0 0"/>
-              </a:rPr>
-              <a:t>Estrutura do Grafo:</a:t>
-            </a:r>
-            <a:endParaRPr lang="pt-PT" sz="1400" dirty="0">
-              <a:solidFill>
-                <a:srgbClr val="FFFFFF"/>
-              </a:solidFill>
-              <a:effectLst/>
-              <a:latin typeface="YAFdJt8dAY0 0"/>
-            </a:endParaRPr>
-          </a:p>
-          <a:p>
-            <a:r>
-              <a:rPr lang="pt-PT" sz="1400" b="0" i="0" dirty="0">
-                <a:solidFill>
-                  <a:srgbClr val="FFFFFF"/>
-                </a:solidFill>
-                <a:effectLst/>
-                <a:latin typeface="YAFdJt8dAY0 0"/>
-              </a:rPr>
-              <a:t>Representação das cidades como nós e das estacoes de bombeamento como arestas. Cada aresta conecta dois nós, representando uma </a:t>
-            </a:r>
-            <a:r>
-              <a:rPr lang="pt-PT" sz="1400" b="0" i="0" dirty="0" err="1">
-                <a:solidFill>
-                  <a:srgbClr val="FFFFFF"/>
-                </a:solidFill>
-                <a:effectLst/>
-                <a:latin typeface="YAFdJt8dAY0 0"/>
-              </a:rPr>
-              <a:t>estacao</a:t>
-            </a:r>
-            <a:r>
-              <a:rPr lang="pt-PT" sz="1400" b="0" i="0" dirty="0">
-                <a:solidFill>
-                  <a:srgbClr val="FFFFFF"/>
-                </a:solidFill>
-                <a:effectLst/>
-                <a:latin typeface="YAFdJt8dAY0 0"/>
-              </a:rPr>
-              <a:t> entre </a:t>
-            </a:r>
-            <a:r>
-              <a:rPr lang="pt-PT" sz="1400" b="0" i="0" dirty="0" err="1">
-                <a:solidFill>
-                  <a:srgbClr val="FFFFFF"/>
-                </a:solidFill>
-                <a:effectLst/>
-                <a:latin typeface="YAFdJt8dAY0 0"/>
-              </a:rPr>
-              <a:t>duass</a:t>
-            </a:r>
-            <a:r>
-              <a:rPr lang="pt-PT" sz="1400" b="0" i="0" dirty="0">
-                <a:solidFill>
-                  <a:srgbClr val="FFFFFF"/>
-                </a:solidFill>
-                <a:effectLst/>
-                <a:latin typeface="YAFdJt8dAY0 0"/>
-              </a:rPr>
-              <a:t> cidades. </a:t>
-            </a:r>
-            <a:endParaRPr lang="pt-PT" sz="1400" dirty="0">
-              <a:solidFill>
-                <a:srgbClr val="FFFFFF"/>
-              </a:solidFill>
-              <a:effectLst/>
-              <a:latin typeface="YAFdJt8dAY0 0"/>
-            </a:endParaRPr>
-          </a:p>
-          <a:p>
-            <a:r>
-              <a:rPr lang="pt-PT" sz="1400" b="1" i="0" dirty="0">
-                <a:solidFill>
-                  <a:srgbClr val="FFFFFF"/>
-                </a:solidFill>
-                <a:effectLst/>
-                <a:latin typeface="YAFdJt8dAY0 0"/>
-              </a:rPr>
-              <a:t>Dados do Grafo:</a:t>
-            </a:r>
-            <a:endParaRPr lang="pt-PT" sz="1400" dirty="0">
-              <a:solidFill>
-                <a:srgbClr val="FFFFFF"/>
-              </a:solidFill>
-              <a:effectLst/>
-              <a:latin typeface="YAFdJt8dAY0 0"/>
-            </a:endParaRPr>
-          </a:p>
-          <a:p>
-            <a:r>
-              <a:rPr lang="pt-PT" sz="1400" b="0" i="0" dirty="0">
-                <a:solidFill>
-                  <a:srgbClr val="FFFFFF"/>
-                </a:solidFill>
-                <a:effectLst/>
-                <a:latin typeface="YAFdJt8dAY0 0"/>
-              </a:rPr>
-              <a:t>As informações das cidades e estacoes de </a:t>
-            </a:r>
-            <a:r>
-              <a:rPr lang="pt-PT" sz="1400" b="0" i="0" dirty="0" err="1">
-                <a:solidFill>
-                  <a:srgbClr val="FFFFFF"/>
-                </a:solidFill>
-                <a:effectLst/>
-                <a:latin typeface="YAFdJt8dAY0 0"/>
-              </a:rPr>
-              <a:t>bombeamento,são</a:t>
-            </a:r>
-            <a:r>
-              <a:rPr lang="pt-PT" sz="1400" b="0" i="0" dirty="0">
-                <a:solidFill>
-                  <a:srgbClr val="FFFFFF"/>
-                </a:solidFill>
-                <a:effectLst/>
-                <a:latin typeface="YAFdJt8dAY0 0"/>
-              </a:rPr>
-              <a:t> extraídas dos </a:t>
-            </a:r>
-            <a:r>
-              <a:rPr lang="pt-PT" sz="1400" b="0" i="0" dirty="0" err="1">
-                <a:solidFill>
-                  <a:srgbClr val="FFFFFF"/>
-                </a:solidFill>
-                <a:effectLst/>
-                <a:latin typeface="YAFdJt8dAY0 0"/>
-              </a:rPr>
-              <a:t>datasets</a:t>
-            </a:r>
-            <a:r>
-              <a:rPr lang="pt-PT" sz="1400" b="0" i="0" dirty="0">
-                <a:solidFill>
-                  <a:srgbClr val="FFFFFF"/>
-                </a:solidFill>
-                <a:effectLst/>
-                <a:latin typeface="YAFdJt8dAY0 0"/>
-              </a:rPr>
-              <a:t> e incorporadas no grafo. Isso inclui detalhes como localização dos cidades, o </a:t>
-            </a:r>
-            <a:r>
-              <a:rPr lang="pt-PT" sz="1400" b="0" i="0" dirty="0" err="1">
-                <a:solidFill>
-                  <a:srgbClr val="FFFFFF"/>
-                </a:solidFill>
-                <a:effectLst/>
-                <a:latin typeface="YAFdJt8dAY0 0"/>
-              </a:rPr>
-              <a:t>quao</a:t>
-            </a:r>
-            <a:r>
-              <a:rPr lang="pt-PT" sz="1400" b="0" i="0" dirty="0">
-                <a:solidFill>
-                  <a:srgbClr val="FFFFFF"/>
-                </a:solidFill>
-                <a:effectLst/>
-                <a:latin typeface="YAFdJt8dAY0 0"/>
-              </a:rPr>
-              <a:t> uma </a:t>
-            </a:r>
-            <a:r>
-              <a:rPr lang="pt-PT" sz="1400" b="0" i="0" dirty="0" err="1">
-                <a:solidFill>
-                  <a:srgbClr val="FFFFFF"/>
-                </a:solidFill>
-                <a:effectLst/>
-                <a:latin typeface="YAFdJt8dAY0 0"/>
-              </a:rPr>
-              <a:t>estacao</a:t>
-            </a:r>
-            <a:r>
-              <a:rPr lang="pt-PT" sz="1400" b="0" i="0" dirty="0">
-                <a:solidFill>
-                  <a:srgbClr val="FFFFFF"/>
-                </a:solidFill>
-                <a:effectLst/>
-                <a:latin typeface="YAFdJt8dAY0 0"/>
-              </a:rPr>
-              <a:t> pode escoar a agua. </a:t>
-            </a:r>
-            <a:endParaRPr lang="pt-PT" sz="1400" dirty="0">
-              <a:solidFill>
-                <a:srgbClr val="FFFFFF"/>
-              </a:solidFill>
-              <a:effectLst/>
-              <a:latin typeface="YAFdJt8dAY0 0"/>
-            </a:endParaRPr>
-          </a:p>
-          <a:p>
-            <a:r>
-              <a:rPr lang="pt-PT" sz="1400" b="1" i="0" dirty="0">
-                <a:solidFill>
-                  <a:srgbClr val="FFFFFF"/>
-                </a:solidFill>
-                <a:effectLst/>
-                <a:latin typeface="YAFdJt8dAY0 0"/>
-              </a:rPr>
-              <a:t>Funcionalidades do Grafo: </a:t>
-            </a:r>
-            <a:endParaRPr lang="pt-PT" sz="1400" dirty="0">
-              <a:solidFill>
-                <a:srgbClr val="FFFFFF"/>
-              </a:solidFill>
-              <a:effectLst/>
-              <a:latin typeface="YAFdJt8dAY0 0"/>
-            </a:endParaRPr>
-          </a:p>
-          <a:p>
-            <a:r>
-              <a:rPr lang="pt-PT" sz="1400" b="0" i="0" dirty="0">
-                <a:solidFill>
-                  <a:srgbClr val="FFFFFF"/>
-                </a:solidFill>
-                <a:effectLst/>
-                <a:latin typeface="YAFdJt8dAY0 0"/>
-              </a:rPr>
-              <a:t>O grafo é utilizado para calcular rotas </a:t>
-            </a:r>
-            <a:r>
-              <a:rPr lang="pt-PT" sz="1400" b="0" i="0" dirty="0" err="1">
-                <a:solidFill>
-                  <a:srgbClr val="FFFFFF"/>
-                </a:solidFill>
-                <a:effectLst/>
-                <a:latin typeface="YAFdJt8dAY0 0"/>
-              </a:rPr>
-              <a:t>ótimas</a:t>
-            </a:r>
-            <a:r>
-              <a:rPr lang="pt-PT" sz="1400" b="0" i="0" dirty="0">
-                <a:solidFill>
-                  <a:srgbClr val="FFFFFF"/>
-                </a:solidFill>
-                <a:effectLst/>
-                <a:latin typeface="YAFdJt8dAY0 0"/>
-              </a:rPr>
-              <a:t>, identificar conexões entre aeroportos, e analisar a rede de voos. Algoritmos de busca e </a:t>
-            </a:r>
-            <a:r>
-              <a:rPr lang="pt-PT" sz="1400" b="0" i="0" dirty="0" err="1">
-                <a:solidFill>
-                  <a:srgbClr val="FFFFFF"/>
-                </a:solidFill>
-                <a:effectLst/>
-                <a:latin typeface="YAFdJt8dAY0 0"/>
-              </a:rPr>
-              <a:t>otimização</a:t>
-            </a:r>
-            <a:r>
-              <a:rPr lang="pt-PT" sz="1400" b="0" i="0" dirty="0">
-                <a:solidFill>
-                  <a:srgbClr val="FFFFFF"/>
-                </a:solidFill>
-                <a:effectLst/>
-                <a:latin typeface="YAFdJt8dAY0 0"/>
-              </a:rPr>
-              <a:t> são aplicados para encontrar as melhores rotas, considerando </a:t>
-            </a:r>
-            <a:r>
-              <a:rPr lang="pt-PT" sz="1400" b="0" i="0" dirty="0" err="1">
-                <a:solidFill>
-                  <a:srgbClr val="FFFFFF"/>
-                </a:solidFill>
-                <a:effectLst/>
-                <a:latin typeface="YAFdJt8dAY0 0"/>
-              </a:rPr>
-              <a:t>fatores</a:t>
-            </a:r>
-            <a:r>
-              <a:rPr lang="pt-PT" sz="1400" b="0" i="0" dirty="0">
-                <a:solidFill>
-                  <a:srgbClr val="FFFFFF"/>
-                </a:solidFill>
-                <a:effectLst/>
-                <a:latin typeface="YAFdJt8dAY0 0"/>
-              </a:rPr>
-              <a:t> como distância, tempo de voo e conexões. </a:t>
-            </a:r>
-            <a:endParaRPr lang="pt-PT" sz="1400" dirty="0">
-              <a:solidFill>
-                <a:srgbClr val="FFFFFF"/>
-              </a:solidFill>
-              <a:effectLst/>
-              <a:latin typeface="YAFdJt8dAY0 0"/>
-            </a:endParaRPr>
-          </a:p>
-          <a:p>
-            <a:r>
-              <a:rPr lang="pt-PT" sz="1400" b="1" i="0" dirty="0">
-                <a:solidFill>
-                  <a:srgbClr val="FFFFFF"/>
-                </a:solidFill>
-                <a:effectLst/>
-                <a:latin typeface="YAFdJt8dAY0 0"/>
-              </a:rPr>
-              <a:t>Componentes do Grafo </a:t>
-            </a:r>
-            <a:endParaRPr lang="pt-PT" sz="1400" dirty="0">
-              <a:solidFill>
-                <a:srgbClr val="FFFFFF"/>
-              </a:solidFill>
-              <a:effectLst/>
-              <a:latin typeface="YAFdJt8dAY0 0"/>
-            </a:endParaRPr>
-          </a:p>
-          <a:p>
-            <a:r>
-              <a:rPr lang="pt-PT" sz="1400" b="0" i="0" dirty="0">
-                <a:solidFill>
-                  <a:srgbClr val="FFFFFF"/>
-                </a:solidFill>
-                <a:effectLst/>
-                <a:latin typeface="YAFdJt8dAY0 0"/>
-              </a:rPr>
-              <a:t>Vértices: Representam cidades. Cada vértice contém informações como nome da cidade, </a:t>
-            </a:r>
-            <a:endParaRPr lang="pt-PT" sz="1400" dirty="0">
-              <a:solidFill>
-                <a:srgbClr val="FFFFFF"/>
-              </a:solidFill>
-              <a:effectLst/>
-              <a:latin typeface="YAFdJt8dAY0 0"/>
-            </a:endParaRPr>
-          </a:p>
-          <a:p>
-            <a:r>
-              <a:rPr lang="pt-PT" sz="1400" b="0" i="0" dirty="0">
-                <a:solidFill>
-                  <a:srgbClr val="FFFFFF"/>
-                </a:solidFill>
-                <a:effectLst/>
-                <a:latin typeface="YAFdJt8dAY0 0"/>
-              </a:rPr>
-              <a:t>Arestas: Representam </a:t>
-            </a:r>
-            <a:r>
-              <a:rPr lang="pt-PT" sz="1400" b="0" i="0" dirty="0" err="1">
-                <a:solidFill>
-                  <a:srgbClr val="FFFFFF"/>
-                </a:solidFill>
-                <a:effectLst/>
-                <a:latin typeface="YAFdJt8dAY0 0"/>
-              </a:rPr>
-              <a:t>estaao</a:t>
-            </a:r>
-            <a:r>
-              <a:rPr lang="pt-PT" sz="1400" b="0" i="0" dirty="0">
-                <a:solidFill>
-                  <a:srgbClr val="FFFFFF"/>
-                </a:solidFill>
-                <a:effectLst/>
-                <a:latin typeface="YAFdJt8dAY0 0"/>
-              </a:rPr>
-              <a:t> de bombeamento entre cidade. Cada aresta inclui dados como, a quantidade de agua que pode passar. </a:t>
-            </a:r>
-            <a:endParaRPr lang="pt-PT" sz="1400" dirty="0">
-              <a:solidFill>
-                <a:srgbClr val="FFFFFF"/>
-              </a:solidFill>
-              <a:effectLst/>
-              <a:latin typeface="YAFdJt8dAY0 0"/>
-            </a:endParaRPr>
-          </a:p>
-          <a:p>
-            <a:r>
-              <a:rPr lang="pt-PT" sz="1400" b="1" i="0" dirty="0">
-                <a:solidFill>
-                  <a:srgbClr val="FFFFFF"/>
-                </a:solidFill>
-                <a:effectLst/>
-                <a:latin typeface="YAFdJt8dAY0 0"/>
-              </a:rPr>
-              <a:t>Características do Grafo </a:t>
-            </a:r>
-            <a:endParaRPr lang="pt-PT" sz="1400" dirty="0">
-              <a:solidFill>
-                <a:srgbClr val="FFFFFF"/>
-              </a:solidFill>
-              <a:effectLst/>
-              <a:latin typeface="YAFdJt8dAY0 0"/>
-            </a:endParaRPr>
-          </a:p>
-          <a:p>
-            <a:pPr algn="ctr">
-              <a:lnSpc>
-                <a:spcPts val="3079"/>
-              </a:lnSpc>
-            </a:pPr>
-            <a:endParaRPr lang="en-US" sz="1400" dirty="0">
-              <a:solidFill>
-                <a:srgbClr val="FFFFFF"/>
-              </a:solidFill>
-              <a:latin typeface="Libre Baskerville"/>
+              <a:latin typeface="+mj-lt"/>
             </a:endParaRPr>
           </a:p>
         </p:txBody>
@@ -6197,15 +5996,15 @@
         </p:nvSpPr>
         <p:spPr>
           <a:xfrm>
-            <a:off x="42794" y="169718"/>
-            <a:ext cx="9668013" cy="1248227"/>
+            <a:off x="42795" y="169719"/>
+            <a:ext cx="9634606" cy="1248227"/>
           </a:xfrm>
           <a:prstGeom prst="rect">
             <a:avLst/>
           </a:prstGeom>
         </p:spPr>
         <p:txBody>
-          <a:bodyPr lIns="0" tIns="0" rIns="0" bIns="0" rtlCol="0" anchor="t">
+          <a:bodyPr wrap="square" lIns="0" tIns="0" rIns="0" bIns="0" rtlCol="0" anchor="t">
             <a:spAutoFit/>
           </a:bodyPr>
           <a:lstStyle/>
@@ -6220,7 +6019,7 @@
                 <a:solidFill>
                   <a:srgbClr val="FFFFFF"/>
                 </a:solidFill>
-                <a:latin typeface="Libre Baskerville Bold"/>
+                <a:latin typeface="+mj-lt"/>
               </a:rPr>
               <a:t>O </a:t>
             </a:r>
@@ -6229,7 +6028,7 @@
                 <a:solidFill>
                   <a:srgbClr val="FFFFFF"/>
                 </a:solidFill>
-                <a:latin typeface="Libre Baskerville Bold"/>
+                <a:latin typeface="+mj-lt"/>
               </a:rPr>
               <a:t>Grafo</a:t>
             </a:r>
@@ -6237,7 +6036,7 @@
               <a:solidFill>
                 <a:srgbClr val="FFFFFF"/>
               </a:solidFill>
-              <a:latin typeface="Libre Baskerville Bold"/>
+              <a:latin typeface="+mj-lt"/>
             </a:endParaRPr>
           </a:p>
         </p:txBody>
@@ -6339,8 +6138,8 @@
         </p:nvSpPr>
         <p:spPr>
           <a:xfrm>
-            <a:off x="1104900" y="228600"/>
-            <a:ext cx="7543800" cy="461665"/>
+            <a:off x="228600" y="291302"/>
+            <a:ext cx="9372600" cy="523220"/>
           </a:xfrm>
           <a:prstGeom prst="rect">
             <a:avLst/>
@@ -6353,8 +6152,9 @@
           </a:bodyPr>
           <a:lstStyle/>
           <a:p>
-            <a:r>
-              <a:rPr lang="pt-PT" sz="2400" dirty="0">
+            <a:pPr algn="ctr"/>
+            <a:r>
+              <a:rPr lang="pt-PT" sz="2800" dirty="0">
                 <a:solidFill>
                   <a:schemeClr val="bg1"/>
                 </a:solidFill>
@@ -6362,7 +6162,7 @@
               <a:t>Descrição da leitura do </a:t>
             </a:r>
             <a:r>
-              <a:rPr lang="pt-PT" sz="2400" dirty="0" err="1">
+              <a:rPr lang="pt-PT" sz="2800" dirty="0" err="1">
                 <a:solidFill>
                   <a:schemeClr val="bg1"/>
                 </a:solidFill>
@@ -6370,7 +6170,7 @@
               <a:t>dataset</a:t>
             </a:r>
             <a:r>
-              <a:rPr lang="pt-PT" sz="2400" dirty="0">
+              <a:rPr lang="pt-PT" sz="2800" dirty="0">
                 <a:solidFill>
                   <a:schemeClr val="bg1"/>
                 </a:solidFill>
@@ -6485,7 +6285,25 @@
                   <a:schemeClr val="bg1"/>
                 </a:solidFill>
               </a:rPr>
-              <a:t>As etapas e características principais incluem: Estrutura de Dados: Utilização de classes como Data, </a:t>
+              <a:t>As etapas e características principais incluem: </a:t>
+            </a:r>
+          </a:p>
+          <a:p>
+            <a:r>
+              <a:rPr lang="pt-PT" sz="1600" b="1" dirty="0">
+                <a:solidFill>
+                  <a:schemeClr val="bg1"/>
+                </a:solidFill>
+              </a:rPr>
+              <a:t>Estrutura de Dados:</a:t>
+            </a:r>
+            <a:r>
+              <a:rPr lang="pt-PT" sz="1600" dirty="0">
+                <a:solidFill>
+                  <a:schemeClr val="bg1"/>
+                </a:solidFill>
+              </a:rPr>
+              <a:t> Utilização de classes </a:t>
             </a:r>
             <a:r>
               <a:rPr lang="pt-PT" sz="1600" dirty="0" err="1">
@@ -6493,7 +6311,7 @@
                   <a:schemeClr val="bg1"/>
                 </a:solidFill>
               </a:rPr>
-              <a:t>Airport</a:t>
+              <a:t>como,city</a:t>
             </a:r>
             <a:r>
               <a:rPr lang="pt-PT" sz="1600" dirty="0">
@@ -6509,7 +6327,7 @@
                   <a:schemeClr val="bg1"/>
                 </a:solidFill>
               </a:rPr>
-              <a:t>Airline</a:t>
+              <a:t>water</a:t>
             </a:r>
             <a:r>
               <a:rPr lang="pt-PT" sz="1600" dirty="0">
@@ -6517,7 +6335,7 @@
                   <a:schemeClr val="bg1"/>
                 </a:solidFill>
               </a:rPr>
-              <a:t>, entre outras, para armazenar e gerenciar os dados. Cada classe possui atributos específicos que correspondem às colunas dos </a:t>
+              <a:t> </a:t>
             </a:r>
             <a:r>
               <a:rPr lang="pt-PT" sz="1600" dirty="0" err="1">
@@ -6525,6 +6343,38 @@
                   <a:schemeClr val="bg1"/>
                 </a:solidFill>
               </a:rPr>
+              <a:t>reservoir</a:t>
+            </a:r>
+            <a:r>
+              <a:rPr lang="pt-PT" sz="1600" dirty="0">
+                <a:solidFill>
+                  <a:schemeClr val="bg1"/>
+                </a:solidFill>
+              </a:rPr>
+              <a:t>, </a:t>
+            </a:r>
+            <a:r>
+              <a:rPr lang="pt-PT" sz="1600" dirty="0" err="1">
+                <a:solidFill>
+                  <a:schemeClr val="bg1"/>
+                </a:solidFill>
+              </a:rPr>
+              <a:t>pipes</a:t>
+            </a:r>
+            <a:r>
+              <a:rPr lang="pt-PT" sz="1600" dirty="0">
+                <a:solidFill>
+                  <a:schemeClr val="bg1"/>
+                </a:solidFill>
+              </a:rPr>
+              <a:t> e estacoes de bombeamento, para armazenar e gerenciar os dados. Cada classe possui atributos específicos que correspondem às colunas dos </a:t>
+            </a:r>
+            <a:r>
+              <a:rPr lang="pt-PT" sz="1600" dirty="0" err="1">
+                <a:solidFill>
+                  <a:schemeClr val="bg1"/>
+                </a:solidFill>
+              </a:rPr>
               <a:t>datasets</a:t>
             </a:r>
             <a:r>
@@ -6533,7 +6383,7 @@
                   <a:schemeClr val="bg1"/>
                 </a:solidFill>
               </a:rPr>
-              <a:t>, como códigos de aeroportos, nomes de companhias aéreas, coordenadas geográficas, etc. Leitura de Ficheiros: Processo de leitura dos ficheiros de dados, em formato de CSV. Métodos dentro da classe Data são responsáveis por abrir, ler e interpretar os dados contidos nos ficheiros. </a:t>
+              <a:t>, como nome das </a:t>
             </a:r>
             <a:r>
               <a:rPr lang="pt-PT" sz="1600" dirty="0" err="1">
@@ -6541,15 +6391,75 @@
                   <a:schemeClr val="bg1"/>
                 </a:solidFill>
               </a:rPr>
+              <a:t>cidades,numero</a:t>
+            </a:r>
+            <a:r>
+              <a:rPr lang="pt-PT" sz="1600" dirty="0">
+                <a:solidFill>
+                  <a:schemeClr val="bg1"/>
+                </a:solidFill>
+              </a:rPr>
+              <a:t> das estacoes, nome dos reservatórios, capacidade dos </a:t>
+            </a:r>
+            <a:r>
+              <a:rPr lang="pt-PT" sz="1600" dirty="0" err="1">
+                <a:solidFill>
+                  <a:schemeClr val="bg1"/>
+                </a:solidFill>
+              </a:rPr>
+              <a:t>pipes</a:t>
+            </a:r>
+            <a:r>
+              <a:rPr lang="pt-PT" sz="1600" dirty="0">
+                <a:solidFill>
+                  <a:schemeClr val="bg1"/>
+                </a:solidFill>
+              </a:rPr>
+              <a:t>, a demanda das cidade e, etc. </a:t>
+            </a:r>
+          </a:p>
+          <a:p>
+            <a:r>
+              <a:rPr lang="pt-PT" sz="1600" b="1" dirty="0">
+                <a:solidFill>
+                  <a:schemeClr val="bg1"/>
+                </a:solidFill>
+              </a:rPr>
+              <a:t>Leitura de Ficheiros: </a:t>
+            </a:r>
+            <a:r>
+              <a:rPr lang="pt-PT" sz="1600" dirty="0">
+                <a:solidFill>
+                  <a:schemeClr val="bg1"/>
+                </a:solidFill>
+              </a:rPr>
+              <a:t>Processo de leitura dos ficheiros de dados, em formato de CSV. Métodos dentro da classe Data são responsáveis por abrir, ler e interpretar os dados contidos nos ficheiros. </a:t>
+            </a:r>
+          </a:p>
+          <a:p>
+            <a:r>
+              <a:rPr lang="pt-PT" sz="1600" b="1" dirty="0" err="1">
+                <a:solidFill>
+                  <a:schemeClr val="bg1"/>
+                </a:solidFill>
+              </a:rPr>
               <a:t>Parsing</a:t>
             </a:r>
             <a:r>
+              <a:rPr lang="pt-PT" sz="1600" b="1" dirty="0">
+                <a:solidFill>
+                  <a:schemeClr val="bg1"/>
+                </a:solidFill>
+              </a:rPr>
+              <a:t> e Validação: </a:t>
+            </a:r>
+            <a:r>
               <a:rPr lang="pt-PT" sz="1600" dirty="0">
                 <a:solidFill>
                   <a:schemeClr val="bg1"/>
                 </a:solidFill>
               </a:rPr>
-              <a:t> e Validação: Após a leitura, os dados são analisados (</a:t>
+              <a:t>Após a leitura, os dados são analisados (</a:t>
             </a:r>
             <a:r>
               <a:rPr lang="pt-PT" sz="1600" dirty="0" err="1">
@@ -6591,12 +6501,20 @@
               </a:rPr>
             </a:br>
             <a:r>
+              <a:rPr lang="pt-PT" sz="1600" b="1" dirty="0">
+                <a:solidFill>
+                  <a:schemeClr val="bg1"/>
+                </a:solidFill>
+              </a:rPr>
+              <a:t>Carregamento dos Dados:</a:t>
+            </a:r>
+            <a:r>
               <a:rPr lang="pt-PT" sz="1600" dirty="0">
                 <a:solidFill>
                   <a:schemeClr val="bg1"/>
                 </a:solidFill>
               </a:rPr>
-              <a:t>Carregamento dos Dados Os dados validados são então carregados nas estruturas de dados apropriadas. Isso inclui a criação de instâncias das classes com os dados lidos, como a criação de </a:t>
+              <a:t> Os dados validados são então carregados nas estruturas de dados apropriadas. Isso inclui a criação de instâncias das classes com os dados lidos, como a criação de </a:t>
             </a:r>
             <a:r>
               <a:rPr lang="pt-PT" sz="1600" dirty="0" err="1">
@@ -6620,7 +6538,7 @@
                   <a:schemeClr val="bg1"/>
                 </a:solidFill>
               </a:rPr>
-              <a:t>Airport</a:t>
+              <a:t>city</a:t>
             </a:r>
             <a:r>
               <a:rPr lang="pt-PT" sz="1600" dirty="0">
@@ -6628,7 +6546,7 @@
                   <a:schemeClr val="bg1"/>
                 </a:solidFill>
               </a:rPr>
-              <a:t> para cada aeroporto no </a:t>
+              <a:t> para cada cidade no </a:t>
             </a:r>
             <a:r>
               <a:rPr lang="pt-PT" sz="1600" dirty="0" err="1">
@@ -6644,7 +6562,7 @@
                   <a:schemeClr val="bg1"/>
                 </a:solidFill>
               </a:rPr>
-              <a:t>. Integração com o Sistema Uma vez carregados, os dados são integrados ao sistema. Isso permite que outras partes do sistema, como o módulo de gerenciamento de voos ou o algoritmo do grafo, </a:t>
+              <a:t>. Integração com o Sistema Uma vez carregados, os dados são integrados ao sistema. Isso permite que outras partes do sistema, como o módulo de gerenciamento de escoamento de agua ou o algoritmo do grafo, </a:t>
             </a:r>
             <a:r>
               <a:rPr lang="pt-PT" sz="1600" dirty="0" err="1">
@@ -6660,7 +6578,7 @@
                   <a:schemeClr val="bg1"/>
                 </a:solidFill>
               </a:rPr>
-              <a:t> e utilizem esses dados para diversas operações, como cálculo de rotas, estatísticas de voos, etc. </a:t>
+              <a:t> e utilizem esses dados para diversas operações, como cálculo do </a:t>
             </a:r>
             <a:r>
               <a:rPr lang="pt-PT" sz="1600" dirty="0" err="1">
@@ -6668,7 +6586,7 @@
                   <a:schemeClr val="bg1"/>
                 </a:solidFill>
               </a:rPr>
-              <a:t>Atualizações</a:t>
+              <a:t>maxfloe</a:t>
             </a:r>
             <a:r>
               <a:rPr lang="pt-PT" sz="1600" dirty="0">
@@ -6676,39 +6594,7 @@
                   <a:schemeClr val="bg1"/>
                 </a:solidFill>
               </a:rPr>
-              <a:t> e Manutenção O sistema também inclui funcionalidades para </a:t>
-            </a:r>
-            <a:r>
-              <a:rPr lang="pt-PT" sz="1600" dirty="0" err="1">
-                <a:solidFill>
-                  <a:schemeClr val="bg1"/>
-                </a:solidFill>
-              </a:rPr>
-              <a:t>atualizar</a:t>
-            </a:r>
-            <a:r>
-              <a:rPr lang="pt-PT" sz="1600" dirty="0">
-                <a:solidFill>
-                  <a:schemeClr val="bg1"/>
-                </a:solidFill>
-              </a:rPr>
-              <a:t> e manter os </a:t>
-            </a:r>
-            <a:r>
-              <a:rPr lang="pt-PT" sz="1600" dirty="0" err="1">
-                <a:solidFill>
-                  <a:schemeClr val="bg1"/>
-                </a:solidFill>
-              </a:rPr>
-              <a:t>datasets</a:t>
-            </a:r>
-            <a:r>
-              <a:rPr lang="pt-PT" sz="1600" dirty="0">
-                <a:solidFill>
-                  <a:schemeClr val="bg1"/>
-                </a:solidFill>
-              </a:rPr>
-              <a:t>, permitindo adicionar, modificar ou remover dados conforme necessário. Este processo de leitura e processamento de dados é fundamental para garantir que o sistema de gerenciamento de voos funcione com informações precisas e </a:t>
+              <a:t>, etc. Este processo de leitura e processamento de dados é fundamental para garantir que o sistema de gerenciamento de escoamento de agua funcione com informações precisas e </a:t>
             </a:r>
             <a:r>
               <a:rPr lang="pt-PT" sz="1600" dirty="0" err="1">
@@ -6854,7 +6740,7 @@
         <p:spPr>
           <a:xfrm>
             <a:off x="228600" y="1439075"/>
-            <a:ext cx="9220199" cy="3877985"/>
+            <a:ext cx="9220199" cy="4739759"/>
           </a:xfrm>
           <a:prstGeom prst="rect">
             <a:avLst/>
@@ -6914,12 +6800,21 @@
                 <a:effectLst/>
                 <a:latin typeface="+mj-lt"/>
               </a:rPr>
-              <a:t> ponderado, onde os vértices representam os nós da rede (por exemplo, locais de abastecimento de água) e as arestas representam os canais de fluxo (por exemplo, tubulações de água) entre esses nós. Aqui está uma breve explicação das funções implementadas:</a:t>
-            </a:r>
-          </a:p>
-          <a:p>
-            <a:r>
-              <a:rPr lang="pt-PT" sz="1400" b="0" i="0" dirty="0" err="1">
+              <a:t> ponderado, onde os vértices representam os nós da rede e as arestas representam os canais de fluxo, entre esses nós. Aqui está uma breve explicação das funções implementadas:</a:t>
+            </a:r>
+          </a:p>
+          <a:p>
+            <a:endParaRPr lang="pt-PT" sz="1400" b="0" i="0" dirty="0">
+              <a:solidFill>
+                <a:srgbClr val="ECECEC"/>
+              </a:solidFill>
+              <a:effectLst/>
+              <a:latin typeface="+mj-lt"/>
+            </a:endParaRPr>
+          </a:p>
+          <a:p>
+            <a:r>
+              <a:rPr lang="pt-PT" sz="1400" b="1" i="0" dirty="0" err="1">
                 <a:solidFill>
                   <a:srgbClr val="ECECEC"/>
                 </a:solidFill>
@@ -6929,48 +6824,55 @@
               <a:t>findMinResidualAlongPath</a:t>
             </a:r>
             <a:r>
-              <a:rPr lang="pt-PT" sz="1400" b="0" i="0" dirty="0">
+              <a:rPr lang="pt-PT" sz="1400" b="1" i="0" dirty="0">
                 <a:solidFill>
                   <a:srgbClr val="ECECEC"/>
                 </a:solidFill>
                 <a:effectLst/>
                 <a:latin typeface="+mj-lt"/>
               </a:rPr>
-              <a:t>: Esta função encontra a capacidade residual mínima ao longo de um caminho aumentador de um vértice de origem para um vértice de destino. Isso é útil para determinar quanto fluxo pode ser adicionado ao longo do caminho.</a:t>
-            </a:r>
-          </a:p>
-          <a:p>
-            <a:r>
-              <a:rPr lang="pt-PT" sz="1400" b="0" i="0" dirty="0" err="1">
+              <a:t>: </a:t>
+            </a:r>
+            <a:r>
+              <a:rPr lang="pt-PT" sz="1400" b="0" i="0" dirty="0">
                 <a:solidFill>
                   <a:srgbClr val="ECECEC"/>
                 </a:solidFill>
                 <a:effectLst/>
                 <a:latin typeface="+mj-lt"/>
               </a:rPr>
-              <a:t>findAugmentingPath</a:t>
-            </a:r>
-            <a:r>
-              <a:rPr lang="pt-PT" sz="1400" b="0" i="0" dirty="0">
+              <a:t>Esta função encontra a capacidade residual mínima ao longo de um caminho aumentador de um vértice de origem para um vértice de destino. Isso é útil para determinar quanto fluxo pode ser adicionado ao longo do caminho.</a:t>
+            </a:r>
+          </a:p>
+          <a:p>
+            <a:endParaRPr lang="pt-PT" sz="1400" b="0" i="0" dirty="0">
+              <a:solidFill>
+                <a:srgbClr val="ECECEC"/>
+              </a:solidFill>
+              <a:effectLst/>
+              <a:latin typeface="+mj-lt"/>
+            </a:endParaRPr>
+          </a:p>
+          <a:p>
+            <a:r>
+              <a:rPr lang="pt-PT" sz="1400" b="1" i="0" dirty="0" err="1">
                 <a:solidFill>
                   <a:srgbClr val="ECECEC"/>
                 </a:solidFill>
                 <a:effectLst/>
                 <a:latin typeface="+mj-lt"/>
               </a:rPr>
-              <a:t>: Esta função utiliza a busca em largura (BFS) para encontrar um caminho aumentador no grafo. Um caminho aumentador é um caminho do vértice de origem ao vértice de destino no qual o fluxo pode ser aumentado. Ele marca os vértices visitados durante a busca.</a:t>
-            </a:r>
-          </a:p>
-          <a:p>
-            <a:r>
-              <a:rPr lang="pt-PT" sz="1400" b="0" i="0" dirty="0" err="1">
+              <a:t>findAugmentingPath</a:t>
+            </a:r>
+            <a:r>
+              <a:rPr lang="pt-PT" sz="1400" b="1" i="0" dirty="0">
                 <a:solidFill>
                   <a:srgbClr val="ECECEC"/>
                 </a:solidFill>
                 <a:effectLst/>
                 <a:latin typeface="+mj-lt"/>
               </a:rPr>
-              <a:t>augmentFlowAlongPath</a:t>
+              <a:t>: </a:t>
             </a:r>
             <a:r>
               <a:rPr lang="pt-PT" sz="1400" b="0" i="0" dirty="0">
@@ -6980,114 +6882,172 @@
                 <a:effectLst/>
                 <a:latin typeface="+mj-lt"/>
               </a:rPr>
-              <a:t>: Esta função aumenta o fluxo ao longo do caminho aumentador encontrado </a:t>
-            </a:r>
-            <a:r>
-              <a:rPr lang="pt-PT" sz="1400" b="0" i="0" dirty="0" err="1">
+              <a:t>Esta função utiliza a busca em largura (BFS) para encontrar um caminho aumentador no grafo. Um caminho aumentador é um caminho do vértice de origem ao vértice de destino no qual o fluxo pode ser aumentado. Ele marca os vértices visitados durante a busca.</a:t>
+            </a:r>
+          </a:p>
+          <a:p>
+            <a:endParaRPr lang="pt-PT" sz="1400" b="0" i="0" dirty="0">
+              <a:solidFill>
+                <a:srgbClr val="ECECEC"/>
+              </a:solidFill>
+              <a:effectLst/>
+              <a:latin typeface="+mj-lt"/>
+            </a:endParaRPr>
+          </a:p>
+          <a:p>
+            <a:r>
+              <a:rPr lang="pt-PT" sz="1400" b="1" i="0" dirty="0" err="1">
                 <a:solidFill>
                   <a:srgbClr val="ECECEC"/>
                 </a:solidFill>
                 <a:effectLst/>
                 <a:latin typeface="+mj-lt"/>
               </a:rPr>
-              <a:t>pelo</a:t>
-            </a:r>
-            <a:r>
-              <a:rPr lang="pt-PT" sz="1400" b="0" i="0" dirty="0">
+              <a:t>augmentFlowAlongPath</a:t>
+            </a:r>
+            <a:r>
+              <a:rPr lang="pt-PT" sz="1400" b="1" i="0" dirty="0">
                 <a:solidFill>
                   <a:srgbClr val="ECECEC"/>
                 </a:solidFill>
                 <a:effectLst/>
                 <a:latin typeface="+mj-lt"/>
               </a:rPr>
-              <a:t> BFS. Ela </a:t>
-            </a:r>
-            <a:r>
-              <a:rPr lang="pt-PT" sz="1400" b="0" i="0" dirty="0" err="1">
+              <a:t>: </a:t>
+            </a:r>
+            <a:r>
+              <a:rPr lang="pt-PT" sz="1400" b="0" i="0" dirty="0">
                 <a:solidFill>
                   <a:srgbClr val="ECECEC"/>
                 </a:solidFill>
                 <a:effectLst/>
                 <a:latin typeface="+mj-lt"/>
               </a:rPr>
-              <a:t>atualiza</a:t>
-            </a:r>
-            <a:r>
-              <a:rPr lang="pt-PT" sz="1400" b="0" i="0" dirty="0">
+              <a:t>Esta função aumenta o fluxo ao longo do caminho aumentador encontrado </a:t>
+            </a:r>
+            <a:r>
+              <a:rPr lang="pt-PT" sz="1400" b="0" i="0" dirty="0" err="1">
                 <a:solidFill>
                   <a:srgbClr val="ECECEC"/>
                 </a:solidFill>
                 <a:effectLst/>
                 <a:latin typeface="+mj-lt"/>
               </a:rPr>
-              <a:t> os valores de fluxo das arestas ao longo do caminho com base na capacidade residual mínima encontrada.</a:t>
-            </a:r>
-          </a:p>
-          <a:p>
-            <a:r>
-              <a:rPr lang="pt-PT" sz="1400" b="0" i="0" dirty="0" err="1">
+              <a:t>pelo</a:t>
+            </a:r>
+            <a:r>
+              <a:rPr lang="pt-PT" sz="1400" b="0" i="0" dirty="0">
                 <a:solidFill>
                   <a:srgbClr val="ECECEC"/>
                 </a:solidFill>
                 <a:effectLst/>
                 <a:latin typeface="+mj-lt"/>
               </a:rPr>
-              <a:t>edmondsKarp</a:t>
-            </a:r>
-            <a:r>
-              <a:rPr lang="pt-PT" sz="1400" b="0" i="0" dirty="0">
+              <a:t> BFS. Ela </a:t>
+            </a:r>
+            <a:r>
+              <a:rPr lang="pt-PT" sz="1400" b="0" i="0" dirty="0" err="1">
                 <a:solidFill>
                   <a:srgbClr val="ECECEC"/>
                 </a:solidFill>
                 <a:effectLst/>
                 <a:latin typeface="+mj-lt"/>
               </a:rPr>
-              <a:t>: Esta é a implementação principal do algoritmo de </a:t>
-            </a:r>
-            <a:r>
-              <a:rPr lang="pt-PT" sz="1400" b="0" i="0" dirty="0" err="1">
+              <a:t>atualiza</a:t>
+            </a:r>
+            <a:r>
+              <a:rPr lang="pt-PT" sz="1400" b="0" i="0" dirty="0">
                 <a:solidFill>
                   <a:srgbClr val="ECECEC"/>
                 </a:solidFill>
                 <a:effectLst/>
                 <a:latin typeface="+mj-lt"/>
               </a:rPr>
-              <a:t>Edmonds-Karp</a:t>
-            </a:r>
-            <a:r>
-              <a:rPr lang="pt-PT" sz="1400" b="0" i="0" dirty="0">
+              <a:t> os valores de fluxo das arestas ao longo do caminho com base na capacidade residual mínima encontrada.</a:t>
+            </a:r>
+          </a:p>
+          <a:p>
+            <a:endParaRPr lang="pt-PT" sz="1400" b="0" i="0" dirty="0">
+              <a:solidFill>
+                <a:srgbClr val="ECECEC"/>
+              </a:solidFill>
+              <a:effectLst/>
+              <a:latin typeface="+mj-lt"/>
+            </a:endParaRPr>
+          </a:p>
+          <a:p>
+            <a:r>
+              <a:rPr lang="pt-PT" sz="1400" b="1" i="0" dirty="0" err="1">
                 <a:solidFill>
                   <a:srgbClr val="ECECEC"/>
                 </a:solidFill>
                 <a:effectLst/>
                 <a:latin typeface="+mj-lt"/>
               </a:rPr>
-              <a:t>. Ela utiliza as funções anteriores para encontrar o fluxo máximo na rede de fluxo representada </a:t>
-            </a:r>
-            <a:r>
-              <a:rPr lang="pt-PT" sz="1400" b="0" i="0" dirty="0" err="1">
+              <a:t>edmondsKarp</a:t>
+            </a:r>
+            <a:r>
+              <a:rPr lang="pt-PT" sz="1400" b="0" i="0" dirty="0">
                 <a:solidFill>
                   <a:srgbClr val="ECECEC"/>
                 </a:solidFill>
                 <a:effectLst/>
                 <a:latin typeface="+mj-lt"/>
               </a:rPr>
-              <a:t>pelo</a:t>
-            </a:r>
-            <a:r>
-              <a:rPr lang="pt-PT" sz="1400" b="0" i="0" dirty="0">
+              <a:t>: Esta é a implementação principal do algoritmo de </a:t>
+            </a:r>
+            <a:r>
+              <a:rPr lang="pt-PT" sz="1400" b="0" i="0" dirty="0" err="1">
                 <a:solidFill>
                   <a:srgbClr val="ECECEC"/>
                 </a:solidFill>
                 <a:effectLst/>
                 <a:latin typeface="+mj-lt"/>
               </a:rPr>
+              <a:t>Edmonds-Karp</a:t>
+            </a:r>
+            <a:r>
+              <a:rPr lang="pt-PT" sz="1400" b="0" i="0" dirty="0">
+                <a:solidFill>
+                  <a:srgbClr val="ECECEC"/>
+                </a:solidFill>
+                <a:effectLst/>
+                <a:latin typeface="+mj-lt"/>
+              </a:rPr>
+              <a:t>. Ela utiliza as funções anteriores para encontrar o fluxo máximo na rede de fluxo representada </a:t>
+            </a:r>
+            <a:r>
+              <a:rPr lang="pt-PT" sz="1400" b="0" i="0" dirty="0" err="1">
+                <a:solidFill>
+                  <a:srgbClr val="ECECEC"/>
+                </a:solidFill>
+                <a:effectLst/>
+                <a:latin typeface="+mj-lt"/>
+              </a:rPr>
+              <a:t>pelo</a:t>
+            </a:r>
+            <a:r>
+              <a:rPr lang="pt-PT" sz="1400" b="0" i="0" dirty="0">
+                <a:solidFill>
+                  <a:srgbClr val="ECECEC"/>
+                </a:solidFill>
+                <a:effectLst/>
+                <a:latin typeface="+mj-lt"/>
+              </a:rPr>
               <a:t> grafo. Ele itera sobre os caminhos aumentadores até que não seja possível encontrar mais nenhum, aumentando gradualmente o fluxo ao longo desses caminhos.</a:t>
             </a:r>
           </a:p>
           <a:p>
-            <a:r>
-              <a:rPr lang="pt-PT" sz="1400" dirty="0" err="1">
+            <a:endParaRPr lang="pt-PT" sz="1400" dirty="0">
+              <a:solidFill>
+                <a:srgbClr val="ECECEC"/>
+              </a:solidFill>
+              <a:latin typeface="+mj-lt"/>
+            </a:endParaRPr>
+          </a:p>
+          <a:p>
+            <a:r>
+              <a:rPr lang="pt-PT" sz="1400" b="1" dirty="0" err="1">
                 <a:solidFill>
                   <a:srgbClr val="FFFFFF"/>
                 </a:solidFill>
@@ -7096,13 +7056,22 @@
               <a:t>edmondsKarpPipe</a:t>
             </a:r>
             <a:r>
+              <a:rPr lang="pt-PT" sz="1400" b="1" dirty="0">
+                <a:solidFill>
+                  <a:srgbClr val="FFFFFF"/>
+                </a:solidFill>
+                <a:latin typeface="+mj-lt"/>
+              </a:rPr>
+              <a:t>: </a:t>
+            </a:r>
+            <a:r>
               <a:rPr lang="pt-PT" sz="1400" dirty="0">
                 <a:solidFill>
                   <a:srgbClr val="FFFFFF"/>
                 </a:solidFill>
                 <a:latin typeface="+mj-lt"/>
               </a:rPr>
-              <a:t>: Esta função é uma variação do algoritmo de </a:t>
+              <a:t>Esta função é uma variação do algoritmo de </a:t>
             </a:r>
             <a:r>
               <a:rPr lang="pt-PT" sz="1400" dirty="0" err="1">
@@ -7267,7 +7236,7 @@
         <p:spPr>
           <a:xfrm>
             <a:off x="42793" y="1608793"/>
-            <a:ext cx="9668013" cy="5262979"/>
+            <a:ext cx="9668013" cy="4031873"/>
           </a:xfrm>
           <a:prstGeom prst="rect">
             <a:avLst/>
@@ -7339,12 +7308,20 @@
           </a:p>
           <a:p>
             <a:r>
+              <a:rPr lang="pt-PT" sz="1600" b="1" dirty="0">
+                <a:solidFill>
+                  <a:schemeClr val="bg1"/>
+                </a:solidFill>
+              </a:rPr>
+              <a:t>Inicialização</a:t>
+            </a:r>
+            <a:r>
               <a:rPr lang="pt-PT" sz="1600" dirty="0">
                 <a:solidFill>
                   <a:schemeClr val="bg1"/>
                 </a:solidFill>
               </a:rPr>
-              <a:t>Inicialização: O algoritmo começa inicializando a distância de todos os vértices do grafo como infinito (</a:t>
+              <a:t>: O algoritmo começa inicializando a distância de todos os vértices do grafo como infinito (</a:t>
             </a:r>
             <a:r>
               <a:rPr lang="pt-PT" sz="1600" dirty="0" err="1">
@@ -7365,12 +7342,20 @@
           </a:p>
           <a:p>
             <a:r>
+              <a:rPr lang="pt-PT" sz="1600" b="1" dirty="0">
+                <a:solidFill>
+                  <a:schemeClr val="bg1"/>
+                </a:solidFill>
+              </a:rPr>
+              <a:t>Loop Principal: </a:t>
+            </a:r>
+            <a:r>
               <a:rPr lang="pt-PT" sz="1600" dirty="0">
                 <a:solidFill>
                   <a:schemeClr val="bg1"/>
                 </a:solidFill>
               </a:rPr>
-              <a:t>Loop Principal: O algoritmo então entra em um </a:t>
+              <a:t>O algoritmo então entra em um </a:t>
             </a:r>
             <a:r>
               <a:rPr lang="pt-PT" sz="1600" dirty="0" err="1">
@@ -7455,12 +7440,20 @@
           </a:p>
           <a:p>
             <a:r>
+              <a:rPr lang="pt-PT" sz="1600" b="1" dirty="0">
+                <a:solidFill>
+                  <a:schemeClr val="bg1"/>
+                </a:solidFill>
+              </a:rPr>
+              <a:t>Relaxamento das Arestas: </a:t>
+            </a:r>
+            <a:r>
               <a:rPr lang="pt-PT" sz="1600" dirty="0">
                 <a:solidFill>
                   <a:schemeClr val="bg1"/>
                 </a:solidFill>
               </a:rPr>
-              <a:t>Relaxamento das Arestas: Para cada aresta saindo do vértice </a:t>
+              <a:t>Para cada aresta saindo do vértice </a:t>
             </a:r>
             <a:r>
               <a:rPr lang="pt-PT" sz="1600" dirty="0" err="1">
@@ -7528,62 +7521,11 @@
             </a:r>
           </a:p>
           <a:p>
-            <a:r>
-              <a:rPr lang="pt-PT" sz="1600" dirty="0">
-                <a:solidFill>
-                  <a:schemeClr val="bg1"/>
-                </a:solidFill>
-              </a:rPr>
-              <a:t>Conclusão: Após o </a:t>
-            </a:r>
-            <a:r>
-              <a:rPr lang="pt-PT" sz="1600" dirty="0" err="1">
-                <a:solidFill>
-                  <a:schemeClr val="bg1"/>
-                </a:solidFill>
-              </a:rPr>
-              <a:t>loop</a:t>
-            </a:r>
-            <a:r>
-              <a:rPr lang="pt-PT" sz="1600" dirty="0">
-                <a:solidFill>
-                  <a:schemeClr val="bg1"/>
-                </a:solidFill>
-              </a:rPr>
-              <a:t> principal, o algoritmo terá determinado o caminho mais curto do vértice de origem para todos os outros vértices alcançáveis no grafo. No entanto, no código fornecido, parece haver uma parte do algoritmo faltando. Geralmente, o algoritmo de </a:t>
-            </a:r>
-            <a:r>
-              <a:rPr lang="pt-PT" sz="1600" dirty="0" err="1">
-                <a:solidFill>
-                  <a:schemeClr val="bg1"/>
-                </a:solidFill>
-              </a:rPr>
-              <a:t>Dijkstra</a:t>
-            </a:r>
-            <a:r>
-              <a:rPr lang="pt-PT" sz="1600" dirty="0">
-                <a:solidFill>
-                  <a:schemeClr val="bg1"/>
-                </a:solidFill>
-              </a:rPr>
-              <a:t> inclui uma verificação adicional para determinar o caminho mais curto até um vértice de destino específico. No código fornecido, esta parte parece estar ausente, pois o código apenas define a distância do vértice de destino como infinito após o término do </a:t>
-            </a:r>
-            <a:r>
-              <a:rPr lang="pt-PT" sz="1600" dirty="0" err="1">
-                <a:solidFill>
-                  <a:schemeClr val="bg1"/>
-                </a:solidFill>
-              </a:rPr>
-              <a:t>loop</a:t>
-            </a:r>
-            <a:r>
-              <a:rPr lang="pt-PT" sz="1600" dirty="0">
-                <a:solidFill>
-                  <a:schemeClr val="bg1"/>
-                </a:solidFill>
-              </a:rPr>
-              <a:t> principal, sem realmente calcular o caminho mais curto até este vértice.</a:t>
-            </a:r>
+            <a:endParaRPr lang="pt-PT" sz="1600" dirty="0">
+              <a:solidFill>
+                <a:schemeClr val="bg1"/>
+              </a:solidFill>
+            </a:endParaRPr>
           </a:p>
           <a:p>
             <a:endParaRPr lang="pt-PT" sz="1600" dirty="0">
@@ -7724,7 +7666,7 @@
         <p:spPr>
           <a:xfrm>
             <a:off x="152401" y="1752600"/>
-            <a:ext cx="9448800" cy="4524315"/>
+            <a:ext cx="9448800" cy="4001095"/>
           </a:xfrm>
           <a:prstGeom prst="rect">
             <a:avLst/>
@@ -7737,13 +7679,42 @@
           <a:lstStyle/>
           <a:p>
             <a:r>
+              <a:rPr lang="pt-PT" sz="1400" b="1" dirty="0">
+                <a:solidFill>
+                  <a:srgbClr val="FFFFFF"/>
+                </a:solidFill>
+                <a:latin typeface="Libre Baskerville"/>
+              </a:rPr>
+              <a:t>Menu </a:t>
+            </a:r>
+            <a:r>
+              <a:rPr lang="pt-PT" sz="1400" b="1" dirty="0" err="1">
+                <a:solidFill>
+                  <a:srgbClr val="FFFFFF"/>
+                </a:solidFill>
+                <a:latin typeface="Libre Baskerville"/>
+              </a:rPr>
+              <a:t>Interativo</a:t>
+            </a:r>
+            <a:r>
+              <a:rPr lang="pt-PT" sz="1400" b="1" dirty="0">
+                <a:solidFill>
+                  <a:srgbClr val="FFFFFF"/>
+                </a:solidFill>
+                <a:latin typeface="Libre Baskerville"/>
+              </a:rPr>
+              <a:t>:</a:t>
+            </a:r>
+          </a:p>
+          <a:p>
+            <a:r>
               <a:rPr lang="pt-PT" sz="1400" dirty="0">
                 <a:solidFill>
                   <a:srgbClr val="FFFFFF"/>
                 </a:solidFill>
                 <a:latin typeface="Libre Baskerville"/>
               </a:rPr>
-              <a:t>Menu </a:t>
+              <a:t>O sistema conta com um menu </a:t>
             </a:r>
             <a:r>
               <a:rPr lang="pt-PT" sz="1400" dirty="0" err="1">
@@ -7752,7 +7723,7 @@
                 </a:solidFill>
                 <a:latin typeface="Libre Baskerville"/>
               </a:rPr>
-              <a:t>Interativo</a:t>
+              <a:t>interativo</a:t>
             </a:r>
             <a:r>
               <a:rPr lang="pt-PT" sz="1400" dirty="0">
@@ -7761,7 +7732,7 @@
                 </a:solidFill>
                 <a:latin typeface="Libre Baskerville"/>
               </a:rPr>
-              <a:t>:</a:t>
+              <a:t> implementado no arquivo UI.cpp. Este menu oferece</a:t>
             </a:r>
           </a:p>
           <a:p>
@@ -7772,232 +7743,120 @@
                 </a:solidFill>
                 <a:latin typeface="Libre Baskerville"/>
               </a:rPr>
-              <a:t>O sistema conta com um menu </a:t>
-            </a:r>
-            <a:r>
-              <a:rPr lang="pt-PT" sz="1400" dirty="0" err="1">
-                <a:solidFill>
-                  <a:srgbClr val="FFFFFF"/>
-                </a:solidFill>
-                <a:latin typeface="Libre Baskerville"/>
-              </a:rPr>
-              <a:t>interativo</a:t>
-            </a:r>
-            <a:r>
-              <a:rPr lang="pt-PT" sz="1400" dirty="0">
-                <a:solidFill>
-                  <a:srgbClr val="FFFFFF"/>
-                </a:solidFill>
-                <a:latin typeface="Libre Baskerville"/>
-              </a:rPr>
-              <a:t> implementado no arquivo FlightManagementSystemMenu.cpp. Este menu oferece</a:t>
-            </a:r>
-          </a:p>
-          <a:p>
-            <a:r>
-              <a:rPr lang="pt-PT" sz="1400" dirty="0">
-                <a:solidFill>
-                  <a:srgbClr val="FFFFFF"/>
-                </a:solidFill>
-                <a:latin typeface="Libre Baskerville"/>
-              </a:rPr>
-              <a:t>uma interface de usuário amigável e fácil de usar.</a:t>
-            </a:r>
-          </a:p>
-          <a:p>
-            <a:r>
-              <a:rPr lang="pt-PT" sz="1400" dirty="0">
-                <a:solidFill>
-                  <a:srgbClr val="FFFFFF"/>
-                </a:solidFill>
-                <a:latin typeface="Libre Baskerville"/>
-              </a:rPr>
-              <a:t>Opções Disponíveis: Os usuários têm à disposição diversas opções, incluindo:</a:t>
-            </a:r>
-          </a:p>
-          <a:p>
-            <a:r>
-              <a:rPr lang="pt-PT" sz="1400" dirty="0">
-                <a:solidFill>
-                  <a:srgbClr val="FFFFFF"/>
-                </a:solidFill>
-                <a:latin typeface="Libre Baskerville"/>
-              </a:rPr>
-              <a:t>Visualização de estatísticas detalhadas sobre a rede de voos.</a:t>
-            </a:r>
-          </a:p>
-          <a:p>
-            <a:r>
-              <a:rPr lang="pt-PT" sz="1400" dirty="0">
-                <a:solidFill>
-                  <a:srgbClr val="FFFFFF"/>
-                </a:solidFill>
-                <a:latin typeface="Libre Baskerville"/>
-              </a:rPr>
-              <a:t>Consulta de melhores opções de voo com base em critérios como distância e escalas.</a:t>
-            </a:r>
-          </a:p>
-          <a:p>
-            <a:r>
-              <a:rPr lang="pt-PT" sz="1400" dirty="0" err="1">
-                <a:solidFill>
-                  <a:srgbClr val="FFFFFF"/>
-                </a:solidFill>
-                <a:latin typeface="Libre Baskerville"/>
-              </a:rPr>
-              <a:t>Seleção</a:t>
-            </a:r>
-            <a:r>
-              <a:rPr lang="pt-PT" sz="1400" dirty="0">
-                <a:solidFill>
-                  <a:srgbClr val="FFFFFF"/>
-                </a:solidFill>
-                <a:latin typeface="Libre Baskerville"/>
-              </a:rPr>
-              <a:t> personalizada de voos com filtros.</a:t>
-            </a:r>
-          </a:p>
-          <a:p>
-            <a:r>
-              <a:rPr lang="pt-PT" sz="1400" dirty="0">
-                <a:solidFill>
-                  <a:srgbClr val="FFFFFF"/>
-                </a:solidFill>
-                <a:latin typeface="Libre Baskerville"/>
-              </a:rPr>
-              <a:t>Estatísticas de Rede</a:t>
-            </a:r>
-          </a:p>
-          <a:p>
-            <a:r>
-              <a:rPr lang="pt-PT" sz="1400" dirty="0">
-                <a:solidFill>
-                  <a:srgbClr val="FFFFFF"/>
-                </a:solidFill>
-                <a:latin typeface="Libre Baskerville"/>
-              </a:rPr>
-              <a:t>Estatísticas Detalhadas: Utilizamos a classe </a:t>
-            </a:r>
-            <a:r>
-              <a:rPr lang="pt-PT" sz="1400" dirty="0" err="1">
-                <a:solidFill>
-                  <a:srgbClr val="FFFFFF"/>
-                </a:solidFill>
-                <a:latin typeface="Libre Baskerville"/>
-              </a:rPr>
-              <a:t>NetworkStatistic</a:t>
-            </a:r>
-            <a:r>
-              <a:rPr lang="pt-PT" sz="1400" dirty="0">
-                <a:solidFill>
-                  <a:srgbClr val="FFFFFF"/>
-                </a:solidFill>
-                <a:latin typeface="Libre Baskerville"/>
-              </a:rPr>
-              <a:t> para calcular e apresentar estatísticas abrangentes sobre a rede</a:t>
-            </a:r>
-          </a:p>
-          <a:p>
-            <a:r>
-              <a:rPr lang="pt-PT" sz="1400" dirty="0">
-                <a:solidFill>
-                  <a:srgbClr val="FFFFFF"/>
-                </a:solidFill>
-                <a:latin typeface="Libre Baskerville"/>
-              </a:rPr>
-              <a:t>de voos.</a:t>
-            </a:r>
-          </a:p>
-          <a:p>
-            <a:r>
-              <a:rPr lang="pt-PT" sz="1400" dirty="0">
-                <a:solidFill>
-                  <a:srgbClr val="FFFFFF"/>
-                </a:solidFill>
-                <a:latin typeface="Libre Baskerville"/>
-              </a:rPr>
-              <a:t>Informações Disponíveis: As estatísticas incluem o número total de aeroportos, voos disponíveis e outras métricas essenciais.</a:t>
-            </a:r>
-          </a:p>
-          <a:p>
-            <a:r>
-              <a:rPr lang="pt-PT" sz="1400" dirty="0">
-                <a:solidFill>
-                  <a:srgbClr val="FFFFFF"/>
-                </a:solidFill>
-                <a:latin typeface="Libre Baskerville"/>
-              </a:rPr>
-              <a:t>Complexidade: A complexidade das operações no menu é O(N), simplificando a </a:t>
-            </a:r>
-            <a:r>
-              <a:rPr lang="pt-PT" sz="1400" dirty="0" err="1">
-                <a:solidFill>
-                  <a:srgbClr val="FFFFFF"/>
-                </a:solidFill>
-                <a:latin typeface="Libre Baskerville"/>
-              </a:rPr>
-              <a:t>interação</a:t>
-            </a:r>
-            <a:r>
-              <a:rPr lang="pt-PT" sz="1400" dirty="0">
-                <a:solidFill>
-                  <a:srgbClr val="FFFFFF"/>
-                </a:solidFill>
-                <a:latin typeface="Libre Baskerville"/>
-              </a:rPr>
-              <a:t> do usuário. As estatísticas de rede</a:t>
-            </a:r>
-          </a:p>
-          <a:p>
-            <a:r>
-              <a:rPr lang="pt-PT" sz="1400" dirty="0">
-                <a:solidFill>
-                  <a:srgbClr val="FFFFFF"/>
-                </a:solidFill>
-                <a:latin typeface="Libre Baskerville"/>
-              </a:rPr>
-              <a:t>são calculadas com uma complexidade de O(N), garantindo eficiência.</a:t>
-            </a:r>
-          </a:p>
-          <a:p>
-            <a:r>
-              <a:rPr lang="pt-PT" sz="1400" dirty="0">
-                <a:solidFill>
-                  <a:srgbClr val="FFFFFF"/>
-                </a:solidFill>
-                <a:latin typeface="Libre Baskerville"/>
-              </a:rPr>
-              <a:t>Este menu </a:t>
-            </a:r>
-            <a:r>
-              <a:rPr lang="pt-PT" sz="1400" dirty="0" err="1">
-                <a:solidFill>
-                  <a:srgbClr val="FFFFFF"/>
-                </a:solidFill>
-                <a:latin typeface="Libre Baskerville"/>
-              </a:rPr>
-              <a:t>interativo</a:t>
-            </a:r>
-            <a:r>
-              <a:rPr lang="pt-PT" sz="1400" dirty="0">
-                <a:solidFill>
-                  <a:srgbClr val="FFFFFF"/>
-                </a:solidFill>
-                <a:latin typeface="Libre Baskerville"/>
-              </a:rPr>
-              <a:t> e as estatísticas detalhadas tornam o sistema de gerenciamento de voos acessível e informativo para os</a:t>
-            </a:r>
-          </a:p>
-          <a:p>
-            <a:r>
-              <a:rPr lang="pt-PT" sz="1400" dirty="0">
-                <a:solidFill>
-                  <a:srgbClr val="FFFFFF"/>
-                </a:solidFill>
-                <a:latin typeface="Libre Baskerville"/>
-              </a:rPr>
-              <a:t>usuários, contribuindo para uma experiência de usuário agradável e informada.</a:t>
-            </a:r>
+              <a:t>uma interface de usuário amigável e fácil de usar, que contém a implementação das funções necessárias para interagir com o usuário e conduzir as operações principais do sistema de análise de gerenciamento de abastecimento de água.</a:t>
+            </a:r>
+          </a:p>
+          <a:p>
+            <a:pPr algn="l"/>
+            <a:r>
+              <a:rPr lang="pt-PT" b="1" i="0" dirty="0">
+                <a:solidFill>
+                  <a:srgbClr val="ECECEC"/>
+                </a:solidFill>
+                <a:effectLst/>
+                <a:latin typeface="Söhne"/>
+              </a:rPr>
+              <a:t>Funcionalidades Principais:</a:t>
+            </a:r>
+            <a:endParaRPr lang="pt-PT" b="0" i="0" dirty="0">
+              <a:solidFill>
+                <a:srgbClr val="ECECEC"/>
+              </a:solidFill>
+              <a:effectLst/>
+              <a:latin typeface="Söhne"/>
+            </a:endParaRPr>
+          </a:p>
+          <a:p>
+            <a:pPr algn="l">
+              <a:buFont typeface="+mj-lt"/>
+              <a:buAutoNum type="arabicPeriod"/>
+            </a:pPr>
+            <a:r>
+              <a:rPr lang="pt-PT" b="1" i="0" dirty="0">
+                <a:solidFill>
+                  <a:srgbClr val="ECECEC"/>
+                </a:solidFill>
+                <a:effectLst/>
+                <a:latin typeface="Söhne"/>
+              </a:rPr>
+              <a:t>Validação de Entrada:</a:t>
+            </a:r>
+            <a:r>
+              <a:rPr lang="pt-PT" dirty="0">
+                <a:solidFill>
+                  <a:srgbClr val="ECECEC"/>
+                </a:solidFill>
+                <a:latin typeface="Söhne"/>
+              </a:rPr>
+              <a:t> </a:t>
+            </a:r>
+            <a:r>
+              <a:rPr lang="pt-PT" b="0" i="0" dirty="0">
+                <a:solidFill>
+                  <a:srgbClr val="ECECEC"/>
+                </a:solidFill>
+                <a:effectLst/>
+                <a:latin typeface="Söhne"/>
+              </a:rPr>
+              <a:t>Fornece validar as entradas do usuário, garantindo que apenas opções válidas sejam aceitas.</a:t>
+            </a:r>
+          </a:p>
+          <a:p>
+            <a:pPr algn="l">
+              <a:buFont typeface="+mj-lt"/>
+              <a:buAutoNum type="arabicPeriod"/>
+            </a:pPr>
+            <a:r>
+              <a:rPr lang="pt-PT" b="1" i="0" dirty="0">
+                <a:solidFill>
+                  <a:srgbClr val="ECECEC"/>
+                </a:solidFill>
+                <a:effectLst/>
+                <a:latin typeface="Söhne"/>
+              </a:rPr>
+              <a:t>Menu Principal e Operações Básicas: </a:t>
+            </a:r>
+            <a:r>
+              <a:rPr lang="pt-PT" b="0" i="0" dirty="0">
+                <a:solidFill>
+                  <a:srgbClr val="ECECEC"/>
+                </a:solidFill>
+                <a:effectLst/>
+                <a:latin typeface="Söhne"/>
+              </a:rPr>
+              <a:t>Apresenta um menu principal com opções para executar diferentes operações, como calcular o fluxo máximo, verificar a demanda de água das cidades, avaliar estatísticas heurísticas do fluxo máximo e avaliar a resiliência da rede em caso de falhas.</a:t>
+            </a:r>
+          </a:p>
+          <a:p>
+            <a:pPr algn="l"/>
+            <a:r>
+              <a:rPr lang="pt-PT" b="1" i="0" dirty="0">
+                <a:solidFill>
+                  <a:srgbClr val="ECECEC"/>
+                </a:solidFill>
+                <a:effectLst/>
+                <a:latin typeface="Söhne"/>
+              </a:rPr>
+              <a:t>3.Tratamento de Casos Especiais: </a:t>
+            </a:r>
+            <a:r>
+              <a:rPr lang="pt-PT" b="0" i="0" dirty="0">
+                <a:solidFill>
+                  <a:srgbClr val="ECECEC"/>
+                </a:solidFill>
+                <a:effectLst/>
+                <a:latin typeface="Söhne"/>
+              </a:rPr>
+              <a:t>Lida com casos especiais, como a remoção temporária de reservatórios, estações de bombeamento e falhas de pipeline, fornecendo informações detalhadas sobre o impacto desses eventos na rede de abastecimento de água.</a:t>
+            </a:r>
+          </a:p>
+          <a:p>
+            <a:endParaRPr lang="pt-PT" sz="1400" dirty="0">
+              <a:solidFill>
+                <a:srgbClr val="FFFFFF"/>
+              </a:solidFill>
+              <a:latin typeface="Libre Baskerville"/>
+            </a:endParaRPr>
           </a:p>
           <a:p>
             <a:endParaRPr lang="en-US" sz="1400" dirty="0">
@@ -8101,7 +7960,7 @@
         <p:spPr>
           <a:xfrm>
             <a:off x="42794" y="169718"/>
-            <a:ext cx="9668013" cy="1269357"/>
+            <a:ext cx="9668013" cy="1248227"/>
           </a:xfrm>
           <a:prstGeom prst="rect">
             <a:avLst/>
@@ -8119,13 +7978,13 @@
               </a:lnSpc>
             </a:pPr>
             <a:r>
-              <a:rPr lang="en-US" sz="7400">
+              <a:rPr lang="en-US" sz="7400" dirty="0">
                 <a:solidFill>
                   <a:srgbClr val="FFFFFF"/>
                 </a:solidFill>
                 <a:latin typeface="Libre Baskerville Bold"/>
               </a:rPr>
-              <a:t>EDMONDS KARP</a:t>
+              <a:t>Ui</a:t>
             </a:r>
           </a:p>
         </p:txBody>
@@ -8138,46 +7997,70 @@
         </p:nvSpPr>
         <p:spPr>
           <a:xfrm>
-            <a:off x="4420691" y="4500880"/>
-            <a:ext cx="912217" cy="372745"/>
+            <a:off x="152401" y="1752600"/>
+            <a:ext cx="9448800" cy="430887"/>
           </a:xfrm>
           <a:prstGeom prst="rect">
             <a:avLst/>
           </a:prstGeom>
         </p:spPr>
         <p:txBody>
-          <a:bodyPr lIns="0" tIns="0" rIns="0" bIns="0" rtlCol="0" anchor="t">
+          <a:bodyPr wrap="square" lIns="0" tIns="0" rIns="0" bIns="0" rtlCol="0" anchor="t">
             <a:spAutoFit/>
           </a:bodyPr>
           <a:lstStyle/>
           <a:p>
-            <a:pPr algn="ctr">
-              <a:lnSpc>
-                <a:spcPts val="3079"/>
-              </a:lnSpc>
-            </a:pPr>
-            <a:r>
-              <a:rPr lang="en-US" sz="2199" dirty="0" err="1">
-                <a:solidFill>
-                  <a:srgbClr val="FFFFFF"/>
-                </a:solidFill>
-                <a:latin typeface="Libre Baskerville"/>
-              </a:rPr>
-              <a:t>Corpo</a:t>
-            </a:r>
-            <a:endParaRPr lang="en-US" sz="2199" dirty="0">
+            <a:endParaRPr lang="pt-PT" sz="1400" dirty="0">
               <a:solidFill>
                 <a:srgbClr val="FFFFFF"/>
               </a:solidFill>
               <a:latin typeface="Libre Baskerville"/>
             </a:endParaRPr>
           </a:p>
-        </p:txBody>
-      </p:sp>
+          <a:p>
+            <a:endParaRPr lang="en-US" sz="1400" dirty="0">
+              <a:solidFill>
+                <a:srgbClr val="FFFFFF"/>
+              </a:solidFill>
+              <a:latin typeface="Libre Baskerville"/>
+            </a:endParaRPr>
+          </a:p>
+        </p:txBody>
+      </p:sp>
+      <p:pic>
+        <p:nvPicPr>
+          <p:cNvPr id="6" name="Picture 5">
+            <a:extLst>
+              <a:ext uri="{FF2B5EF4-FFF2-40B4-BE49-F238E27FC236}">
+                <a16:creationId xmlns:a16="http://schemas.microsoft.com/office/drawing/2014/main" id="{1EC973F8-2D7C-4445-72B5-C671DC5B5BFD}"/>
+              </a:ext>
+            </a:extLst>
+          </p:cNvPr>
+          <p:cNvPicPr>
+            <a:picLocks noChangeAspect="1"/>
+          </p:cNvPicPr>
+          <p:nvPr/>
+        </p:nvPicPr>
+        <p:blipFill>
+          <a:blip r:embed="rId3"/>
+          <a:stretch>
+            <a:fillRect/>
+          </a:stretch>
+        </p:blipFill>
+        <p:spPr>
+          <a:xfrm>
+            <a:off x="1828800" y="1752600"/>
+            <a:ext cx="6544588" cy="4467849"/>
+          </a:xfrm>
+          <a:prstGeom prst="rect">
+            <a:avLst/>
+          </a:prstGeom>
+        </p:spPr>
+      </p:pic>
     </p:spTree>
     <p:extLst>
       <p:ext uri="{BB962C8B-B14F-4D97-AF65-F5344CB8AC3E}">
-        <p14:creationId xmlns:p14="http://schemas.microsoft.com/office/powerpoint/2010/main" val="4034233798"/>
+        <p14:creationId xmlns:p14="http://schemas.microsoft.com/office/powerpoint/2010/main" val="3199771385"/>
       </p:ext>
     </p:extLst>
   </p:cSld>
@@ -8687,16 +8570,16 @@
 <file path=customXml/itemProps2.xml><?xml version="1.0" encoding="utf-8"?>
 <ds:datastoreItem xmlns:ds="http://schemas.openxmlformats.org/officeDocument/2006/customXml" ds:itemID="{854A2080-F76F-422C-A8A4-7F2ECAACEEC1}">
   <ds:schemaRefs>
+    <ds:schemaRef ds:uri="http://schemas.microsoft.com/office/2006/documentManagement/types"/>
+    <ds:schemaRef ds:uri="http://www.w3.org/XML/1998/namespace"/>
+    <ds:schemaRef ds:uri="http://purl.org/dc/dcmitype/"/>
+    <ds:schemaRef ds:uri="4b71ed24-2eb2-4a02-9296-9ab9d1ab5d0a"/>
+    <ds:schemaRef ds:uri="http://purl.org/dc/terms/"/>
+    <ds:schemaRef ds:uri="http://purl.org/dc/elements/1.1/"/>
     <ds:schemaRef ds:uri="e3181807-abd2-474a-b813-5d09948435a1"/>
-    <ds:schemaRef ds:uri="4b71ed24-2eb2-4a02-9296-9ab9d1ab5d0a"/>
-    <ds:schemaRef ds:uri="http://schemas.microsoft.com/office/2006/documentManagement/types"/>
+    <ds:schemaRef ds:uri="http://schemas.microsoft.com/office/infopath/2007/PartnerControls"/>
     <ds:schemaRef ds:uri="http://schemas.openxmlformats.org/package/2006/metadata/core-properties"/>
-    <ds:schemaRef ds:uri="http://www.w3.org/XML/1998/namespace"/>
-    <ds:schemaRef ds:uri="http://purl.org/dc/elements/1.1/"/>
-    <ds:schemaRef ds:uri="http://schemas.microsoft.com/office/infopath/2007/PartnerControls"/>
     <ds:schemaRef ds:uri="http://schemas.microsoft.com/office/2006/metadata/properties"/>
-    <ds:schemaRef ds:uri="http://purl.org/dc/dcmitype/"/>
-    <ds:schemaRef ds:uri="http://purl.org/dc/terms/"/>
   </ds:schemaRefs>
 </ds:datastoreItem>
 </file>
